--- a/simd_tutorial/fig/fig.pptx
+++ b/simd_tutorial/fig/fig.pptx
@@ -5,10 +5,13 @@
     <p:sldMasterId id="2147483648" r:id="rId1"/>
   </p:sldMasterIdLst>
   <p:notesMasterIdLst>
-    <p:notesMasterId r:id="rId3"/>
+    <p:notesMasterId r:id="rId6"/>
   </p:notesMasterIdLst>
   <p:sldIdLst>
     <p:sldId id="256" r:id="rId2"/>
+    <p:sldId id="257" r:id="rId3"/>
+    <p:sldId id="258" r:id="rId4"/>
+    <p:sldId id="259" r:id="rId5"/>
   </p:sldIdLst>
   <p:sldSz cx="9144000" cy="6858000" type="screen4x3"/>
   <p:notesSz cx="6858000" cy="9144000"/>
@@ -212,7 +215,7 @@
             <a:fld id="{D2C63D3F-0352-EF45-A95C-C8137A1B6577}" type="datetimeFigureOut">
               <a:rPr lang="ja-JP" altLang="en-US" smtClean="0"/>
               <a:pPr/>
-              <a:t>2020/6/25</a:t>
+              <a:t>2020/7/8</a:t>
             </a:fld>
             <a:endParaRPr lang="ja-JP" altLang="en-US"/>
           </a:p>
@@ -512,6 +515,91 @@
     </a:lvl9pPr>
   </p:notesStyle>
 </p:notesMaster>
+</file>
+
+<file path=ppt/notesSlides/notesSlide1.xml><?xml version="1.0" encoding="utf-8"?>
+<p:notes xmlns:a="http://schemas.openxmlformats.org/drawingml/2006/main" xmlns:r="http://schemas.openxmlformats.org/officeDocument/2006/relationships" xmlns:p="http://schemas.openxmlformats.org/presentationml/2006/main">
+  <p:cSld>
+    <p:spTree>
+      <p:nvGrpSpPr>
+        <p:cNvPr id="1" name=""/>
+        <p:cNvGrpSpPr/>
+        <p:nvPr/>
+      </p:nvGrpSpPr>
+      <p:grpSpPr>
+        <a:xfrm>
+          <a:off x="0" y="0"/>
+          <a:ext cx="0" cy="0"/>
+          <a:chOff x="0" y="0"/>
+          <a:chExt cx="0" cy="0"/>
+        </a:xfrm>
+      </p:grpSpPr>
+      <p:sp>
+        <p:nvSpPr>
+          <p:cNvPr id="2" name="スライド イメージ プレースホルダー 1"/>
+          <p:cNvSpPr>
+            <a:spLocks noGrp="1" noRot="1" noChangeAspect="1"/>
+          </p:cNvSpPr>
+          <p:nvPr>
+            <p:ph type="sldImg"/>
+          </p:nvPr>
+        </p:nvSpPr>
+        <p:spPr/>
+      </p:sp>
+      <p:sp>
+        <p:nvSpPr>
+          <p:cNvPr id="3" name="ノート プレースホルダー 2"/>
+          <p:cNvSpPr>
+            <a:spLocks noGrp="1"/>
+          </p:cNvSpPr>
+          <p:nvPr>
+            <p:ph type="body" idx="1"/>
+          </p:nvPr>
+        </p:nvSpPr>
+        <p:spPr/>
+        <p:txBody>
+          <a:bodyPr/>
+          <a:lstStyle/>
+          <a:p>
+            <a:endParaRPr kumimoji="1" lang="ja-JP" altLang="en-US" dirty="0"/>
+          </a:p>
+        </p:txBody>
+      </p:sp>
+      <p:sp>
+        <p:nvSpPr>
+          <p:cNvPr id="4" name="スライド番号プレースホルダー 3"/>
+          <p:cNvSpPr>
+            <a:spLocks noGrp="1"/>
+          </p:cNvSpPr>
+          <p:nvPr>
+            <p:ph type="sldNum" sz="quarter" idx="10"/>
+          </p:nvPr>
+        </p:nvSpPr>
+        <p:spPr/>
+        <p:txBody>
+          <a:bodyPr/>
+          <a:lstStyle/>
+          <a:p>
+            <a:fld id="{658B8C6D-C3B1-8D4B-883D-F931C7D3B8B2}" type="slidenum">
+              <a:rPr lang="ja-JP" altLang="en-US" smtClean="0"/>
+              <a:pPr/>
+              <a:t>3</a:t>
+            </a:fld>
+            <a:endParaRPr lang="ja-JP" altLang="en-US"/>
+          </a:p>
+        </p:txBody>
+      </p:sp>
+    </p:spTree>
+    <p:extLst>
+      <p:ext uri="{BB962C8B-B14F-4D97-AF65-F5344CB8AC3E}">
+        <p14:creationId xmlns:p14="http://schemas.microsoft.com/office/powerpoint/2010/main" val="392436000"/>
+      </p:ext>
+    </p:extLst>
+  </p:cSld>
+  <p:clrMapOvr>
+    <a:masterClrMapping/>
+  </p:clrMapOvr>
+</p:notes>
 </file>
 
 <file path=ppt/slideLayouts/slideLayout1.xml><?xml version="1.0" encoding="utf-8"?>
@@ -1523,6 +1611,9321 @@
     <p:extLst>
       <p:ext uri="{BB962C8B-B14F-4D97-AF65-F5344CB8AC3E}">
         <p14:creationId xmlns:p14="http://schemas.microsoft.com/office/powerpoint/2010/main" val="1758067269"/>
+      </p:ext>
+    </p:extLst>
+  </p:cSld>
+  <p:clrMapOvr>
+    <a:masterClrMapping/>
+  </p:clrMapOvr>
+</p:sld>
+</file>
+
+<file path=ppt/slides/slide2.xml><?xml version="1.0" encoding="utf-8"?>
+<p:sld xmlns:a="http://schemas.openxmlformats.org/drawingml/2006/main" xmlns:r="http://schemas.openxmlformats.org/officeDocument/2006/relationships" xmlns:p="http://schemas.openxmlformats.org/presentationml/2006/main">
+  <p:cSld>
+    <p:spTree>
+      <p:nvGrpSpPr>
+        <p:cNvPr id="1" name=""/>
+        <p:cNvGrpSpPr/>
+        <p:nvPr/>
+      </p:nvGrpSpPr>
+      <p:grpSpPr>
+        <a:xfrm>
+          <a:off x="0" y="0"/>
+          <a:ext cx="0" cy="0"/>
+          <a:chOff x="0" y="0"/>
+          <a:chExt cx="0" cy="0"/>
+        </a:xfrm>
+      </p:grpSpPr>
+      <p:sp>
+        <p:nvSpPr>
+          <p:cNvPr id="13" name="正方形/長方形 12"/>
+          <p:cNvSpPr/>
+          <p:nvPr/>
+        </p:nvSpPr>
+        <p:spPr>
+          <a:xfrm>
+            <a:off x="3419872" y="548680"/>
+            <a:ext cx="720080" cy="720080"/>
+          </a:xfrm>
+          <a:prstGeom prst="rect">
+            <a:avLst/>
+          </a:prstGeom>
+          <a:solidFill>
+            <a:schemeClr val="accent1">
+              <a:lumMod val="20000"/>
+              <a:lumOff val="80000"/>
+            </a:schemeClr>
+          </a:solidFill>
+          <a:ln>
+            <a:solidFill>
+              <a:schemeClr val="tx1"/>
+            </a:solidFill>
+          </a:ln>
+        </p:spPr>
+        <p:txBody>
+          <a:bodyPr wrap="square" rtlCol="0" anchor="ctr">
+            <a:spAutoFit/>
+          </a:bodyPr>
+          <a:lstStyle/>
+          <a:p>
+            <a:pPr algn="ctr"/>
+            <a:endParaRPr kumimoji="1" lang="ja-JP" altLang="en-US" sz="2400" dirty="0" smtClean="0"/>
+          </a:p>
+        </p:txBody>
+      </p:sp>
+      <p:sp>
+        <p:nvSpPr>
+          <p:cNvPr id="14" name="正方形/長方形 13"/>
+          <p:cNvSpPr/>
+          <p:nvPr/>
+        </p:nvSpPr>
+        <p:spPr>
+          <a:xfrm>
+            <a:off x="2699792" y="548680"/>
+            <a:ext cx="720080" cy="720080"/>
+          </a:xfrm>
+          <a:prstGeom prst="rect">
+            <a:avLst/>
+          </a:prstGeom>
+          <a:solidFill>
+            <a:schemeClr val="accent6">
+              <a:lumMod val="20000"/>
+              <a:lumOff val="80000"/>
+            </a:schemeClr>
+          </a:solidFill>
+          <a:ln>
+            <a:solidFill>
+              <a:schemeClr val="tx1"/>
+            </a:solidFill>
+          </a:ln>
+        </p:spPr>
+        <p:txBody>
+          <a:bodyPr wrap="square" rtlCol="0" anchor="ctr">
+            <a:spAutoFit/>
+          </a:bodyPr>
+          <a:lstStyle/>
+          <a:p>
+            <a:pPr algn="ctr"/>
+            <a:endParaRPr kumimoji="1" lang="ja-JP" altLang="en-US" sz="2400" dirty="0" smtClean="0"/>
+          </a:p>
+        </p:txBody>
+      </p:sp>
+      <p:sp>
+        <p:nvSpPr>
+          <p:cNvPr id="15" name="正方形/長方形 14"/>
+          <p:cNvSpPr/>
+          <p:nvPr/>
+        </p:nvSpPr>
+        <p:spPr>
+          <a:xfrm>
+            <a:off x="1979712" y="548680"/>
+            <a:ext cx="720080" cy="720080"/>
+          </a:xfrm>
+          <a:prstGeom prst="rect">
+            <a:avLst/>
+          </a:prstGeom>
+          <a:solidFill>
+            <a:schemeClr val="accent2">
+              <a:lumMod val="20000"/>
+              <a:lumOff val="80000"/>
+            </a:schemeClr>
+          </a:solidFill>
+          <a:ln>
+            <a:solidFill>
+              <a:schemeClr val="tx1"/>
+            </a:solidFill>
+          </a:ln>
+        </p:spPr>
+        <p:txBody>
+          <a:bodyPr wrap="square" rtlCol="0" anchor="ctr">
+            <a:spAutoFit/>
+          </a:bodyPr>
+          <a:lstStyle/>
+          <a:p>
+            <a:pPr algn="ctr"/>
+            <a:endParaRPr kumimoji="1" lang="ja-JP" altLang="en-US" sz="2400" dirty="0" smtClean="0"/>
+          </a:p>
+        </p:txBody>
+      </p:sp>
+      <p:sp>
+        <p:nvSpPr>
+          <p:cNvPr id="16" name="正方形/長方形 15"/>
+          <p:cNvSpPr/>
+          <p:nvPr/>
+        </p:nvSpPr>
+        <p:spPr>
+          <a:xfrm>
+            <a:off x="1259632" y="548680"/>
+            <a:ext cx="720080" cy="720080"/>
+          </a:xfrm>
+          <a:prstGeom prst="rect">
+            <a:avLst/>
+          </a:prstGeom>
+          <a:noFill/>
+          <a:ln>
+            <a:solidFill>
+              <a:schemeClr val="tx1"/>
+            </a:solidFill>
+          </a:ln>
+        </p:spPr>
+        <p:txBody>
+          <a:bodyPr wrap="square" rtlCol="0" anchor="ctr">
+            <a:spAutoFit/>
+          </a:bodyPr>
+          <a:lstStyle/>
+          <a:p>
+            <a:pPr algn="ctr"/>
+            <a:endParaRPr kumimoji="1" lang="ja-JP" altLang="en-US" sz="2400" dirty="0" smtClean="0"/>
+          </a:p>
+        </p:txBody>
+      </p:sp>
+      <p:sp>
+        <p:nvSpPr>
+          <p:cNvPr id="5" name="テキスト ボックス 4"/>
+          <p:cNvSpPr txBox="1"/>
+          <p:nvPr/>
+        </p:nvSpPr>
+        <p:spPr>
+          <a:xfrm flipH="1">
+            <a:off x="3347864" y="663079"/>
+            <a:ext cx="864096" cy="461665"/>
+          </a:xfrm>
+          <a:prstGeom prst="rect">
+            <a:avLst/>
+          </a:prstGeom>
+          <a:noFill/>
+        </p:spPr>
+        <p:txBody>
+          <a:bodyPr wrap="square" rtlCol="0">
+            <a:spAutoFit/>
+          </a:bodyPr>
+          <a:lstStyle/>
+          <a:p>
+            <a:pPr algn="ctr"/>
+            <a:r>
+              <a:rPr kumimoji="1" lang="en-US" altLang="ja-JP" sz="2400" dirty="0" smtClean="0">
+                <a:latin typeface="Consolas" panose="020B0609020204030204" pitchFamily="49" charset="0"/>
+              </a:rPr>
+              <a:t>dx_0</a:t>
+            </a:r>
+            <a:endParaRPr kumimoji="1" lang="ja-JP" altLang="en-US" sz="2400" dirty="0" smtClean="0">
+              <a:latin typeface="Consolas" panose="020B0609020204030204" pitchFamily="49" charset="0"/>
+            </a:endParaRPr>
+          </a:p>
+        </p:txBody>
+      </p:sp>
+      <p:sp>
+        <p:nvSpPr>
+          <p:cNvPr id="7" name="テキスト ボックス 6"/>
+          <p:cNvSpPr txBox="1"/>
+          <p:nvPr/>
+        </p:nvSpPr>
+        <p:spPr>
+          <a:xfrm flipH="1">
+            <a:off x="2627784" y="663079"/>
+            <a:ext cx="864096" cy="461665"/>
+          </a:xfrm>
+          <a:prstGeom prst="rect">
+            <a:avLst/>
+          </a:prstGeom>
+          <a:noFill/>
+        </p:spPr>
+        <p:txBody>
+          <a:bodyPr wrap="square" rtlCol="0">
+            <a:spAutoFit/>
+          </a:bodyPr>
+          <a:lstStyle/>
+          <a:p>
+            <a:pPr algn="ctr"/>
+            <a:r>
+              <a:rPr kumimoji="1" lang="en-US" altLang="ja-JP" sz="2400" dirty="0" smtClean="0">
+                <a:latin typeface="Consolas" panose="020B0609020204030204" pitchFamily="49" charset="0"/>
+              </a:rPr>
+              <a:t>dy_0</a:t>
+            </a:r>
+            <a:endParaRPr kumimoji="1" lang="ja-JP" altLang="en-US" sz="2400" dirty="0" smtClean="0">
+              <a:latin typeface="Consolas" panose="020B0609020204030204" pitchFamily="49" charset="0"/>
+            </a:endParaRPr>
+          </a:p>
+        </p:txBody>
+      </p:sp>
+      <p:sp>
+        <p:nvSpPr>
+          <p:cNvPr id="9" name="テキスト ボックス 8"/>
+          <p:cNvSpPr txBox="1"/>
+          <p:nvPr/>
+        </p:nvSpPr>
+        <p:spPr>
+          <a:xfrm flipH="1">
+            <a:off x="1907704" y="663079"/>
+            <a:ext cx="864096" cy="461665"/>
+          </a:xfrm>
+          <a:prstGeom prst="rect">
+            <a:avLst/>
+          </a:prstGeom>
+          <a:noFill/>
+        </p:spPr>
+        <p:txBody>
+          <a:bodyPr wrap="square" rtlCol="0">
+            <a:spAutoFit/>
+          </a:bodyPr>
+          <a:lstStyle/>
+          <a:p>
+            <a:pPr algn="ctr"/>
+            <a:r>
+              <a:rPr kumimoji="1" lang="en-US" altLang="ja-JP" sz="2400" dirty="0" smtClean="0">
+                <a:latin typeface="Consolas" panose="020B0609020204030204" pitchFamily="49" charset="0"/>
+              </a:rPr>
+              <a:t>dz_0</a:t>
+            </a:r>
+            <a:endParaRPr kumimoji="1" lang="ja-JP" altLang="en-US" sz="2400" dirty="0" smtClean="0">
+              <a:latin typeface="Consolas" panose="020B0609020204030204" pitchFamily="49" charset="0"/>
+            </a:endParaRPr>
+          </a:p>
+        </p:txBody>
+      </p:sp>
+      <p:sp>
+        <p:nvSpPr>
+          <p:cNvPr id="11" name="テキスト ボックス 10"/>
+          <p:cNvSpPr txBox="1"/>
+          <p:nvPr/>
+        </p:nvSpPr>
+        <p:spPr>
+          <a:xfrm flipH="1">
+            <a:off x="1331640" y="663079"/>
+            <a:ext cx="576064" cy="461665"/>
+          </a:xfrm>
+          <a:prstGeom prst="rect">
+            <a:avLst/>
+          </a:prstGeom>
+          <a:noFill/>
+        </p:spPr>
+        <p:txBody>
+          <a:bodyPr wrap="square" rtlCol="0">
+            <a:spAutoFit/>
+          </a:bodyPr>
+          <a:lstStyle/>
+          <a:p>
+            <a:pPr algn="ctr"/>
+            <a:r>
+              <a:rPr kumimoji="1" lang="en-US" altLang="ja-JP" sz="2400" dirty="0" smtClean="0">
+                <a:latin typeface="Consolas" panose="020B0609020204030204" pitchFamily="49" charset="0"/>
+              </a:rPr>
+              <a:t>0</a:t>
+            </a:r>
+            <a:endParaRPr kumimoji="1" lang="ja-JP" altLang="en-US" sz="2400" dirty="0" smtClean="0">
+              <a:latin typeface="Consolas" panose="020B0609020204030204" pitchFamily="49" charset="0"/>
+            </a:endParaRPr>
+          </a:p>
+        </p:txBody>
+      </p:sp>
+      <p:sp>
+        <p:nvSpPr>
+          <p:cNvPr id="12" name="正方形/長方形 11"/>
+          <p:cNvSpPr/>
+          <p:nvPr/>
+        </p:nvSpPr>
+        <p:spPr>
+          <a:xfrm>
+            <a:off x="179512" y="692696"/>
+            <a:ext cx="1034257" cy="461665"/>
+          </a:xfrm>
+          <a:prstGeom prst="rect">
+            <a:avLst/>
+          </a:prstGeom>
+        </p:spPr>
+        <p:txBody>
+          <a:bodyPr wrap="none">
+            <a:spAutoFit/>
+          </a:bodyPr>
+          <a:lstStyle/>
+          <a:p>
+            <a:r>
+              <a:rPr lang="en-US" altLang="ja-JP" sz="2400" dirty="0">
+                <a:latin typeface="Consolas" panose="020B0609020204030204" pitchFamily="49" charset="0"/>
+              </a:rPr>
+              <a:t>vdr_0</a:t>
+            </a:r>
+            <a:endParaRPr lang="en-US" altLang="ja-JP" sz="2400" b="0" dirty="0">
+              <a:effectLst/>
+              <a:latin typeface="Consolas" panose="020B0609020204030204" pitchFamily="49" charset="0"/>
+            </a:endParaRPr>
+          </a:p>
+        </p:txBody>
+      </p:sp>
+      <p:sp>
+        <p:nvSpPr>
+          <p:cNvPr id="21" name="正方形/長方形 20"/>
+          <p:cNvSpPr/>
+          <p:nvPr/>
+        </p:nvSpPr>
+        <p:spPr>
+          <a:xfrm>
+            <a:off x="3419872" y="1412776"/>
+            <a:ext cx="720080" cy="720080"/>
+          </a:xfrm>
+          <a:prstGeom prst="rect">
+            <a:avLst/>
+          </a:prstGeom>
+          <a:solidFill>
+            <a:schemeClr val="accent1">
+              <a:lumMod val="20000"/>
+              <a:lumOff val="80000"/>
+            </a:schemeClr>
+          </a:solidFill>
+          <a:ln>
+            <a:solidFill>
+              <a:schemeClr val="tx1"/>
+            </a:solidFill>
+          </a:ln>
+        </p:spPr>
+        <p:txBody>
+          <a:bodyPr wrap="square" rtlCol="0" anchor="ctr">
+            <a:spAutoFit/>
+          </a:bodyPr>
+          <a:lstStyle/>
+          <a:p>
+            <a:pPr algn="ctr"/>
+            <a:endParaRPr kumimoji="1" lang="ja-JP" altLang="en-US" sz="2400" dirty="0" smtClean="0"/>
+          </a:p>
+        </p:txBody>
+      </p:sp>
+      <p:sp>
+        <p:nvSpPr>
+          <p:cNvPr id="22" name="正方形/長方形 21"/>
+          <p:cNvSpPr/>
+          <p:nvPr/>
+        </p:nvSpPr>
+        <p:spPr>
+          <a:xfrm>
+            <a:off x="2699792" y="1412776"/>
+            <a:ext cx="720080" cy="720080"/>
+          </a:xfrm>
+          <a:prstGeom prst="rect">
+            <a:avLst/>
+          </a:prstGeom>
+          <a:solidFill>
+            <a:schemeClr val="accent6">
+              <a:lumMod val="20000"/>
+              <a:lumOff val="80000"/>
+            </a:schemeClr>
+          </a:solidFill>
+          <a:ln>
+            <a:solidFill>
+              <a:schemeClr val="tx1"/>
+            </a:solidFill>
+          </a:ln>
+        </p:spPr>
+        <p:txBody>
+          <a:bodyPr wrap="square" rtlCol="0" anchor="ctr">
+            <a:spAutoFit/>
+          </a:bodyPr>
+          <a:lstStyle/>
+          <a:p>
+            <a:pPr algn="ctr"/>
+            <a:endParaRPr kumimoji="1" lang="ja-JP" altLang="en-US" sz="2400" dirty="0" smtClean="0"/>
+          </a:p>
+        </p:txBody>
+      </p:sp>
+      <p:sp>
+        <p:nvSpPr>
+          <p:cNvPr id="23" name="正方形/長方形 22"/>
+          <p:cNvSpPr/>
+          <p:nvPr/>
+        </p:nvSpPr>
+        <p:spPr>
+          <a:xfrm>
+            <a:off x="1979712" y="1412776"/>
+            <a:ext cx="720080" cy="720080"/>
+          </a:xfrm>
+          <a:prstGeom prst="rect">
+            <a:avLst/>
+          </a:prstGeom>
+          <a:solidFill>
+            <a:schemeClr val="accent2">
+              <a:lumMod val="20000"/>
+              <a:lumOff val="80000"/>
+            </a:schemeClr>
+          </a:solidFill>
+          <a:ln>
+            <a:solidFill>
+              <a:schemeClr val="tx1"/>
+            </a:solidFill>
+          </a:ln>
+        </p:spPr>
+        <p:txBody>
+          <a:bodyPr wrap="square" rtlCol="0" anchor="ctr">
+            <a:spAutoFit/>
+          </a:bodyPr>
+          <a:lstStyle/>
+          <a:p>
+            <a:pPr algn="ctr"/>
+            <a:endParaRPr kumimoji="1" lang="ja-JP" altLang="en-US" sz="2400" dirty="0" smtClean="0"/>
+          </a:p>
+        </p:txBody>
+      </p:sp>
+      <p:sp>
+        <p:nvSpPr>
+          <p:cNvPr id="24" name="正方形/長方形 23"/>
+          <p:cNvSpPr/>
+          <p:nvPr/>
+        </p:nvSpPr>
+        <p:spPr>
+          <a:xfrm>
+            <a:off x="1259632" y="1412776"/>
+            <a:ext cx="720080" cy="720080"/>
+          </a:xfrm>
+          <a:prstGeom prst="rect">
+            <a:avLst/>
+          </a:prstGeom>
+          <a:noFill/>
+          <a:ln>
+            <a:solidFill>
+              <a:schemeClr val="tx1"/>
+            </a:solidFill>
+          </a:ln>
+        </p:spPr>
+        <p:txBody>
+          <a:bodyPr wrap="square" rtlCol="0" anchor="ctr">
+            <a:spAutoFit/>
+          </a:bodyPr>
+          <a:lstStyle/>
+          <a:p>
+            <a:pPr algn="ctr"/>
+            <a:endParaRPr kumimoji="1" lang="ja-JP" altLang="en-US" sz="2400" dirty="0" smtClean="0"/>
+          </a:p>
+        </p:txBody>
+      </p:sp>
+      <p:sp>
+        <p:nvSpPr>
+          <p:cNvPr id="25" name="テキスト ボックス 24"/>
+          <p:cNvSpPr txBox="1"/>
+          <p:nvPr/>
+        </p:nvSpPr>
+        <p:spPr>
+          <a:xfrm flipH="1">
+            <a:off x="3347864" y="1527175"/>
+            <a:ext cx="864096" cy="461665"/>
+          </a:xfrm>
+          <a:prstGeom prst="rect">
+            <a:avLst/>
+          </a:prstGeom>
+          <a:noFill/>
+        </p:spPr>
+        <p:txBody>
+          <a:bodyPr wrap="square" rtlCol="0">
+            <a:spAutoFit/>
+          </a:bodyPr>
+          <a:lstStyle/>
+          <a:p>
+            <a:pPr algn="ctr"/>
+            <a:r>
+              <a:rPr kumimoji="1" lang="en-US" altLang="ja-JP" sz="2400" dirty="0" smtClean="0">
+                <a:latin typeface="Consolas" panose="020B0609020204030204" pitchFamily="49" charset="0"/>
+              </a:rPr>
+              <a:t>dx_1</a:t>
+            </a:r>
+            <a:endParaRPr kumimoji="1" lang="ja-JP" altLang="en-US" sz="2400" dirty="0" smtClean="0">
+              <a:latin typeface="Consolas" panose="020B0609020204030204" pitchFamily="49" charset="0"/>
+            </a:endParaRPr>
+          </a:p>
+        </p:txBody>
+      </p:sp>
+      <p:sp>
+        <p:nvSpPr>
+          <p:cNvPr id="26" name="テキスト ボックス 25"/>
+          <p:cNvSpPr txBox="1"/>
+          <p:nvPr/>
+        </p:nvSpPr>
+        <p:spPr>
+          <a:xfrm flipH="1">
+            <a:off x="2627784" y="1527175"/>
+            <a:ext cx="864096" cy="461665"/>
+          </a:xfrm>
+          <a:prstGeom prst="rect">
+            <a:avLst/>
+          </a:prstGeom>
+          <a:noFill/>
+        </p:spPr>
+        <p:txBody>
+          <a:bodyPr wrap="square" rtlCol="0">
+            <a:spAutoFit/>
+          </a:bodyPr>
+          <a:lstStyle/>
+          <a:p>
+            <a:pPr algn="ctr"/>
+            <a:r>
+              <a:rPr kumimoji="1" lang="en-US" altLang="ja-JP" sz="2400" dirty="0" smtClean="0">
+                <a:latin typeface="Consolas" panose="020B0609020204030204" pitchFamily="49" charset="0"/>
+              </a:rPr>
+              <a:t>dy_1</a:t>
+            </a:r>
+            <a:endParaRPr kumimoji="1" lang="ja-JP" altLang="en-US" sz="2400" dirty="0" smtClean="0">
+              <a:latin typeface="Consolas" panose="020B0609020204030204" pitchFamily="49" charset="0"/>
+            </a:endParaRPr>
+          </a:p>
+        </p:txBody>
+      </p:sp>
+      <p:sp>
+        <p:nvSpPr>
+          <p:cNvPr id="27" name="テキスト ボックス 26"/>
+          <p:cNvSpPr txBox="1"/>
+          <p:nvPr/>
+        </p:nvSpPr>
+        <p:spPr>
+          <a:xfrm flipH="1">
+            <a:off x="1907704" y="1527175"/>
+            <a:ext cx="864096" cy="461665"/>
+          </a:xfrm>
+          <a:prstGeom prst="rect">
+            <a:avLst/>
+          </a:prstGeom>
+          <a:noFill/>
+        </p:spPr>
+        <p:txBody>
+          <a:bodyPr wrap="square" rtlCol="0">
+            <a:spAutoFit/>
+          </a:bodyPr>
+          <a:lstStyle/>
+          <a:p>
+            <a:pPr algn="ctr"/>
+            <a:r>
+              <a:rPr kumimoji="1" lang="en-US" altLang="ja-JP" sz="2400" dirty="0" smtClean="0">
+                <a:latin typeface="Consolas" panose="020B0609020204030204" pitchFamily="49" charset="0"/>
+              </a:rPr>
+              <a:t>dz_1</a:t>
+            </a:r>
+            <a:endParaRPr kumimoji="1" lang="ja-JP" altLang="en-US" sz="2400" dirty="0" smtClean="0">
+              <a:latin typeface="Consolas" panose="020B0609020204030204" pitchFamily="49" charset="0"/>
+            </a:endParaRPr>
+          </a:p>
+        </p:txBody>
+      </p:sp>
+      <p:sp>
+        <p:nvSpPr>
+          <p:cNvPr id="28" name="テキスト ボックス 27"/>
+          <p:cNvSpPr txBox="1"/>
+          <p:nvPr/>
+        </p:nvSpPr>
+        <p:spPr>
+          <a:xfrm flipH="1">
+            <a:off x="1331640" y="1527175"/>
+            <a:ext cx="576064" cy="461665"/>
+          </a:xfrm>
+          <a:prstGeom prst="rect">
+            <a:avLst/>
+          </a:prstGeom>
+          <a:noFill/>
+        </p:spPr>
+        <p:txBody>
+          <a:bodyPr wrap="square" rtlCol="0">
+            <a:spAutoFit/>
+          </a:bodyPr>
+          <a:lstStyle/>
+          <a:p>
+            <a:pPr algn="ctr"/>
+            <a:r>
+              <a:rPr kumimoji="1" lang="en-US" altLang="ja-JP" sz="2400" dirty="0" smtClean="0">
+                <a:latin typeface="Consolas" panose="020B0609020204030204" pitchFamily="49" charset="0"/>
+              </a:rPr>
+              <a:t>0</a:t>
+            </a:r>
+            <a:endParaRPr kumimoji="1" lang="ja-JP" altLang="en-US" sz="2400" dirty="0" smtClean="0">
+              <a:latin typeface="Consolas" panose="020B0609020204030204" pitchFamily="49" charset="0"/>
+            </a:endParaRPr>
+          </a:p>
+        </p:txBody>
+      </p:sp>
+      <p:sp>
+        <p:nvSpPr>
+          <p:cNvPr id="29" name="正方形/長方形 28"/>
+          <p:cNvSpPr/>
+          <p:nvPr/>
+        </p:nvSpPr>
+        <p:spPr>
+          <a:xfrm>
+            <a:off x="179512" y="1556792"/>
+            <a:ext cx="1034257" cy="461665"/>
+          </a:xfrm>
+          <a:prstGeom prst="rect">
+            <a:avLst/>
+          </a:prstGeom>
+        </p:spPr>
+        <p:txBody>
+          <a:bodyPr wrap="none">
+            <a:spAutoFit/>
+          </a:bodyPr>
+          <a:lstStyle/>
+          <a:p>
+            <a:r>
+              <a:rPr lang="en-US" altLang="ja-JP" sz="2400" dirty="0" smtClean="0">
+                <a:latin typeface="Consolas" panose="020B0609020204030204" pitchFamily="49" charset="0"/>
+              </a:rPr>
+              <a:t>vdr_1</a:t>
+            </a:r>
+            <a:endParaRPr lang="en-US" altLang="ja-JP" sz="2400" b="0" dirty="0">
+              <a:effectLst/>
+              <a:latin typeface="Consolas" panose="020B0609020204030204" pitchFamily="49" charset="0"/>
+            </a:endParaRPr>
+          </a:p>
+        </p:txBody>
+      </p:sp>
+      <p:sp>
+        <p:nvSpPr>
+          <p:cNvPr id="30" name="正方形/長方形 29"/>
+          <p:cNvSpPr/>
+          <p:nvPr/>
+        </p:nvSpPr>
+        <p:spPr>
+          <a:xfrm>
+            <a:off x="3419872" y="2276872"/>
+            <a:ext cx="720080" cy="720080"/>
+          </a:xfrm>
+          <a:prstGeom prst="rect">
+            <a:avLst/>
+          </a:prstGeom>
+          <a:solidFill>
+            <a:schemeClr val="accent1">
+              <a:lumMod val="20000"/>
+              <a:lumOff val="80000"/>
+            </a:schemeClr>
+          </a:solidFill>
+          <a:ln>
+            <a:solidFill>
+              <a:schemeClr val="tx1"/>
+            </a:solidFill>
+          </a:ln>
+        </p:spPr>
+        <p:txBody>
+          <a:bodyPr wrap="square" rtlCol="0" anchor="ctr">
+            <a:spAutoFit/>
+          </a:bodyPr>
+          <a:lstStyle/>
+          <a:p>
+            <a:pPr algn="ctr"/>
+            <a:endParaRPr kumimoji="1" lang="ja-JP" altLang="en-US" sz="2400" dirty="0" smtClean="0"/>
+          </a:p>
+        </p:txBody>
+      </p:sp>
+      <p:sp>
+        <p:nvSpPr>
+          <p:cNvPr id="31" name="正方形/長方形 30"/>
+          <p:cNvSpPr/>
+          <p:nvPr/>
+        </p:nvSpPr>
+        <p:spPr>
+          <a:xfrm>
+            <a:off x="2699792" y="2276872"/>
+            <a:ext cx="720080" cy="720080"/>
+          </a:xfrm>
+          <a:prstGeom prst="rect">
+            <a:avLst/>
+          </a:prstGeom>
+          <a:solidFill>
+            <a:schemeClr val="accent6">
+              <a:lumMod val="20000"/>
+              <a:lumOff val="80000"/>
+            </a:schemeClr>
+          </a:solidFill>
+          <a:ln>
+            <a:solidFill>
+              <a:schemeClr val="tx1"/>
+            </a:solidFill>
+          </a:ln>
+        </p:spPr>
+        <p:txBody>
+          <a:bodyPr wrap="square" rtlCol="0" anchor="ctr">
+            <a:spAutoFit/>
+          </a:bodyPr>
+          <a:lstStyle/>
+          <a:p>
+            <a:pPr algn="ctr"/>
+            <a:endParaRPr kumimoji="1" lang="ja-JP" altLang="en-US" sz="2400" dirty="0" smtClean="0"/>
+          </a:p>
+        </p:txBody>
+      </p:sp>
+      <p:sp>
+        <p:nvSpPr>
+          <p:cNvPr id="32" name="正方形/長方形 31"/>
+          <p:cNvSpPr/>
+          <p:nvPr/>
+        </p:nvSpPr>
+        <p:spPr>
+          <a:xfrm>
+            <a:off x="1979712" y="2276872"/>
+            <a:ext cx="720080" cy="720080"/>
+          </a:xfrm>
+          <a:prstGeom prst="rect">
+            <a:avLst/>
+          </a:prstGeom>
+          <a:solidFill>
+            <a:schemeClr val="accent2">
+              <a:lumMod val="20000"/>
+              <a:lumOff val="80000"/>
+            </a:schemeClr>
+          </a:solidFill>
+          <a:ln>
+            <a:solidFill>
+              <a:schemeClr val="tx1"/>
+            </a:solidFill>
+          </a:ln>
+        </p:spPr>
+        <p:txBody>
+          <a:bodyPr wrap="square" rtlCol="0" anchor="ctr">
+            <a:spAutoFit/>
+          </a:bodyPr>
+          <a:lstStyle/>
+          <a:p>
+            <a:pPr algn="ctr"/>
+            <a:endParaRPr kumimoji="1" lang="ja-JP" altLang="en-US" sz="2400" dirty="0" smtClean="0"/>
+          </a:p>
+        </p:txBody>
+      </p:sp>
+      <p:sp>
+        <p:nvSpPr>
+          <p:cNvPr id="33" name="正方形/長方形 32"/>
+          <p:cNvSpPr/>
+          <p:nvPr/>
+        </p:nvSpPr>
+        <p:spPr>
+          <a:xfrm>
+            <a:off x="1259632" y="2276872"/>
+            <a:ext cx="720080" cy="720080"/>
+          </a:xfrm>
+          <a:prstGeom prst="rect">
+            <a:avLst/>
+          </a:prstGeom>
+          <a:noFill/>
+          <a:ln>
+            <a:solidFill>
+              <a:schemeClr val="tx1"/>
+            </a:solidFill>
+          </a:ln>
+        </p:spPr>
+        <p:txBody>
+          <a:bodyPr wrap="square" rtlCol="0" anchor="ctr">
+            <a:spAutoFit/>
+          </a:bodyPr>
+          <a:lstStyle/>
+          <a:p>
+            <a:pPr algn="ctr"/>
+            <a:endParaRPr kumimoji="1" lang="ja-JP" altLang="en-US" sz="2400" dirty="0" smtClean="0"/>
+          </a:p>
+        </p:txBody>
+      </p:sp>
+      <p:sp>
+        <p:nvSpPr>
+          <p:cNvPr id="34" name="テキスト ボックス 33"/>
+          <p:cNvSpPr txBox="1"/>
+          <p:nvPr/>
+        </p:nvSpPr>
+        <p:spPr>
+          <a:xfrm flipH="1">
+            <a:off x="3347864" y="2391271"/>
+            <a:ext cx="864096" cy="461665"/>
+          </a:xfrm>
+          <a:prstGeom prst="rect">
+            <a:avLst/>
+          </a:prstGeom>
+          <a:noFill/>
+        </p:spPr>
+        <p:txBody>
+          <a:bodyPr wrap="square" rtlCol="0">
+            <a:spAutoFit/>
+          </a:bodyPr>
+          <a:lstStyle/>
+          <a:p>
+            <a:pPr algn="ctr"/>
+            <a:r>
+              <a:rPr kumimoji="1" lang="en-US" altLang="ja-JP" sz="2400" dirty="0" smtClean="0">
+                <a:latin typeface="Consolas" panose="020B0609020204030204" pitchFamily="49" charset="0"/>
+              </a:rPr>
+              <a:t>dx_2</a:t>
+            </a:r>
+            <a:endParaRPr kumimoji="1" lang="ja-JP" altLang="en-US" sz="2400" dirty="0" smtClean="0">
+              <a:latin typeface="Consolas" panose="020B0609020204030204" pitchFamily="49" charset="0"/>
+            </a:endParaRPr>
+          </a:p>
+        </p:txBody>
+      </p:sp>
+      <p:sp>
+        <p:nvSpPr>
+          <p:cNvPr id="35" name="テキスト ボックス 34"/>
+          <p:cNvSpPr txBox="1"/>
+          <p:nvPr/>
+        </p:nvSpPr>
+        <p:spPr>
+          <a:xfrm flipH="1">
+            <a:off x="2627784" y="2391271"/>
+            <a:ext cx="864096" cy="461665"/>
+          </a:xfrm>
+          <a:prstGeom prst="rect">
+            <a:avLst/>
+          </a:prstGeom>
+          <a:noFill/>
+        </p:spPr>
+        <p:txBody>
+          <a:bodyPr wrap="square" rtlCol="0">
+            <a:spAutoFit/>
+          </a:bodyPr>
+          <a:lstStyle/>
+          <a:p>
+            <a:pPr algn="ctr"/>
+            <a:r>
+              <a:rPr kumimoji="1" lang="en-US" altLang="ja-JP" sz="2400" dirty="0" smtClean="0">
+                <a:latin typeface="Consolas" panose="020B0609020204030204" pitchFamily="49" charset="0"/>
+              </a:rPr>
+              <a:t>dy_2</a:t>
+            </a:r>
+            <a:endParaRPr kumimoji="1" lang="ja-JP" altLang="en-US" sz="2400" dirty="0" smtClean="0">
+              <a:latin typeface="Consolas" panose="020B0609020204030204" pitchFamily="49" charset="0"/>
+            </a:endParaRPr>
+          </a:p>
+        </p:txBody>
+      </p:sp>
+      <p:sp>
+        <p:nvSpPr>
+          <p:cNvPr id="36" name="テキスト ボックス 35"/>
+          <p:cNvSpPr txBox="1"/>
+          <p:nvPr/>
+        </p:nvSpPr>
+        <p:spPr>
+          <a:xfrm flipH="1">
+            <a:off x="1907704" y="2391271"/>
+            <a:ext cx="864096" cy="461665"/>
+          </a:xfrm>
+          <a:prstGeom prst="rect">
+            <a:avLst/>
+          </a:prstGeom>
+          <a:noFill/>
+        </p:spPr>
+        <p:txBody>
+          <a:bodyPr wrap="square" rtlCol="0">
+            <a:spAutoFit/>
+          </a:bodyPr>
+          <a:lstStyle/>
+          <a:p>
+            <a:pPr algn="ctr"/>
+            <a:r>
+              <a:rPr kumimoji="1" lang="en-US" altLang="ja-JP" sz="2400" dirty="0" smtClean="0">
+                <a:latin typeface="Consolas" panose="020B0609020204030204" pitchFamily="49" charset="0"/>
+              </a:rPr>
+              <a:t>dz_2</a:t>
+            </a:r>
+            <a:endParaRPr kumimoji="1" lang="ja-JP" altLang="en-US" sz="2400" dirty="0" smtClean="0">
+              <a:latin typeface="Consolas" panose="020B0609020204030204" pitchFamily="49" charset="0"/>
+            </a:endParaRPr>
+          </a:p>
+        </p:txBody>
+      </p:sp>
+      <p:sp>
+        <p:nvSpPr>
+          <p:cNvPr id="37" name="テキスト ボックス 36"/>
+          <p:cNvSpPr txBox="1"/>
+          <p:nvPr/>
+        </p:nvSpPr>
+        <p:spPr>
+          <a:xfrm flipH="1">
+            <a:off x="1331640" y="2391271"/>
+            <a:ext cx="576064" cy="461665"/>
+          </a:xfrm>
+          <a:prstGeom prst="rect">
+            <a:avLst/>
+          </a:prstGeom>
+          <a:noFill/>
+        </p:spPr>
+        <p:txBody>
+          <a:bodyPr wrap="square" rtlCol="0">
+            <a:spAutoFit/>
+          </a:bodyPr>
+          <a:lstStyle/>
+          <a:p>
+            <a:pPr algn="ctr"/>
+            <a:r>
+              <a:rPr kumimoji="1" lang="en-US" altLang="ja-JP" sz="2400" dirty="0" smtClean="0">
+                <a:latin typeface="Consolas" panose="020B0609020204030204" pitchFamily="49" charset="0"/>
+              </a:rPr>
+              <a:t>0</a:t>
+            </a:r>
+            <a:endParaRPr kumimoji="1" lang="ja-JP" altLang="en-US" sz="2400" dirty="0" smtClean="0">
+              <a:latin typeface="Consolas" panose="020B0609020204030204" pitchFamily="49" charset="0"/>
+            </a:endParaRPr>
+          </a:p>
+        </p:txBody>
+      </p:sp>
+      <p:sp>
+        <p:nvSpPr>
+          <p:cNvPr id="38" name="正方形/長方形 37"/>
+          <p:cNvSpPr/>
+          <p:nvPr/>
+        </p:nvSpPr>
+        <p:spPr>
+          <a:xfrm>
+            <a:off x="179512" y="2420888"/>
+            <a:ext cx="1034257" cy="461665"/>
+          </a:xfrm>
+          <a:prstGeom prst="rect">
+            <a:avLst/>
+          </a:prstGeom>
+        </p:spPr>
+        <p:txBody>
+          <a:bodyPr wrap="none">
+            <a:spAutoFit/>
+          </a:bodyPr>
+          <a:lstStyle/>
+          <a:p>
+            <a:r>
+              <a:rPr lang="en-US" altLang="ja-JP" sz="2400" dirty="0" smtClean="0">
+                <a:latin typeface="Consolas" panose="020B0609020204030204" pitchFamily="49" charset="0"/>
+              </a:rPr>
+              <a:t>vdr_2</a:t>
+            </a:r>
+            <a:endParaRPr lang="en-US" altLang="ja-JP" sz="2400" b="0" dirty="0">
+              <a:effectLst/>
+              <a:latin typeface="Consolas" panose="020B0609020204030204" pitchFamily="49" charset="0"/>
+            </a:endParaRPr>
+          </a:p>
+        </p:txBody>
+      </p:sp>
+      <p:sp>
+        <p:nvSpPr>
+          <p:cNvPr id="39" name="正方形/長方形 38"/>
+          <p:cNvSpPr/>
+          <p:nvPr/>
+        </p:nvSpPr>
+        <p:spPr>
+          <a:xfrm>
+            <a:off x="3419872" y="3140968"/>
+            <a:ext cx="720080" cy="720080"/>
+          </a:xfrm>
+          <a:prstGeom prst="rect">
+            <a:avLst/>
+          </a:prstGeom>
+          <a:solidFill>
+            <a:schemeClr val="accent1">
+              <a:lumMod val="20000"/>
+              <a:lumOff val="80000"/>
+            </a:schemeClr>
+          </a:solidFill>
+          <a:ln>
+            <a:solidFill>
+              <a:schemeClr val="tx1"/>
+            </a:solidFill>
+          </a:ln>
+        </p:spPr>
+        <p:txBody>
+          <a:bodyPr wrap="square" rtlCol="0" anchor="ctr">
+            <a:spAutoFit/>
+          </a:bodyPr>
+          <a:lstStyle/>
+          <a:p>
+            <a:pPr algn="ctr"/>
+            <a:endParaRPr kumimoji="1" lang="ja-JP" altLang="en-US" sz="2400" dirty="0" smtClean="0"/>
+          </a:p>
+        </p:txBody>
+      </p:sp>
+      <p:sp>
+        <p:nvSpPr>
+          <p:cNvPr id="40" name="正方形/長方形 39"/>
+          <p:cNvSpPr/>
+          <p:nvPr/>
+        </p:nvSpPr>
+        <p:spPr>
+          <a:xfrm>
+            <a:off x="2699792" y="3140968"/>
+            <a:ext cx="720080" cy="720080"/>
+          </a:xfrm>
+          <a:prstGeom prst="rect">
+            <a:avLst/>
+          </a:prstGeom>
+          <a:solidFill>
+            <a:schemeClr val="accent6">
+              <a:lumMod val="20000"/>
+              <a:lumOff val="80000"/>
+            </a:schemeClr>
+          </a:solidFill>
+          <a:ln>
+            <a:solidFill>
+              <a:schemeClr val="tx1"/>
+            </a:solidFill>
+          </a:ln>
+        </p:spPr>
+        <p:txBody>
+          <a:bodyPr wrap="square" rtlCol="0" anchor="ctr">
+            <a:spAutoFit/>
+          </a:bodyPr>
+          <a:lstStyle/>
+          <a:p>
+            <a:pPr algn="ctr"/>
+            <a:endParaRPr kumimoji="1" lang="ja-JP" altLang="en-US" sz="2400" dirty="0" smtClean="0"/>
+          </a:p>
+        </p:txBody>
+      </p:sp>
+      <p:sp>
+        <p:nvSpPr>
+          <p:cNvPr id="41" name="正方形/長方形 40"/>
+          <p:cNvSpPr/>
+          <p:nvPr/>
+        </p:nvSpPr>
+        <p:spPr>
+          <a:xfrm>
+            <a:off x="1979712" y="3140968"/>
+            <a:ext cx="720080" cy="720080"/>
+          </a:xfrm>
+          <a:prstGeom prst="rect">
+            <a:avLst/>
+          </a:prstGeom>
+          <a:solidFill>
+            <a:schemeClr val="accent2">
+              <a:lumMod val="20000"/>
+              <a:lumOff val="80000"/>
+            </a:schemeClr>
+          </a:solidFill>
+          <a:ln>
+            <a:solidFill>
+              <a:schemeClr val="tx1"/>
+            </a:solidFill>
+          </a:ln>
+        </p:spPr>
+        <p:txBody>
+          <a:bodyPr wrap="square" rtlCol="0" anchor="ctr">
+            <a:spAutoFit/>
+          </a:bodyPr>
+          <a:lstStyle/>
+          <a:p>
+            <a:pPr algn="ctr"/>
+            <a:endParaRPr kumimoji="1" lang="ja-JP" altLang="en-US" sz="2400" dirty="0" smtClean="0"/>
+          </a:p>
+        </p:txBody>
+      </p:sp>
+      <p:sp>
+        <p:nvSpPr>
+          <p:cNvPr id="42" name="正方形/長方形 41"/>
+          <p:cNvSpPr/>
+          <p:nvPr/>
+        </p:nvSpPr>
+        <p:spPr>
+          <a:xfrm>
+            <a:off x="1259632" y="3140968"/>
+            <a:ext cx="720080" cy="720080"/>
+          </a:xfrm>
+          <a:prstGeom prst="rect">
+            <a:avLst/>
+          </a:prstGeom>
+          <a:noFill/>
+          <a:ln>
+            <a:solidFill>
+              <a:schemeClr val="tx1"/>
+            </a:solidFill>
+          </a:ln>
+        </p:spPr>
+        <p:txBody>
+          <a:bodyPr wrap="square" rtlCol="0" anchor="ctr">
+            <a:spAutoFit/>
+          </a:bodyPr>
+          <a:lstStyle/>
+          <a:p>
+            <a:pPr algn="ctr"/>
+            <a:endParaRPr kumimoji="1" lang="ja-JP" altLang="en-US" sz="2400" dirty="0" smtClean="0"/>
+          </a:p>
+        </p:txBody>
+      </p:sp>
+      <p:sp>
+        <p:nvSpPr>
+          <p:cNvPr id="43" name="テキスト ボックス 42"/>
+          <p:cNvSpPr txBox="1"/>
+          <p:nvPr/>
+        </p:nvSpPr>
+        <p:spPr>
+          <a:xfrm flipH="1">
+            <a:off x="3347864" y="3255367"/>
+            <a:ext cx="864096" cy="461665"/>
+          </a:xfrm>
+          <a:prstGeom prst="rect">
+            <a:avLst/>
+          </a:prstGeom>
+          <a:noFill/>
+        </p:spPr>
+        <p:txBody>
+          <a:bodyPr wrap="square" rtlCol="0">
+            <a:spAutoFit/>
+          </a:bodyPr>
+          <a:lstStyle/>
+          <a:p>
+            <a:pPr algn="ctr"/>
+            <a:r>
+              <a:rPr kumimoji="1" lang="en-US" altLang="ja-JP" sz="2400" dirty="0" smtClean="0">
+                <a:latin typeface="Consolas" panose="020B0609020204030204" pitchFamily="49" charset="0"/>
+              </a:rPr>
+              <a:t>dx_3</a:t>
+            </a:r>
+            <a:endParaRPr kumimoji="1" lang="ja-JP" altLang="en-US" sz="2400" dirty="0" smtClean="0">
+              <a:latin typeface="Consolas" panose="020B0609020204030204" pitchFamily="49" charset="0"/>
+            </a:endParaRPr>
+          </a:p>
+        </p:txBody>
+      </p:sp>
+      <p:sp>
+        <p:nvSpPr>
+          <p:cNvPr id="44" name="テキスト ボックス 43"/>
+          <p:cNvSpPr txBox="1"/>
+          <p:nvPr/>
+        </p:nvSpPr>
+        <p:spPr>
+          <a:xfrm flipH="1">
+            <a:off x="2627784" y="3255367"/>
+            <a:ext cx="864096" cy="461665"/>
+          </a:xfrm>
+          <a:prstGeom prst="rect">
+            <a:avLst/>
+          </a:prstGeom>
+          <a:noFill/>
+        </p:spPr>
+        <p:txBody>
+          <a:bodyPr wrap="square" rtlCol="0">
+            <a:spAutoFit/>
+          </a:bodyPr>
+          <a:lstStyle/>
+          <a:p>
+            <a:pPr algn="ctr"/>
+            <a:r>
+              <a:rPr kumimoji="1" lang="en-US" altLang="ja-JP" sz="2400" dirty="0" smtClean="0">
+                <a:latin typeface="Consolas" panose="020B0609020204030204" pitchFamily="49" charset="0"/>
+              </a:rPr>
+              <a:t>dy_3</a:t>
+            </a:r>
+            <a:endParaRPr kumimoji="1" lang="ja-JP" altLang="en-US" sz="2400" dirty="0" smtClean="0">
+              <a:latin typeface="Consolas" panose="020B0609020204030204" pitchFamily="49" charset="0"/>
+            </a:endParaRPr>
+          </a:p>
+        </p:txBody>
+      </p:sp>
+      <p:sp>
+        <p:nvSpPr>
+          <p:cNvPr id="45" name="テキスト ボックス 44"/>
+          <p:cNvSpPr txBox="1"/>
+          <p:nvPr/>
+        </p:nvSpPr>
+        <p:spPr>
+          <a:xfrm flipH="1">
+            <a:off x="1907704" y="3255367"/>
+            <a:ext cx="864096" cy="461665"/>
+          </a:xfrm>
+          <a:prstGeom prst="rect">
+            <a:avLst/>
+          </a:prstGeom>
+          <a:noFill/>
+        </p:spPr>
+        <p:txBody>
+          <a:bodyPr wrap="square" rtlCol="0">
+            <a:spAutoFit/>
+          </a:bodyPr>
+          <a:lstStyle/>
+          <a:p>
+            <a:pPr algn="ctr"/>
+            <a:r>
+              <a:rPr kumimoji="1" lang="en-US" altLang="ja-JP" sz="2400" dirty="0" smtClean="0">
+                <a:latin typeface="Consolas" panose="020B0609020204030204" pitchFamily="49" charset="0"/>
+              </a:rPr>
+              <a:t>dz_3</a:t>
+            </a:r>
+            <a:endParaRPr kumimoji="1" lang="ja-JP" altLang="en-US" sz="2400" dirty="0" smtClean="0">
+              <a:latin typeface="Consolas" panose="020B0609020204030204" pitchFamily="49" charset="0"/>
+            </a:endParaRPr>
+          </a:p>
+        </p:txBody>
+      </p:sp>
+      <p:sp>
+        <p:nvSpPr>
+          <p:cNvPr id="46" name="テキスト ボックス 45"/>
+          <p:cNvSpPr txBox="1"/>
+          <p:nvPr/>
+        </p:nvSpPr>
+        <p:spPr>
+          <a:xfrm flipH="1">
+            <a:off x="1331640" y="3255367"/>
+            <a:ext cx="576064" cy="461665"/>
+          </a:xfrm>
+          <a:prstGeom prst="rect">
+            <a:avLst/>
+          </a:prstGeom>
+          <a:noFill/>
+        </p:spPr>
+        <p:txBody>
+          <a:bodyPr wrap="square" rtlCol="0">
+            <a:spAutoFit/>
+          </a:bodyPr>
+          <a:lstStyle/>
+          <a:p>
+            <a:pPr algn="ctr"/>
+            <a:r>
+              <a:rPr kumimoji="1" lang="en-US" altLang="ja-JP" sz="2400" dirty="0" smtClean="0">
+                <a:latin typeface="Consolas" panose="020B0609020204030204" pitchFamily="49" charset="0"/>
+              </a:rPr>
+              <a:t>0</a:t>
+            </a:r>
+            <a:endParaRPr kumimoji="1" lang="ja-JP" altLang="en-US" sz="2400" dirty="0" smtClean="0">
+              <a:latin typeface="Consolas" panose="020B0609020204030204" pitchFamily="49" charset="0"/>
+            </a:endParaRPr>
+          </a:p>
+        </p:txBody>
+      </p:sp>
+      <p:sp>
+        <p:nvSpPr>
+          <p:cNvPr id="47" name="正方形/長方形 46"/>
+          <p:cNvSpPr/>
+          <p:nvPr/>
+        </p:nvSpPr>
+        <p:spPr>
+          <a:xfrm>
+            <a:off x="179512" y="3284984"/>
+            <a:ext cx="1034257" cy="461665"/>
+          </a:xfrm>
+          <a:prstGeom prst="rect">
+            <a:avLst/>
+          </a:prstGeom>
+        </p:spPr>
+        <p:txBody>
+          <a:bodyPr wrap="none">
+            <a:spAutoFit/>
+          </a:bodyPr>
+          <a:lstStyle/>
+          <a:p>
+            <a:r>
+              <a:rPr lang="en-US" altLang="ja-JP" sz="2400" dirty="0" smtClean="0">
+                <a:latin typeface="Consolas" panose="020B0609020204030204" pitchFamily="49" charset="0"/>
+              </a:rPr>
+              <a:t>vdr_3</a:t>
+            </a:r>
+            <a:endParaRPr lang="en-US" altLang="ja-JP" sz="2400" b="0" dirty="0">
+              <a:effectLst/>
+              <a:latin typeface="Consolas" panose="020B0609020204030204" pitchFamily="49" charset="0"/>
+            </a:endParaRPr>
+          </a:p>
+        </p:txBody>
+      </p:sp>
+      <p:grpSp>
+        <p:nvGrpSpPr>
+          <p:cNvPr id="86" name="グループ化 85"/>
+          <p:cNvGrpSpPr/>
+          <p:nvPr/>
+        </p:nvGrpSpPr>
+        <p:grpSpPr>
+          <a:xfrm>
+            <a:off x="8100392" y="980728"/>
+            <a:ext cx="864096" cy="720080"/>
+            <a:chOff x="5220072" y="548680"/>
+            <a:chExt cx="864096" cy="720080"/>
+          </a:xfrm>
+        </p:grpSpPr>
+        <p:sp>
+          <p:nvSpPr>
+            <p:cNvPr id="48" name="正方形/長方形 47"/>
+            <p:cNvSpPr/>
+            <p:nvPr/>
+          </p:nvSpPr>
+          <p:spPr>
+            <a:xfrm>
+              <a:off x="5292080" y="548680"/>
+              <a:ext cx="720080" cy="720080"/>
+            </a:xfrm>
+            <a:prstGeom prst="rect">
+              <a:avLst/>
+            </a:prstGeom>
+            <a:solidFill>
+              <a:schemeClr val="accent1">
+                <a:lumMod val="20000"/>
+                <a:lumOff val="80000"/>
+              </a:schemeClr>
+            </a:solidFill>
+            <a:ln>
+              <a:solidFill>
+                <a:schemeClr val="tx1"/>
+              </a:solidFill>
+            </a:ln>
+          </p:spPr>
+          <p:txBody>
+            <a:bodyPr wrap="square" rtlCol="0" anchor="ctr">
+              <a:spAutoFit/>
+            </a:bodyPr>
+            <a:lstStyle/>
+            <a:p>
+              <a:pPr algn="ctr"/>
+              <a:endParaRPr kumimoji="1" lang="ja-JP" altLang="en-US" sz="2400" dirty="0" smtClean="0"/>
+            </a:p>
+          </p:txBody>
+        </p:sp>
+        <p:sp>
+          <p:nvSpPr>
+            <p:cNvPr id="49" name="テキスト ボックス 48"/>
+            <p:cNvSpPr txBox="1"/>
+            <p:nvPr/>
+          </p:nvSpPr>
+          <p:spPr>
+            <a:xfrm flipH="1">
+              <a:off x="5220072" y="663079"/>
+              <a:ext cx="864096" cy="461665"/>
+            </a:xfrm>
+            <a:prstGeom prst="rect">
+              <a:avLst/>
+            </a:prstGeom>
+            <a:noFill/>
+          </p:spPr>
+          <p:txBody>
+            <a:bodyPr wrap="square" rtlCol="0">
+              <a:spAutoFit/>
+            </a:bodyPr>
+            <a:lstStyle/>
+            <a:p>
+              <a:pPr algn="ctr"/>
+              <a:r>
+                <a:rPr kumimoji="1" lang="en-US" altLang="ja-JP" sz="2400" dirty="0" smtClean="0">
+                  <a:latin typeface="Consolas" panose="020B0609020204030204" pitchFamily="49" charset="0"/>
+                </a:rPr>
+                <a:t>dx_0</a:t>
+              </a:r>
+              <a:endParaRPr kumimoji="1" lang="ja-JP" altLang="en-US" sz="2400" dirty="0" smtClean="0">
+                <a:latin typeface="Consolas" panose="020B0609020204030204" pitchFamily="49" charset="0"/>
+              </a:endParaRPr>
+            </a:p>
+          </p:txBody>
+        </p:sp>
+      </p:grpSp>
+      <p:grpSp>
+        <p:nvGrpSpPr>
+          <p:cNvPr id="87" name="グループ化 86"/>
+          <p:cNvGrpSpPr/>
+          <p:nvPr/>
+        </p:nvGrpSpPr>
+        <p:grpSpPr>
+          <a:xfrm>
+            <a:off x="7380312" y="980728"/>
+            <a:ext cx="864096" cy="720080"/>
+            <a:chOff x="5940152" y="548680"/>
+            <a:chExt cx="864096" cy="720080"/>
+          </a:xfrm>
+        </p:grpSpPr>
+        <p:sp>
+          <p:nvSpPr>
+            <p:cNvPr id="50" name="正方形/長方形 49"/>
+            <p:cNvSpPr/>
+            <p:nvPr/>
+          </p:nvSpPr>
+          <p:spPr>
+            <a:xfrm>
+              <a:off x="6012160" y="548680"/>
+              <a:ext cx="720080" cy="720080"/>
+            </a:xfrm>
+            <a:prstGeom prst="rect">
+              <a:avLst/>
+            </a:prstGeom>
+            <a:solidFill>
+              <a:schemeClr val="accent1">
+                <a:lumMod val="20000"/>
+                <a:lumOff val="80000"/>
+              </a:schemeClr>
+            </a:solidFill>
+            <a:ln>
+              <a:solidFill>
+                <a:schemeClr val="tx1"/>
+              </a:solidFill>
+            </a:ln>
+          </p:spPr>
+          <p:txBody>
+            <a:bodyPr wrap="square" rtlCol="0" anchor="ctr">
+              <a:spAutoFit/>
+            </a:bodyPr>
+            <a:lstStyle/>
+            <a:p>
+              <a:pPr algn="ctr"/>
+              <a:endParaRPr kumimoji="1" lang="ja-JP" altLang="en-US" sz="2400" dirty="0" smtClean="0"/>
+            </a:p>
+          </p:txBody>
+        </p:sp>
+        <p:sp>
+          <p:nvSpPr>
+            <p:cNvPr id="51" name="テキスト ボックス 50"/>
+            <p:cNvSpPr txBox="1"/>
+            <p:nvPr/>
+          </p:nvSpPr>
+          <p:spPr>
+            <a:xfrm flipH="1">
+              <a:off x="5940152" y="663079"/>
+              <a:ext cx="864096" cy="461665"/>
+            </a:xfrm>
+            <a:prstGeom prst="rect">
+              <a:avLst/>
+            </a:prstGeom>
+            <a:noFill/>
+          </p:spPr>
+          <p:txBody>
+            <a:bodyPr wrap="square" rtlCol="0">
+              <a:spAutoFit/>
+            </a:bodyPr>
+            <a:lstStyle/>
+            <a:p>
+              <a:pPr algn="ctr"/>
+              <a:r>
+                <a:rPr kumimoji="1" lang="en-US" altLang="ja-JP" sz="2400" dirty="0" smtClean="0">
+                  <a:latin typeface="Consolas" panose="020B0609020204030204" pitchFamily="49" charset="0"/>
+                </a:rPr>
+                <a:t>dx_1</a:t>
+              </a:r>
+              <a:endParaRPr kumimoji="1" lang="ja-JP" altLang="en-US" sz="2400" dirty="0" smtClean="0">
+                <a:latin typeface="Consolas" panose="020B0609020204030204" pitchFamily="49" charset="0"/>
+              </a:endParaRPr>
+            </a:p>
+          </p:txBody>
+        </p:sp>
+      </p:grpSp>
+      <p:grpSp>
+        <p:nvGrpSpPr>
+          <p:cNvPr id="88" name="グループ化 87"/>
+          <p:cNvGrpSpPr/>
+          <p:nvPr/>
+        </p:nvGrpSpPr>
+        <p:grpSpPr>
+          <a:xfrm>
+            <a:off x="6660232" y="980728"/>
+            <a:ext cx="864096" cy="720080"/>
+            <a:chOff x="6660232" y="548680"/>
+            <a:chExt cx="864096" cy="720080"/>
+          </a:xfrm>
+        </p:grpSpPr>
+        <p:sp>
+          <p:nvSpPr>
+            <p:cNvPr id="52" name="正方形/長方形 51"/>
+            <p:cNvSpPr/>
+            <p:nvPr/>
+          </p:nvSpPr>
+          <p:spPr>
+            <a:xfrm>
+              <a:off x="6732240" y="548680"/>
+              <a:ext cx="720080" cy="720080"/>
+            </a:xfrm>
+            <a:prstGeom prst="rect">
+              <a:avLst/>
+            </a:prstGeom>
+            <a:solidFill>
+              <a:schemeClr val="accent1">
+                <a:lumMod val="20000"/>
+                <a:lumOff val="80000"/>
+              </a:schemeClr>
+            </a:solidFill>
+            <a:ln>
+              <a:solidFill>
+                <a:schemeClr val="tx1"/>
+              </a:solidFill>
+            </a:ln>
+          </p:spPr>
+          <p:txBody>
+            <a:bodyPr wrap="square" rtlCol="0" anchor="ctr">
+              <a:spAutoFit/>
+            </a:bodyPr>
+            <a:lstStyle/>
+            <a:p>
+              <a:pPr algn="ctr"/>
+              <a:endParaRPr kumimoji="1" lang="ja-JP" altLang="en-US" sz="2400" dirty="0" smtClean="0"/>
+            </a:p>
+          </p:txBody>
+        </p:sp>
+        <p:sp>
+          <p:nvSpPr>
+            <p:cNvPr id="53" name="テキスト ボックス 52"/>
+            <p:cNvSpPr txBox="1"/>
+            <p:nvPr/>
+          </p:nvSpPr>
+          <p:spPr>
+            <a:xfrm flipH="1">
+              <a:off x="6660232" y="663079"/>
+              <a:ext cx="864096" cy="461665"/>
+            </a:xfrm>
+            <a:prstGeom prst="rect">
+              <a:avLst/>
+            </a:prstGeom>
+            <a:noFill/>
+          </p:spPr>
+          <p:txBody>
+            <a:bodyPr wrap="square" rtlCol="0">
+              <a:spAutoFit/>
+            </a:bodyPr>
+            <a:lstStyle/>
+            <a:p>
+              <a:pPr algn="ctr"/>
+              <a:r>
+                <a:rPr kumimoji="1" lang="en-US" altLang="ja-JP" sz="2400" dirty="0" smtClean="0">
+                  <a:latin typeface="Consolas" panose="020B0609020204030204" pitchFamily="49" charset="0"/>
+                </a:rPr>
+                <a:t>dx_2</a:t>
+              </a:r>
+              <a:endParaRPr kumimoji="1" lang="ja-JP" altLang="en-US" sz="2400" dirty="0" smtClean="0">
+                <a:latin typeface="Consolas" panose="020B0609020204030204" pitchFamily="49" charset="0"/>
+              </a:endParaRPr>
+            </a:p>
+          </p:txBody>
+        </p:sp>
+      </p:grpSp>
+      <p:grpSp>
+        <p:nvGrpSpPr>
+          <p:cNvPr id="89" name="グループ化 88"/>
+          <p:cNvGrpSpPr/>
+          <p:nvPr/>
+        </p:nvGrpSpPr>
+        <p:grpSpPr>
+          <a:xfrm>
+            <a:off x="5940152" y="980728"/>
+            <a:ext cx="864096" cy="720080"/>
+            <a:chOff x="7380312" y="548680"/>
+            <a:chExt cx="864096" cy="720080"/>
+          </a:xfrm>
+        </p:grpSpPr>
+        <p:sp>
+          <p:nvSpPr>
+            <p:cNvPr id="54" name="正方形/長方形 53"/>
+            <p:cNvSpPr/>
+            <p:nvPr/>
+          </p:nvSpPr>
+          <p:spPr>
+            <a:xfrm>
+              <a:off x="7452320" y="548680"/>
+              <a:ext cx="720080" cy="720080"/>
+            </a:xfrm>
+            <a:prstGeom prst="rect">
+              <a:avLst/>
+            </a:prstGeom>
+            <a:solidFill>
+              <a:schemeClr val="accent1">
+                <a:lumMod val="20000"/>
+                <a:lumOff val="80000"/>
+              </a:schemeClr>
+            </a:solidFill>
+            <a:ln>
+              <a:solidFill>
+                <a:schemeClr val="tx1"/>
+              </a:solidFill>
+            </a:ln>
+          </p:spPr>
+          <p:txBody>
+            <a:bodyPr wrap="square" rtlCol="0" anchor="ctr">
+              <a:spAutoFit/>
+            </a:bodyPr>
+            <a:lstStyle/>
+            <a:p>
+              <a:pPr algn="ctr"/>
+              <a:endParaRPr kumimoji="1" lang="ja-JP" altLang="en-US" sz="2400" dirty="0" smtClean="0"/>
+            </a:p>
+          </p:txBody>
+        </p:sp>
+        <p:sp>
+          <p:nvSpPr>
+            <p:cNvPr id="55" name="テキスト ボックス 54"/>
+            <p:cNvSpPr txBox="1"/>
+            <p:nvPr/>
+          </p:nvSpPr>
+          <p:spPr>
+            <a:xfrm flipH="1">
+              <a:off x="7380312" y="663079"/>
+              <a:ext cx="864096" cy="461665"/>
+            </a:xfrm>
+            <a:prstGeom prst="rect">
+              <a:avLst/>
+            </a:prstGeom>
+            <a:noFill/>
+          </p:spPr>
+          <p:txBody>
+            <a:bodyPr wrap="square" rtlCol="0">
+              <a:spAutoFit/>
+            </a:bodyPr>
+            <a:lstStyle/>
+            <a:p>
+              <a:pPr algn="ctr"/>
+              <a:r>
+                <a:rPr kumimoji="1" lang="en-US" altLang="ja-JP" sz="2400" dirty="0" smtClean="0">
+                  <a:latin typeface="Consolas" panose="020B0609020204030204" pitchFamily="49" charset="0"/>
+                </a:rPr>
+                <a:t>dx_3</a:t>
+              </a:r>
+              <a:endParaRPr kumimoji="1" lang="ja-JP" altLang="en-US" sz="2400" dirty="0" smtClean="0">
+                <a:latin typeface="Consolas" panose="020B0609020204030204" pitchFamily="49" charset="0"/>
+              </a:endParaRPr>
+            </a:p>
+          </p:txBody>
+        </p:sp>
+      </p:grpSp>
+      <p:grpSp>
+        <p:nvGrpSpPr>
+          <p:cNvPr id="64" name="グループ化 63"/>
+          <p:cNvGrpSpPr/>
+          <p:nvPr/>
+        </p:nvGrpSpPr>
+        <p:grpSpPr>
+          <a:xfrm>
+            <a:off x="8100392" y="1844824"/>
+            <a:ext cx="864096" cy="720080"/>
+            <a:chOff x="5652120" y="2018457"/>
+            <a:chExt cx="864096" cy="720080"/>
+          </a:xfrm>
+        </p:grpSpPr>
+        <p:sp>
+          <p:nvSpPr>
+            <p:cNvPr id="56" name="正方形/長方形 55"/>
+            <p:cNvSpPr/>
+            <p:nvPr/>
+          </p:nvSpPr>
+          <p:spPr>
+            <a:xfrm>
+              <a:off x="5724128" y="2018457"/>
+              <a:ext cx="720080" cy="720080"/>
+            </a:xfrm>
+            <a:prstGeom prst="rect">
+              <a:avLst/>
+            </a:prstGeom>
+            <a:solidFill>
+              <a:schemeClr val="accent6">
+                <a:lumMod val="20000"/>
+                <a:lumOff val="80000"/>
+              </a:schemeClr>
+            </a:solidFill>
+            <a:ln>
+              <a:solidFill>
+                <a:schemeClr val="tx1"/>
+              </a:solidFill>
+            </a:ln>
+          </p:spPr>
+          <p:txBody>
+            <a:bodyPr wrap="square" rtlCol="0" anchor="ctr">
+              <a:spAutoFit/>
+            </a:bodyPr>
+            <a:lstStyle/>
+            <a:p>
+              <a:pPr algn="ctr"/>
+              <a:endParaRPr kumimoji="1" lang="ja-JP" altLang="en-US" sz="2400" dirty="0" smtClean="0"/>
+            </a:p>
+          </p:txBody>
+        </p:sp>
+        <p:sp>
+          <p:nvSpPr>
+            <p:cNvPr id="57" name="テキスト ボックス 56"/>
+            <p:cNvSpPr txBox="1"/>
+            <p:nvPr/>
+          </p:nvSpPr>
+          <p:spPr>
+            <a:xfrm flipH="1">
+              <a:off x="5652120" y="2132856"/>
+              <a:ext cx="864096" cy="461665"/>
+            </a:xfrm>
+            <a:prstGeom prst="rect">
+              <a:avLst/>
+            </a:prstGeom>
+            <a:noFill/>
+          </p:spPr>
+          <p:txBody>
+            <a:bodyPr wrap="square" rtlCol="0">
+              <a:spAutoFit/>
+            </a:bodyPr>
+            <a:lstStyle/>
+            <a:p>
+              <a:pPr algn="ctr"/>
+              <a:r>
+                <a:rPr kumimoji="1" lang="en-US" altLang="ja-JP" sz="2400" dirty="0" smtClean="0">
+                  <a:latin typeface="Consolas" panose="020B0609020204030204" pitchFamily="49" charset="0"/>
+                </a:rPr>
+                <a:t>dy_0</a:t>
+              </a:r>
+              <a:endParaRPr kumimoji="1" lang="ja-JP" altLang="en-US" sz="2400" dirty="0" smtClean="0">
+                <a:latin typeface="Consolas" panose="020B0609020204030204" pitchFamily="49" charset="0"/>
+              </a:endParaRPr>
+            </a:p>
+          </p:txBody>
+        </p:sp>
+      </p:grpSp>
+      <p:grpSp>
+        <p:nvGrpSpPr>
+          <p:cNvPr id="65" name="グループ化 64"/>
+          <p:cNvGrpSpPr/>
+          <p:nvPr/>
+        </p:nvGrpSpPr>
+        <p:grpSpPr>
+          <a:xfrm>
+            <a:off x="7380312" y="1844824"/>
+            <a:ext cx="864096" cy="720080"/>
+            <a:chOff x="5652120" y="2882553"/>
+            <a:chExt cx="864096" cy="720080"/>
+          </a:xfrm>
+        </p:grpSpPr>
+        <p:sp>
+          <p:nvSpPr>
+            <p:cNvPr id="58" name="正方形/長方形 57"/>
+            <p:cNvSpPr/>
+            <p:nvPr/>
+          </p:nvSpPr>
+          <p:spPr>
+            <a:xfrm>
+              <a:off x="5724128" y="2882553"/>
+              <a:ext cx="720080" cy="720080"/>
+            </a:xfrm>
+            <a:prstGeom prst="rect">
+              <a:avLst/>
+            </a:prstGeom>
+            <a:solidFill>
+              <a:schemeClr val="accent6">
+                <a:lumMod val="20000"/>
+                <a:lumOff val="80000"/>
+              </a:schemeClr>
+            </a:solidFill>
+            <a:ln>
+              <a:solidFill>
+                <a:schemeClr val="tx1"/>
+              </a:solidFill>
+            </a:ln>
+          </p:spPr>
+          <p:txBody>
+            <a:bodyPr wrap="square" rtlCol="0" anchor="ctr">
+              <a:spAutoFit/>
+            </a:bodyPr>
+            <a:lstStyle/>
+            <a:p>
+              <a:pPr algn="ctr"/>
+              <a:endParaRPr kumimoji="1" lang="ja-JP" altLang="en-US" sz="2400" dirty="0" smtClean="0"/>
+            </a:p>
+          </p:txBody>
+        </p:sp>
+        <p:sp>
+          <p:nvSpPr>
+            <p:cNvPr id="59" name="テキスト ボックス 58"/>
+            <p:cNvSpPr txBox="1"/>
+            <p:nvPr/>
+          </p:nvSpPr>
+          <p:spPr>
+            <a:xfrm flipH="1">
+              <a:off x="5652120" y="2996952"/>
+              <a:ext cx="864096" cy="461665"/>
+            </a:xfrm>
+            <a:prstGeom prst="rect">
+              <a:avLst/>
+            </a:prstGeom>
+            <a:noFill/>
+          </p:spPr>
+          <p:txBody>
+            <a:bodyPr wrap="square" rtlCol="0">
+              <a:spAutoFit/>
+            </a:bodyPr>
+            <a:lstStyle/>
+            <a:p>
+              <a:pPr algn="ctr"/>
+              <a:r>
+                <a:rPr kumimoji="1" lang="en-US" altLang="ja-JP" sz="2400" dirty="0" smtClean="0">
+                  <a:latin typeface="Consolas" panose="020B0609020204030204" pitchFamily="49" charset="0"/>
+                </a:rPr>
+                <a:t>dy_1</a:t>
+              </a:r>
+              <a:endParaRPr kumimoji="1" lang="ja-JP" altLang="en-US" sz="2400" dirty="0" smtClean="0">
+                <a:latin typeface="Consolas" panose="020B0609020204030204" pitchFamily="49" charset="0"/>
+              </a:endParaRPr>
+            </a:p>
+          </p:txBody>
+        </p:sp>
+      </p:grpSp>
+      <p:grpSp>
+        <p:nvGrpSpPr>
+          <p:cNvPr id="66" name="グループ化 65"/>
+          <p:cNvGrpSpPr/>
+          <p:nvPr/>
+        </p:nvGrpSpPr>
+        <p:grpSpPr>
+          <a:xfrm>
+            <a:off x="6660232" y="1844824"/>
+            <a:ext cx="864096" cy="720080"/>
+            <a:chOff x="5652120" y="3746649"/>
+            <a:chExt cx="864096" cy="720080"/>
+          </a:xfrm>
+        </p:grpSpPr>
+        <p:sp>
+          <p:nvSpPr>
+            <p:cNvPr id="60" name="正方形/長方形 59"/>
+            <p:cNvSpPr/>
+            <p:nvPr/>
+          </p:nvSpPr>
+          <p:spPr>
+            <a:xfrm>
+              <a:off x="5724128" y="3746649"/>
+              <a:ext cx="720080" cy="720080"/>
+            </a:xfrm>
+            <a:prstGeom prst="rect">
+              <a:avLst/>
+            </a:prstGeom>
+            <a:solidFill>
+              <a:schemeClr val="accent6">
+                <a:lumMod val="20000"/>
+                <a:lumOff val="80000"/>
+              </a:schemeClr>
+            </a:solidFill>
+            <a:ln>
+              <a:solidFill>
+                <a:schemeClr val="tx1"/>
+              </a:solidFill>
+            </a:ln>
+          </p:spPr>
+          <p:txBody>
+            <a:bodyPr wrap="square" rtlCol="0" anchor="ctr">
+              <a:spAutoFit/>
+            </a:bodyPr>
+            <a:lstStyle/>
+            <a:p>
+              <a:pPr algn="ctr"/>
+              <a:endParaRPr kumimoji="1" lang="ja-JP" altLang="en-US" sz="2400" dirty="0" smtClean="0"/>
+            </a:p>
+          </p:txBody>
+        </p:sp>
+        <p:sp>
+          <p:nvSpPr>
+            <p:cNvPr id="61" name="テキスト ボックス 60"/>
+            <p:cNvSpPr txBox="1"/>
+            <p:nvPr/>
+          </p:nvSpPr>
+          <p:spPr>
+            <a:xfrm flipH="1">
+              <a:off x="5652120" y="3861048"/>
+              <a:ext cx="864096" cy="461665"/>
+            </a:xfrm>
+            <a:prstGeom prst="rect">
+              <a:avLst/>
+            </a:prstGeom>
+            <a:noFill/>
+          </p:spPr>
+          <p:txBody>
+            <a:bodyPr wrap="square" rtlCol="0">
+              <a:spAutoFit/>
+            </a:bodyPr>
+            <a:lstStyle/>
+            <a:p>
+              <a:pPr algn="ctr"/>
+              <a:r>
+                <a:rPr kumimoji="1" lang="en-US" altLang="ja-JP" sz="2400" dirty="0" smtClean="0">
+                  <a:latin typeface="Consolas" panose="020B0609020204030204" pitchFamily="49" charset="0"/>
+                </a:rPr>
+                <a:t>dy_2</a:t>
+              </a:r>
+              <a:endParaRPr kumimoji="1" lang="ja-JP" altLang="en-US" sz="2400" dirty="0" smtClean="0">
+                <a:latin typeface="Consolas" panose="020B0609020204030204" pitchFamily="49" charset="0"/>
+              </a:endParaRPr>
+            </a:p>
+          </p:txBody>
+        </p:sp>
+      </p:grpSp>
+      <p:grpSp>
+        <p:nvGrpSpPr>
+          <p:cNvPr id="67" name="グループ化 66"/>
+          <p:cNvGrpSpPr/>
+          <p:nvPr/>
+        </p:nvGrpSpPr>
+        <p:grpSpPr>
+          <a:xfrm>
+            <a:off x="5940152" y="1844824"/>
+            <a:ext cx="864096" cy="720080"/>
+            <a:chOff x="5652120" y="4610745"/>
+            <a:chExt cx="864096" cy="720080"/>
+          </a:xfrm>
+        </p:grpSpPr>
+        <p:sp>
+          <p:nvSpPr>
+            <p:cNvPr id="62" name="正方形/長方形 61"/>
+            <p:cNvSpPr/>
+            <p:nvPr/>
+          </p:nvSpPr>
+          <p:spPr>
+            <a:xfrm>
+              <a:off x="5724128" y="4610745"/>
+              <a:ext cx="720080" cy="720080"/>
+            </a:xfrm>
+            <a:prstGeom prst="rect">
+              <a:avLst/>
+            </a:prstGeom>
+            <a:solidFill>
+              <a:schemeClr val="accent6">
+                <a:lumMod val="20000"/>
+                <a:lumOff val="80000"/>
+              </a:schemeClr>
+            </a:solidFill>
+            <a:ln>
+              <a:solidFill>
+                <a:schemeClr val="tx1"/>
+              </a:solidFill>
+            </a:ln>
+          </p:spPr>
+          <p:txBody>
+            <a:bodyPr wrap="square" rtlCol="0" anchor="ctr">
+              <a:spAutoFit/>
+            </a:bodyPr>
+            <a:lstStyle/>
+            <a:p>
+              <a:pPr algn="ctr"/>
+              <a:endParaRPr kumimoji="1" lang="ja-JP" altLang="en-US" sz="2400" dirty="0" smtClean="0"/>
+            </a:p>
+          </p:txBody>
+        </p:sp>
+        <p:sp>
+          <p:nvSpPr>
+            <p:cNvPr id="63" name="テキスト ボックス 62"/>
+            <p:cNvSpPr txBox="1"/>
+            <p:nvPr/>
+          </p:nvSpPr>
+          <p:spPr>
+            <a:xfrm flipH="1">
+              <a:off x="5652120" y="4725144"/>
+              <a:ext cx="864096" cy="461665"/>
+            </a:xfrm>
+            <a:prstGeom prst="rect">
+              <a:avLst/>
+            </a:prstGeom>
+            <a:noFill/>
+          </p:spPr>
+          <p:txBody>
+            <a:bodyPr wrap="square" rtlCol="0">
+              <a:spAutoFit/>
+            </a:bodyPr>
+            <a:lstStyle/>
+            <a:p>
+              <a:pPr algn="ctr"/>
+              <a:r>
+                <a:rPr kumimoji="1" lang="en-US" altLang="ja-JP" sz="2400" dirty="0" smtClean="0">
+                  <a:latin typeface="Consolas" panose="020B0609020204030204" pitchFamily="49" charset="0"/>
+                </a:rPr>
+                <a:t>dy_3</a:t>
+              </a:r>
+              <a:endParaRPr kumimoji="1" lang="ja-JP" altLang="en-US" sz="2400" dirty="0" smtClean="0">
+                <a:latin typeface="Consolas" panose="020B0609020204030204" pitchFamily="49" charset="0"/>
+              </a:endParaRPr>
+            </a:p>
+          </p:txBody>
+        </p:sp>
+      </p:grpSp>
+      <p:grpSp>
+        <p:nvGrpSpPr>
+          <p:cNvPr id="84" name="グループ化 83"/>
+          <p:cNvGrpSpPr/>
+          <p:nvPr/>
+        </p:nvGrpSpPr>
+        <p:grpSpPr>
+          <a:xfrm>
+            <a:off x="8100392" y="2708920"/>
+            <a:ext cx="864096" cy="720080"/>
+            <a:chOff x="6012160" y="3098577"/>
+            <a:chExt cx="864096" cy="720080"/>
+          </a:xfrm>
+        </p:grpSpPr>
+        <p:sp>
+          <p:nvSpPr>
+            <p:cNvPr id="76" name="正方形/長方形 75"/>
+            <p:cNvSpPr/>
+            <p:nvPr/>
+          </p:nvSpPr>
+          <p:spPr>
+            <a:xfrm>
+              <a:off x="6084168" y="3098577"/>
+              <a:ext cx="720080" cy="720080"/>
+            </a:xfrm>
+            <a:prstGeom prst="rect">
+              <a:avLst/>
+            </a:prstGeom>
+            <a:solidFill>
+              <a:schemeClr val="accent2">
+                <a:lumMod val="20000"/>
+                <a:lumOff val="80000"/>
+              </a:schemeClr>
+            </a:solidFill>
+            <a:ln>
+              <a:solidFill>
+                <a:schemeClr val="tx1"/>
+              </a:solidFill>
+            </a:ln>
+          </p:spPr>
+          <p:txBody>
+            <a:bodyPr wrap="square" rtlCol="0" anchor="ctr">
+              <a:spAutoFit/>
+            </a:bodyPr>
+            <a:lstStyle/>
+            <a:p>
+              <a:pPr algn="ctr"/>
+              <a:endParaRPr kumimoji="1" lang="ja-JP" altLang="en-US" sz="2400" dirty="0" smtClean="0"/>
+            </a:p>
+          </p:txBody>
+        </p:sp>
+        <p:sp>
+          <p:nvSpPr>
+            <p:cNvPr id="77" name="テキスト ボックス 76"/>
+            <p:cNvSpPr txBox="1"/>
+            <p:nvPr/>
+          </p:nvSpPr>
+          <p:spPr>
+            <a:xfrm flipH="1">
+              <a:off x="6012160" y="3212976"/>
+              <a:ext cx="864096" cy="461665"/>
+            </a:xfrm>
+            <a:prstGeom prst="rect">
+              <a:avLst/>
+            </a:prstGeom>
+            <a:noFill/>
+          </p:spPr>
+          <p:txBody>
+            <a:bodyPr wrap="square" rtlCol="0">
+              <a:spAutoFit/>
+            </a:bodyPr>
+            <a:lstStyle/>
+            <a:p>
+              <a:pPr algn="ctr"/>
+              <a:r>
+                <a:rPr kumimoji="1" lang="en-US" altLang="ja-JP" sz="2400" dirty="0" smtClean="0">
+                  <a:latin typeface="Consolas" panose="020B0609020204030204" pitchFamily="49" charset="0"/>
+                </a:rPr>
+                <a:t>dz_0</a:t>
+              </a:r>
+              <a:endParaRPr kumimoji="1" lang="ja-JP" altLang="en-US" sz="2400" dirty="0" smtClean="0">
+                <a:latin typeface="Consolas" panose="020B0609020204030204" pitchFamily="49" charset="0"/>
+              </a:endParaRPr>
+            </a:p>
+          </p:txBody>
+        </p:sp>
+      </p:grpSp>
+      <p:grpSp>
+        <p:nvGrpSpPr>
+          <p:cNvPr id="85" name="グループ化 84"/>
+          <p:cNvGrpSpPr/>
+          <p:nvPr/>
+        </p:nvGrpSpPr>
+        <p:grpSpPr>
+          <a:xfrm>
+            <a:off x="7380312" y="2708920"/>
+            <a:ext cx="864096" cy="720080"/>
+            <a:chOff x="6012160" y="3962673"/>
+            <a:chExt cx="864096" cy="720080"/>
+          </a:xfrm>
+        </p:grpSpPr>
+        <p:sp>
+          <p:nvSpPr>
+            <p:cNvPr id="78" name="正方形/長方形 77"/>
+            <p:cNvSpPr/>
+            <p:nvPr/>
+          </p:nvSpPr>
+          <p:spPr>
+            <a:xfrm>
+              <a:off x="6084168" y="3962673"/>
+              <a:ext cx="720080" cy="720080"/>
+            </a:xfrm>
+            <a:prstGeom prst="rect">
+              <a:avLst/>
+            </a:prstGeom>
+            <a:solidFill>
+              <a:schemeClr val="accent2">
+                <a:lumMod val="20000"/>
+                <a:lumOff val="80000"/>
+              </a:schemeClr>
+            </a:solidFill>
+            <a:ln>
+              <a:solidFill>
+                <a:schemeClr val="tx1"/>
+              </a:solidFill>
+            </a:ln>
+          </p:spPr>
+          <p:txBody>
+            <a:bodyPr wrap="square" rtlCol="0" anchor="ctr">
+              <a:spAutoFit/>
+            </a:bodyPr>
+            <a:lstStyle/>
+            <a:p>
+              <a:pPr algn="ctr"/>
+              <a:endParaRPr kumimoji="1" lang="ja-JP" altLang="en-US" sz="2400" dirty="0" smtClean="0"/>
+            </a:p>
+          </p:txBody>
+        </p:sp>
+        <p:sp>
+          <p:nvSpPr>
+            <p:cNvPr id="79" name="テキスト ボックス 78"/>
+            <p:cNvSpPr txBox="1"/>
+            <p:nvPr/>
+          </p:nvSpPr>
+          <p:spPr>
+            <a:xfrm flipH="1">
+              <a:off x="6012160" y="4077072"/>
+              <a:ext cx="864096" cy="461665"/>
+            </a:xfrm>
+            <a:prstGeom prst="rect">
+              <a:avLst/>
+            </a:prstGeom>
+            <a:noFill/>
+          </p:spPr>
+          <p:txBody>
+            <a:bodyPr wrap="square" rtlCol="0">
+              <a:spAutoFit/>
+            </a:bodyPr>
+            <a:lstStyle/>
+            <a:p>
+              <a:pPr algn="ctr"/>
+              <a:r>
+                <a:rPr kumimoji="1" lang="en-US" altLang="ja-JP" sz="2400" dirty="0" smtClean="0">
+                  <a:latin typeface="Consolas" panose="020B0609020204030204" pitchFamily="49" charset="0"/>
+                </a:rPr>
+                <a:t>dz_1</a:t>
+              </a:r>
+              <a:endParaRPr kumimoji="1" lang="ja-JP" altLang="en-US" sz="2400" dirty="0" smtClean="0">
+                <a:latin typeface="Consolas" panose="020B0609020204030204" pitchFamily="49" charset="0"/>
+              </a:endParaRPr>
+            </a:p>
+          </p:txBody>
+        </p:sp>
+      </p:grpSp>
+      <p:grpSp>
+        <p:nvGrpSpPr>
+          <p:cNvPr id="90" name="グループ化 89"/>
+          <p:cNvGrpSpPr/>
+          <p:nvPr/>
+        </p:nvGrpSpPr>
+        <p:grpSpPr>
+          <a:xfrm>
+            <a:off x="6660232" y="2708920"/>
+            <a:ext cx="864096" cy="720080"/>
+            <a:chOff x="6012160" y="4826769"/>
+            <a:chExt cx="864096" cy="720080"/>
+          </a:xfrm>
+        </p:grpSpPr>
+        <p:sp>
+          <p:nvSpPr>
+            <p:cNvPr id="80" name="正方形/長方形 79"/>
+            <p:cNvSpPr/>
+            <p:nvPr/>
+          </p:nvSpPr>
+          <p:spPr>
+            <a:xfrm>
+              <a:off x="6084168" y="4826769"/>
+              <a:ext cx="720080" cy="720080"/>
+            </a:xfrm>
+            <a:prstGeom prst="rect">
+              <a:avLst/>
+            </a:prstGeom>
+            <a:solidFill>
+              <a:schemeClr val="accent2">
+                <a:lumMod val="20000"/>
+                <a:lumOff val="80000"/>
+              </a:schemeClr>
+            </a:solidFill>
+            <a:ln>
+              <a:solidFill>
+                <a:schemeClr val="tx1"/>
+              </a:solidFill>
+            </a:ln>
+          </p:spPr>
+          <p:txBody>
+            <a:bodyPr wrap="square" rtlCol="0" anchor="ctr">
+              <a:spAutoFit/>
+            </a:bodyPr>
+            <a:lstStyle/>
+            <a:p>
+              <a:pPr algn="ctr"/>
+              <a:endParaRPr kumimoji="1" lang="ja-JP" altLang="en-US" sz="2400" dirty="0" smtClean="0"/>
+            </a:p>
+          </p:txBody>
+        </p:sp>
+        <p:sp>
+          <p:nvSpPr>
+            <p:cNvPr id="81" name="テキスト ボックス 80"/>
+            <p:cNvSpPr txBox="1"/>
+            <p:nvPr/>
+          </p:nvSpPr>
+          <p:spPr>
+            <a:xfrm flipH="1">
+              <a:off x="6012160" y="4941168"/>
+              <a:ext cx="864096" cy="461665"/>
+            </a:xfrm>
+            <a:prstGeom prst="rect">
+              <a:avLst/>
+            </a:prstGeom>
+            <a:noFill/>
+          </p:spPr>
+          <p:txBody>
+            <a:bodyPr wrap="square" rtlCol="0">
+              <a:spAutoFit/>
+            </a:bodyPr>
+            <a:lstStyle/>
+            <a:p>
+              <a:pPr algn="ctr"/>
+              <a:r>
+                <a:rPr kumimoji="1" lang="en-US" altLang="ja-JP" sz="2400" dirty="0" smtClean="0">
+                  <a:latin typeface="Consolas" panose="020B0609020204030204" pitchFamily="49" charset="0"/>
+                </a:rPr>
+                <a:t>dz_2</a:t>
+              </a:r>
+              <a:endParaRPr kumimoji="1" lang="ja-JP" altLang="en-US" sz="2400" dirty="0" smtClean="0">
+                <a:latin typeface="Consolas" panose="020B0609020204030204" pitchFamily="49" charset="0"/>
+              </a:endParaRPr>
+            </a:p>
+          </p:txBody>
+        </p:sp>
+      </p:grpSp>
+      <p:grpSp>
+        <p:nvGrpSpPr>
+          <p:cNvPr id="91" name="グループ化 90"/>
+          <p:cNvGrpSpPr/>
+          <p:nvPr/>
+        </p:nvGrpSpPr>
+        <p:grpSpPr>
+          <a:xfrm>
+            <a:off x="5940152" y="2708920"/>
+            <a:ext cx="864096" cy="720080"/>
+            <a:chOff x="6012160" y="5690865"/>
+            <a:chExt cx="864096" cy="720080"/>
+          </a:xfrm>
+        </p:grpSpPr>
+        <p:sp>
+          <p:nvSpPr>
+            <p:cNvPr id="82" name="正方形/長方形 81"/>
+            <p:cNvSpPr/>
+            <p:nvPr/>
+          </p:nvSpPr>
+          <p:spPr>
+            <a:xfrm>
+              <a:off x="6084168" y="5690865"/>
+              <a:ext cx="720080" cy="720080"/>
+            </a:xfrm>
+            <a:prstGeom prst="rect">
+              <a:avLst/>
+            </a:prstGeom>
+            <a:solidFill>
+              <a:schemeClr val="accent2">
+                <a:lumMod val="20000"/>
+                <a:lumOff val="80000"/>
+              </a:schemeClr>
+            </a:solidFill>
+            <a:ln>
+              <a:solidFill>
+                <a:schemeClr val="tx1"/>
+              </a:solidFill>
+            </a:ln>
+          </p:spPr>
+          <p:txBody>
+            <a:bodyPr wrap="square" rtlCol="0" anchor="ctr">
+              <a:spAutoFit/>
+            </a:bodyPr>
+            <a:lstStyle/>
+            <a:p>
+              <a:pPr algn="ctr"/>
+              <a:endParaRPr kumimoji="1" lang="ja-JP" altLang="en-US" sz="2400" dirty="0" smtClean="0"/>
+            </a:p>
+          </p:txBody>
+        </p:sp>
+        <p:sp>
+          <p:nvSpPr>
+            <p:cNvPr id="83" name="テキスト ボックス 82"/>
+            <p:cNvSpPr txBox="1"/>
+            <p:nvPr/>
+          </p:nvSpPr>
+          <p:spPr>
+            <a:xfrm flipH="1">
+              <a:off x="6012160" y="5805264"/>
+              <a:ext cx="864096" cy="461665"/>
+            </a:xfrm>
+            <a:prstGeom prst="rect">
+              <a:avLst/>
+            </a:prstGeom>
+            <a:noFill/>
+          </p:spPr>
+          <p:txBody>
+            <a:bodyPr wrap="square" rtlCol="0">
+              <a:spAutoFit/>
+            </a:bodyPr>
+            <a:lstStyle/>
+            <a:p>
+              <a:pPr algn="ctr"/>
+              <a:r>
+                <a:rPr kumimoji="1" lang="en-US" altLang="ja-JP" sz="2400" dirty="0" smtClean="0">
+                  <a:latin typeface="Consolas" panose="020B0609020204030204" pitchFamily="49" charset="0"/>
+                </a:rPr>
+                <a:t>dz_3</a:t>
+              </a:r>
+              <a:endParaRPr kumimoji="1" lang="ja-JP" altLang="en-US" sz="2400" dirty="0" smtClean="0">
+                <a:latin typeface="Consolas" panose="020B0609020204030204" pitchFamily="49" charset="0"/>
+              </a:endParaRPr>
+            </a:p>
+          </p:txBody>
+        </p:sp>
+      </p:grpSp>
+      <p:sp>
+        <p:nvSpPr>
+          <p:cNvPr id="92" name="正方形/長方形 91"/>
+          <p:cNvSpPr/>
+          <p:nvPr/>
+        </p:nvSpPr>
+        <p:spPr>
+          <a:xfrm>
+            <a:off x="5292080" y="1124744"/>
+            <a:ext cx="694421" cy="461665"/>
+          </a:xfrm>
+          <a:prstGeom prst="rect">
+            <a:avLst/>
+          </a:prstGeom>
+        </p:spPr>
+        <p:txBody>
+          <a:bodyPr wrap="none">
+            <a:spAutoFit/>
+          </a:bodyPr>
+          <a:lstStyle/>
+          <a:p>
+            <a:r>
+              <a:rPr lang="en-US" altLang="ja-JP" sz="2400" dirty="0" smtClean="0">
+                <a:latin typeface="Consolas" panose="020B0609020204030204" pitchFamily="49" charset="0"/>
+              </a:rPr>
+              <a:t>vdx</a:t>
+            </a:r>
+            <a:endParaRPr lang="en-US" altLang="ja-JP" sz="2400" b="0" dirty="0">
+              <a:effectLst/>
+              <a:latin typeface="Consolas" panose="020B0609020204030204" pitchFamily="49" charset="0"/>
+            </a:endParaRPr>
+          </a:p>
+        </p:txBody>
+      </p:sp>
+      <p:sp>
+        <p:nvSpPr>
+          <p:cNvPr id="93" name="正方形/長方形 92"/>
+          <p:cNvSpPr/>
+          <p:nvPr/>
+        </p:nvSpPr>
+        <p:spPr>
+          <a:xfrm>
+            <a:off x="5292080" y="1959223"/>
+            <a:ext cx="694421" cy="461665"/>
+          </a:xfrm>
+          <a:prstGeom prst="rect">
+            <a:avLst/>
+          </a:prstGeom>
+        </p:spPr>
+        <p:txBody>
+          <a:bodyPr wrap="none">
+            <a:spAutoFit/>
+          </a:bodyPr>
+          <a:lstStyle/>
+          <a:p>
+            <a:r>
+              <a:rPr lang="en-US" altLang="ja-JP" sz="2400" dirty="0" smtClean="0">
+                <a:latin typeface="Consolas" panose="020B0609020204030204" pitchFamily="49" charset="0"/>
+              </a:rPr>
+              <a:t>vdy</a:t>
+            </a:r>
+            <a:endParaRPr lang="en-US" altLang="ja-JP" sz="2400" b="0" dirty="0">
+              <a:effectLst/>
+              <a:latin typeface="Consolas" panose="020B0609020204030204" pitchFamily="49" charset="0"/>
+            </a:endParaRPr>
+          </a:p>
+        </p:txBody>
+      </p:sp>
+      <p:sp>
+        <p:nvSpPr>
+          <p:cNvPr id="94" name="正方形/長方形 93"/>
+          <p:cNvSpPr/>
+          <p:nvPr/>
+        </p:nvSpPr>
+        <p:spPr>
+          <a:xfrm>
+            <a:off x="5292080" y="2780928"/>
+            <a:ext cx="694421" cy="461665"/>
+          </a:xfrm>
+          <a:prstGeom prst="rect">
+            <a:avLst/>
+          </a:prstGeom>
+        </p:spPr>
+        <p:txBody>
+          <a:bodyPr wrap="none">
+            <a:spAutoFit/>
+          </a:bodyPr>
+          <a:lstStyle/>
+          <a:p>
+            <a:r>
+              <a:rPr lang="en-US" altLang="ja-JP" sz="2400" dirty="0" smtClean="0">
+                <a:latin typeface="Consolas" panose="020B0609020204030204" pitchFamily="49" charset="0"/>
+              </a:rPr>
+              <a:t>vdz</a:t>
+            </a:r>
+            <a:endParaRPr lang="en-US" altLang="ja-JP" sz="2400" b="0" dirty="0">
+              <a:effectLst/>
+              <a:latin typeface="Consolas" panose="020B0609020204030204" pitchFamily="49" charset="0"/>
+            </a:endParaRPr>
+          </a:p>
+        </p:txBody>
+      </p:sp>
+      <p:sp>
+        <p:nvSpPr>
+          <p:cNvPr id="95" name="右矢印 94"/>
+          <p:cNvSpPr/>
+          <p:nvPr/>
+        </p:nvSpPr>
+        <p:spPr>
+          <a:xfrm>
+            <a:off x="4427984" y="1844824"/>
+            <a:ext cx="648072" cy="628648"/>
+          </a:xfrm>
+          <a:prstGeom prst="rightArrow">
+            <a:avLst/>
+          </a:prstGeom>
+          <a:solidFill>
+            <a:srgbClr val="FF0000"/>
+          </a:solidFill>
+          <a:ln>
+            <a:solidFill>
+              <a:schemeClr val="tx1"/>
+            </a:solidFill>
+          </a:ln>
+        </p:spPr>
+        <p:txBody>
+          <a:bodyPr wrap="square" rtlCol="0" anchor="ctr">
+            <a:spAutoFit/>
+          </a:bodyPr>
+          <a:lstStyle/>
+          <a:p>
+            <a:pPr algn="ctr"/>
+            <a:endParaRPr kumimoji="1" lang="ja-JP" altLang="en-US" sz="2400" dirty="0" smtClean="0"/>
+          </a:p>
+        </p:txBody>
+      </p:sp>
+    </p:spTree>
+    <p:extLst>
+      <p:ext uri="{BB962C8B-B14F-4D97-AF65-F5344CB8AC3E}">
+        <p14:creationId xmlns:p14="http://schemas.microsoft.com/office/powerpoint/2010/main" val="76056936"/>
+      </p:ext>
+    </p:extLst>
+  </p:cSld>
+  <p:clrMapOvr>
+    <a:masterClrMapping/>
+  </p:clrMapOvr>
+</p:sld>
+</file>
+
+<file path=ppt/slides/slide3.xml><?xml version="1.0" encoding="utf-8"?>
+<p:sld xmlns:a="http://schemas.openxmlformats.org/drawingml/2006/main" xmlns:r="http://schemas.openxmlformats.org/officeDocument/2006/relationships" xmlns:p="http://schemas.openxmlformats.org/presentationml/2006/main">
+  <p:cSld>
+    <p:spTree>
+      <p:nvGrpSpPr>
+        <p:cNvPr id="1" name=""/>
+        <p:cNvGrpSpPr/>
+        <p:nvPr/>
+      </p:nvGrpSpPr>
+      <p:grpSpPr>
+        <a:xfrm>
+          <a:off x="0" y="0"/>
+          <a:ext cx="0" cy="0"/>
+          <a:chOff x="0" y="0"/>
+          <a:chExt cx="0" cy="0"/>
+        </a:xfrm>
+      </p:grpSpPr>
+      <p:grpSp>
+        <p:nvGrpSpPr>
+          <p:cNvPr id="20" name="グループ化 19"/>
+          <p:cNvGrpSpPr/>
+          <p:nvPr/>
+        </p:nvGrpSpPr>
+        <p:grpSpPr>
+          <a:xfrm>
+            <a:off x="3779912" y="1268760"/>
+            <a:ext cx="864096" cy="720080"/>
+            <a:chOff x="3347864" y="548680"/>
+            <a:chExt cx="864096" cy="720080"/>
+          </a:xfrm>
+        </p:grpSpPr>
+        <p:sp>
+          <p:nvSpPr>
+            <p:cNvPr id="2" name="正方形/長方形 1"/>
+            <p:cNvSpPr/>
+            <p:nvPr/>
+          </p:nvSpPr>
+          <p:spPr>
+            <a:xfrm>
+              <a:off x="3419872" y="548680"/>
+              <a:ext cx="720080" cy="720080"/>
+            </a:xfrm>
+            <a:prstGeom prst="rect">
+              <a:avLst/>
+            </a:prstGeom>
+            <a:solidFill>
+              <a:schemeClr val="accent1">
+                <a:lumMod val="20000"/>
+                <a:lumOff val="80000"/>
+              </a:schemeClr>
+            </a:solidFill>
+            <a:ln>
+              <a:solidFill>
+                <a:schemeClr val="tx1"/>
+              </a:solidFill>
+            </a:ln>
+          </p:spPr>
+          <p:txBody>
+            <a:bodyPr wrap="square" rtlCol="0" anchor="ctr">
+              <a:spAutoFit/>
+            </a:bodyPr>
+            <a:lstStyle/>
+            <a:p>
+              <a:pPr algn="ctr"/>
+              <a:endParaRPr kumimoji="1" lang="ja-JP" altLang="en-US" sz="2400" dirty="0" smtClean="0"/>
+            </a:p>
+          </p:txBody>
+        </p:sp>
+        <p:sp>
+          <p:nvSpPr>
+            <p:cNvPr id="6" name="テキスト ボックス 5"/>
+            <p:cNvSpPr txBox="1"/>
+            <p:nvPr/>
+          </p:nvSpPr>
+          <p:spPr>
+            <a:xfrm flipH="1">
+              <a:off x="3347864" y="663079"/>
+              <a:ext cx="864096" cy="461665"/>
+            </a:xfrm>
+            <a:prstGeom prst="rect">
+              <a:avLst/>
+            </a:prstGeom>
+            <a:noFill/>
+          </p:spPr>
+          <p:txBody>
+            <a:bodyPr wrap="square" rtlCol="0">
+              <a:spAutoFit/>
+            </a:bodyPr>
+            <a:lstStyle/>
+            <a:p>
+              <a:pPr algn="ctr"/>
+              <a:r>
+                <a:rPr kumimoji="1" lang="en-US" altLang="ja-JP" sz="2400" dirty="0" smtClean="0">
+                  <a:latin typeface="Consolas" panose="020B0609020204030204" pitchFamily="49" charset="0"/>
+                </a:rPr>
+                <a:t>dx_0</a:t>
+              </a:r>
+              <a:endParaRPr kumimoji="1" lang="ja-JP" altLang="en-US" sz="2400" dirty="0" smtClean="0">
+                <a:latin typeface="Consolas" panose="020B0609020204030204" pitchFamily="49" charset="0"/>
+              </a:endParaRPr>
+            </a:p>
+          </p:txBody>
+        </p:sp>
+      </p:grpSp>
+      <p:grpSp>
+        <p:nvGrpSpPr>
+          <p:cNvPr id="21" name="グループ化 20"/>
+          <p:cNvGrpSpPr/>
+          <p:nvPr/>
+        </p:nvGrpSpPr>
+        <p:grpSpPr>
+          <a:xfrm>
+            <a:off x="3059832" y="1268760"/>
+            <a:ext cx="864096" cy="720080"/>
+            <a:chOff x="2627784" y="548680"/>
+            <a:chExt cx="864096" cy="720080"/>
+          </a:xfrm>
+        </p:grpSpPr>
+        <p:sp>
+          <p:nvSpPr>
+            <p:cNvPr id="3" name="正方形/長方形 2"/>
+            <p:cNvSpPr/>
+            <p:nvPr/>
+          </p:nvSpPr>
+          <p:spPr>
+            <a:xfrm>
+              <a:off x="2699792" y="548680"/>
+              <a:ext cx="720080" cy="720080"/>
+            </a:xfrm>
+            <a:prstGeom prst="rect">
+              <a:avLst/>
+            </a:prstGeom>
+            <a:solidFill>
+              <a:schemeClr val="accent6">
+                <a:lumMod val="20000"/>
+                <a:lumOff val="80000"/>
+              </a:schemeClr>
+            </a:solidFill>
+            <a:ln>
+              <a:solidFill>
+                <a:schemeClr val="tx1"/>
+              </a:solidFill>
+            </a:ln>
+          </p:spPr>
+          <p:txBody>
+            <a:bodyPr wrap="square" rtlCol="0" anchor="ctr">
+              <a:spAutoFit/>
+            </a:bodyPr>
+            <a:lstStyle/>
+            <a:p>
+              <a:pPr algn="ctr"/>
+              <a:endParaRPr kumimoji="1" lang="ja-JP" altLang="en-US" sz="2400" dirty="0" smtClean="0"/>
+            </a:p>
+          </p:txBody>
+        </p:sp>
+        <p:sp>
+          <p:nvSpPr>
+            <p:cNvPr id="7" name="テキスト ボックス 6"/>
+            <p:cNvSpPr txBox="1"/>
+            <p:nvPr/>
+          </p:nvSpPr>
+          <p:spPr>
+            <a:xfrm flipH="1">
+              <a:off x="2627784" y="663079"/>
+              <a:ext cx="864096" cy="461665"/>
+            </a:xfrm>
+            <a:prstGeom prst="rect">
+              <a:avLst/>
+            </a:prstGeom>
+            <a:noFill/>
+          </p:spPr>
+          <p:txBody>
+            <a:bodyPr wrap="square" rtlCol="0">
+              <a:spAutoFit/>
+            </a:bodyPr>
+            <a:lstStyle/>
+            <a:p>
+              <a:pPr algn="ctr"/>
+              <a:r>
+                <a:rPr kumimoji="1" lang="en-US" altLang="ja-JP" sz="2400" dirty="0" smtClean="0">
+                  <a:latin typeface="Consolas" panose="020B0609020204030204" pitchFamily="49" charset="0"/>
+                </a:rPr>
+                <a:t>dy_0</a:t>
+              </a:r>
+              <a:endParaRPr kumimoji="1" lang="ja-JP" altLang="en-US" sz="2400" dirty="0" smtClean="0">
+                <a:latin typeface="Consolas" panose="020B0609020204030204" pitchFamily="49" charset="0"/>
+              </a:endParaRPr>
+            </a:p>
+          </p:txBody>
+        </p:sp>
+      </p:grpSp>
+      <p:grpSp>
+        <p:nvGrpSpPr>
+          <p:cNvPr id="22" name="グループ化 21"/>
+          <p:cNvGrpSpPr/>
+          <p:nvPr/>
+        </p:nvGrpSpPr>
+        <p:grpSpPr>
+          <a:xfrm>
+            <a:off x="2339752" y="1268760"/>
+            <a:ext cx="864096" cy="720080"/>
+            <a:chOff x="1907704" y="548680"/>
+            <a:chExt cx="864096" cy="720080"/>
+          </a:xfrm>
+        </p:grpSpPr>
+        <p:sp>
+          <p:nvSpPr>
+            <p:cNvPr id="4" name="正方形/長方形 3"/>
+            <p:cNvSpPr/>
+            <p:nvPr/>
+          </p:nvSpPr>
+          <p:spPr>
+            <a:xfrm>
+              <a:off x="1979712" y="548680"/>
+              <a:ext cx="720080" cy="720080"/>
+            </a:xfrm>
+            <a:prstGeom prst="rect">
+              <a:avLst/>
+            </a:prstGeom>
+            <a:solidFill>
+              <a:schemeClr val="accent2">
+                <a:lumMod val="20000"/>
+                <a:lumOff val="80000"/>
+              </a:schemeClr>
+            </a:solidFill>
+            <a:ln>
+              <a:solidFill>
+                <a:schemeClr val="tx1"/>
+              </a:solidFill>
+            </a:ln>
+          </p:spPr>
+          <p:txBody>
+            <a:bodyPr wrap="square" rtlCol="0" anchor="ctr">
+              <a:spAutoFit/>
+            </a:bodyPr>
+            <a:lstStyle/>
+            <a:p>
+              <a:pPr algn="ctr"/>
+              <a:endParaRPr kumimoji="1" lang="ja-JP" altLang="en-US" sz="2400" dirty="0" smtClean="0"/>
+            </a:p>
+          </p:txBody>
+        </p:sp>
+        <p:sp>
+          <p:nvSpPr>
+            <p:cNvPr id="8" name="テキスト ボックス 7"/>
+            <p:cNvSpPr txBox="1"/>
+            <p:nvPr/>
+          </p:nvSpPr>
+          <p:spPr>
+            <a:xfrm flipH="1">
+              <a:off x="1907704" y="663079"/>
+              <a:ext cx="864096" cy="461665"/>
+            </a:xfrm>
+            <a:prstGeom prst="rect">
+              <a:avLst/>
+            </a:prstGeom>
+            <a:noFill/>
+          </p:spPr>
+          <p:txBody>
+            <a:bodyPr wrap="square" rtlCol="0">
+              <a:spAutoFit/>
+            </a:bodyPr>
+            <a:lstStyle/>
+            <a:p>
+              <a:pPr algn="ctr"/>
+              <a:r>
+                <a:rPr kumimoji="1" lang="en-US" altLang="ja-JP" sz="2400" dirty="0" smtClean="0">
+                  <a:latin typeface="Consolas" panose="020B0609020204030204" pitchFamily="49" charset="0"/>
+                </a:rPr>
+                <a:t>dz_0</a:t>
+              </a:r>
+              <a:endParaRPr kumimoji="1" lang="ja-JP" altLang="en-US" sz="2400" dirty="0" smtClean="0">
+                <a:latin typeface="Consolas" panose="020B0609020204030204" pitchFamily="49" charset="0"/>
+              </a:endParaRPr>
+            </a:p>
+          </p:txBody>
+        </p:sp>
+      </p:grpSp>
+      <p:grpSp>
+        <p:nvGrpSpPr>
+          <p:cNvPr id="23" name="グループ化 22"/>
+          <p:cNvGrpSpPr/>
+          <p:nvPr/>
+        </p:nvGrpSpPr>
+        <p:grpSpPr>
+          <a:xfrm>
+            <a:off x="1691680" y="1268760"/>
+            <a:ext cx="720080" cy="720080"/>
+            <a:chOff x="1259632" y="548680"/>
+            <a:chExt cx="720080" cy="720080"/>
+          </a:xfrm>
+        </p:grpSpPr>
+        <p:sp>
+          <p:nvSpPr>
+            <p:cNvPr id="5" name="正方形/長方形 4"/>
+            <p:cNvSpPr/>
+            <p:nvPr/>
+          </p:nvSpPr>
+          <p:spPr>
+            <a:xfrm>
+              <a:off x="1259632" y="548680"/>
+              <a:ext cx="720080" cy="720080"/>
+            </a:xfrm>
+            <a:prstGeom prst="rect">
+              <a:avLst/>
+            </a:prstGeom>
+            <a:noFill/>
+            <a:ln>
+              <a:solidFill>
+                <a:schemeClr val="tx1"/>
+              </a:solidFill>
+            </a:ln>
+          </p:spPr>
+          <p:txBody>
+            <a:bodyPr wrap="square" rtlCol="0" anchor="ctr">
+              <a:spAutoFit/>
+            </a:bodyPr>
+            <a:lstStyle/>
+            <a:p>
+              <a:pPr algn="ctr"/>
+              <a:endParaRPr kumimoji="1" lang="ja-JP" altLang="en-US" sz="2400" dirty="0" smtClean="0"/>
+            </a:p>
+          </p:txBody>
+        </p:sp>
+        <p:sp>
+          <p:nvSpPr>
+            <p:cNvPr id="9" name="テキスト ボックス 8"/>
+            <p:cNvSpPr txBox="1"/>
+            <p:nvPr/>
+          </p:nvSpPr>
+          <p:spPr>
+            <a:xfrm flipH="1">
+              <a:off x="1331640" y="663079"/>
+              <a:ext cx="576064" cy="461665"/>
+            </a:xfrm>
+            <a:prstGeom prst="rect">
+              <a:avLst/>
+            </a:prstGeom>
+            <a:noFill/>
+          </p:spPr>
+          <p:txBody>
+            <a:bodyPr wrap="square" rtlCol="0">
+              <a:spAutoFit/>
+            </a:bodyPr>
+            <a:lstStyle/>
+            <a:p>
+              <a:pPr algn="ctr"/>
+              <a:r>
+                <a:rPr kumimoji="1" lang="en-US" altLang="ja-JP" sz="2400" dirty="0" smtClean="0">
+                  <a:latin typeface="Consolas" panose="020B0609020204030204" pitchFamily="49" charset="0"/>
+                </a:rPr>
+                <a:t>0</a:t>
+              </a:r>
+              <a:endParaRPr kumimoji="1" lang="ja-JP" altLang="en-US" sz="2400" dirty="0" smtClean="0">
+                <a:latin typeface="Consolas" panose="020B0609020204030204" pitchFamily="49" charset="0"/>
+              </a:endParaRPr>
+            </a:p>
+          </p:txBody>
+        </p:sp>
+      </p:grpSp>
+      <p:sp>
+        <p:nvSpPr>
+          <p:cNvPr id="10" name="正方形/長方形 9"/>
+          <p:cNvSpPr/>
+          <p:nvPr/>
+        </p:nvSpPr>
+        <p:spPr>
+          <a:xfrm>
+            <a:off x="611560" y="1412776"/>
+            <a:ext cx="1034257" cy="461665"/>
+          </a:xfrm>
+          <a:prstGeom prst="rect">
+            <a:avLst/>
+          </a:prstGeom>
+        </p:spPr>
+        <p:txBody>
+          <a:bodyPr wrap="none">
+            <a:spAutoFit/>
+          </a:bodyPr>
+          <a:lstStyle/>
+          <a:p>
+            <a:r>
+              <a:rPr lang="en-US" altLang="ja-JP" sz="2400" dirty="0">
+                <a:latin typeface="Consolas" panose="020B0609020204030204" pitchFamily="49" charset="0"/>
+              </a:rPr>
+              <a:t>vdr_0</a:t>
+            </a:r>
+            <a:endParaRPr lang="en-US" altLang="ja-JP" sz="2400" b="0" dirty="0">
+              <a:effectLst/>
+              <a:latin typeface="Consolas" panose="020B0609020204030204" pitchFamily="49" charset="0"/>
+            </a:endParaRPr>
+          </a:p>
+        </p:txBody>
+      </p:sp>
+      <p:grpSp>
+        <p:nvGrpSpPr>
+          <p:cNvPr id="24" name="グループ化 23"/>
+          <p:cNvGrpSpPr/>
+          <p:nvPr/>
+        </p:nvGrpSpPr>
+        <p:grpSpPr>
+          <a:xfrm>
+            <a:off x="3779912" y="4149080"/>
+            <a:ext cx="864096" cy="720080"/>
+            <a:chOff x="3347864" y="1412776"/>
+            <a:chExt cx="864096" cy="720080"/>
+          </a:xfrm>
+        </p:grpSpPr>
+        <p:sp>
+          <p:nvSpPr>
+            <p:cNvPr id="11" name="正方形/長方形 10"/>
+            <p:cNvSpPr/>
+            <p:nvPr/>
+          </p:nvSpPr>
+          <p:spPr>
+            <a:xfrm>
+              <a:off x="3419872" y="1412776"/>
+              <a:ext cx="720080" cy="720080"/>
+            </a:xfrm>
+            <a:prstGeom prst="rect">
+              <a:avLst/>
+            </a:prstGeom>
+            <a:solidFill>
+              <a:schemeClr val="accent1">
+                <a:lumMod val="20000"/>
+                <a:lumOff val="80000"/>
+              </a:schemeClr>
+            </a:solidFill>
+            <a:ln>
+              <a:solidFill>
+                <a:schemeClr val="tx1"/>
+              </a:solidFill>
+            </a:ln>
+          </p:spPr>
+          <p:txBody>
+            <a:bodyPr wrap="square" rtlCol="0" anchor="ctr">
+              <a:spAutoFit/>
+            </a:bodyPr>
+            <a:lstStyle/>
+            <a:p>
+              <a:pPr algn="ctr"/>
+              <a:endParaRPr kumimoji="1" lang="ja-JP" altLang="en-US" sz="2400" dirty="0" smtClean="0"/>
+            </a:p>
+          </p:txBody>
+        </p:sp>
+        <p:sp>
+          <p:nvSpPr>
+            <p:cNvPr id="15" name="テキスト ボックス 14"/>
+            <p:cNvSpPr txBox="1"/>
+            <p:nvPr/>
+          </p:nvSpPr>
+          <p:spPr>
+            <a:xfrm flipH="1">
+              <a:off x="3347864" y="1527175"/>
+              <a:ext cx="864096" cy="461665"/>
+            </a:xfrm>
+            <a:prstGeom prst="rect">
+              <a:avLst/>
+            </a:prstGeom>
+            <a:noFill/>
+          </p:spPr>
+          <p:txBody>
+            <a:bodyPr wrap="square" rtlCol="0">
+              <a:spAutoFit/>
+            </a:bodyPr>
+            <a:lstStyle/>
+            <a:p>
+              <a:pPr algn="ctr"/>
+              <a:r>
+                <a:rPr kumimoji="1" lang="en-US" altLang="ja-JP" sz="2400" dirty="0" smtClean="0">
+                  <a:latin typeface="Consolas" panose="020B0609020204030204" pitchFamily="49" charset="0"/>
+                </a:rPr>
+                <a:t>dx_1</a:t>
+              </a:r>
+              <a:endParaRPr kumimoji="1" lang="ja-JP" altLang="en-US" sz="2400" dirty="0" smtClean="0">
+                <a:latin typeface="Consolas" panose="020B0609020204030204" pitchFamily="49" charset="0"/>
+              </a:endParaRPr>
+            </a:p>
+          </p:txBody>
+        </p:sp>
+      </p:grpSp>
+      <p:grpSp>
+        <p:nvGrpSpPr>
+          <p:cNvPr id="25" name="グループ化 24"/>
+          <p:cNvGrpSpPr/>
+          <p:nvPr/>
+        </p:nvGrpSpPr>
+        <p:grpSpPr>
+          <a:xfrm>
+            <a:off x="3059832" y="4149080"/>
+            <a:ext cx="864096" cy="720080"/>
+            <a:chOff x="2627784" y="1412776"/>
+            <a:chExt cx="864096" cy="720080"/>
+          </a:xfrm>
+        </p:grpSpPr>
+        <p:sp>
+          <p:nvSpPr>
+            <p:cNvPr id="12" name="正方形/長方形 11"/>
+            <p:cNvSpPr/>
+            <p:nvPr/>
+          </p:nvSpPr>
+          <p:spPr>
+            <a:xfrm>
+              <a:off x="2699792" y="1412776"/>
+              <a:ext cx="720080" cy="720080"/>
+            </a:xfrm>
+            <a:prstGeom prst="rect">
+              <a:avLst/>
+            </a:prstGeom>
+            <a:solidFill>
+              <a:schemeClr val="accent6">
+                <a:lumMod val="20000"/>
+                <a:lumOff val="80000"/>
+              </a:schemeClr>
+            </a:solidFill>
+            <a:ln>
+              <a:solidFill>
+                <a:schemeClr val="tx1"/>
+              </a:solidFill>
+            </a:ln>
+          </p:spPr>
+          <p:txBody>
+            <a:bodyPr wrap="square" rtlCol="0" anchor="ctr">
+              <a:spAutoFit/>
+            </a:bodyPr>
+            <a:lstStyle/>
+            <a:p>
+              <a:pPr algn="ctr"/>
+              <a:endParaRPr kumimoji="1" lang="ja-JP" altLang="en-US" sz="2400" dirty="0" smtClean="0"/>
+            </a:p>
+          </p:txBody>
+        </p:sp>
+        <p:sp>
+          <p:nvSpPr>
+            <p:cNvPr id="16" name="テキスト ボックス 15"/>
+            <p:cNvSpPr txBox="1"/>
+            <p:nvPr/>
+          </p:nvSpPr>
+          <p:spPr>
+            <a:xfrm flipH="1">
+              <a:off x="2627784" y="1527175"/>
+              <a:ext cx="864096" cy="461665"/>
+            </a:xfrm>
+            <a:prstGeom prst="rect">
+              <a:avLst/>
+            </a:prstGeom>
+            <a:noFill/>
+          </p:spPr>
+          <p:txBody>
+            <a:bodyPr wrap="square" rtlCol="0">
+              <a:spAutoFit/>
+            </a:bodyPr>
+            <a:lstStyle/>
+            <a:p>
+              <a:pPr algn="ctr"/>
+              <a:r>
+                <a:rPr kumimoji="1" lang="en-US" altLang="ja-JP" sz="2400" dirty="0" smtClean="0">
+                  <a:latin typeface="Consolas" panose="020B0609020204030204" pitchFamily="49" charset="0"/>
+                </a:rPr>
+                <a:t>dy_1</a:t>
+              </a:r>
+              <a:endParaRPr kumimoji="1" lang="ja-JP" altLang="en-US" sz="2400" dirty="0" smtClean="0">
+                <a:latin typeface="Consolas" panose="020B0609020204030204" pitchFamily="49" charset="0"/>
+              </a:endParaRPr>
+            </a:p>
+          </p:txBody>
+        </p:sp>
+      </p:grpSp>
+      <p:grpSp>
+        <p:nvGrpSpPr>
+          <p:cNvPr id="26" name="グループ化 25"/>
+          <p:cNvGrpSpPr/>
+          <p:nvPr/>
+        </p:nvGrpSpPr>
+        <p:grpSpPr>
+          <a:xfrm>
+            <a:off x="2339752" y="4149080"/>
+            <a:ext cx="864096" cy="720080"/>
+            <a:chOff x="1907704" y="1412776"/>
+            <a:chExt cx="864096" cy="720080"/>
+          </a:xfrm>
+        </p:grpSpPr>
+        <p:sp>
+          <p:nvSpPr>
+            <p:cNvPr id="13" name="正方形/長方形 12"/>
+            <p:cNvSpPr/>
+            <p:nvPr/>
+          </p:nvSpPr>
+          <p:spPr>
+            <a:xfrm>
+              <a:off x="1979712" y="1412776"/>
+              <a:ext cx="720080" cy="720080"/>
+            </a:xfrm>
+            <a:prstGeom prst="rect">
+              <a:avLst/>
+            </a:prstGeom>
+            <a:solidFill>
+              <a:schemeClr val="accent2">
+                <a:lumMod val="20000"/>
+                <a:lumOff val="80000"/>
+              </a:schemeClr>
+            </a:solidFill>
+            <a:ln>
+              <a:solidFill>
+                <a:schemeClr val="tx1"/>
+              </a:solidFill>
+            </a:ln>
+          </p:spPr>
+          <p:txBody>
+            <a:bodyPr wrap="square" rtlCol="0" anchor="ctr">
+              <a:spAutoFit/>
+            </a:bodyPr>
+            <a:lstStyle/>
+            <a:p>
+              <a:pPr algn="ctr"/>
+              <a:endParaRPr kumimoji="1" lang="ja-JP" altLang="en-US" sz="2400" dirty="0" smtClean="0"/>
+            </a:p>
+          </p:txBody>
+        </p:sp>
+        <p:sp>
+          <p:nvSpPr>
+            <p:cNvPr id="17" name="テキスト ボックス 16"/>
+            <p:cNvSpPr txBox="1"/>
+            <p:nvPr/>
+          </p:nvSpPr>
+          <p:spPr>
+            <a:xfrm flipH="1">
+              <a:off x="1907704" y="1527175"/>
+              <a:ext cx="864096" cy="461665"/>
+            </a:xfrm>
+            <a:prstGeom prst="rect">
+              <a:avLst/>
+            </a:prstGeom>
+            <a:noFill/>
+          </p:spPr>
+          <p:txBody>
+            <a:bodyPr wrap="square" rtlCol="0">
+              <a:spAutoFit/>
+            </a:bodyPr>
+            <a:lstStyle/>
+            <a:p>
+              <a:pPr algn="ctr"/>
+              <a:r>
+                <a:rPr kumimoji="1" lang="en-US" altLang="ja-JP" sz="2400" dirty="0" smtClean="0">
+                  <a:latin typeface="Consolas" panose="020B0609020204030204" pitchFamily="49" charset="0"/>
+                </a:rPr>
+                <a:t>dz_1</a:t>
+              </a:r>
+              <a:endParaRPr kumimoji="1" lang="ja-JP" altLang="en-US" sz="2400" dirty="0" smtClean="0">
+                <a:latin typeface="Consolas" panose="020B0609020204030204" pitchFamily="49" charset="0"/>
+              </a:endParaRPr>
+            </a:p>
+          </p:txBody>
+        </p:sp>
+      </p:grpSp>
+      <p:grpSp>
+        <p:nvGrpSpPr>
+          <p:cNvPr id="27" name="グループ化 26"/>
+          <p:cNvGrpSpPr/>
+          <p:nvPr/>
+        </p:nvGrpSpPr>
+        <p:grpSpPr>
+          <a:xfrm>
+            <a:off x="1691680" y="4149080"/>
+            <a:ext cx="720080" cy="720080"/>
+            <a:chOff x="1259632" y="1412776"/>
+            <a:chExt cx="720080" cy="720080"/>
+          </a:xfrm>
+        </p:grpSpPr>
+        <p:sp>
+          <p:nvSpPr>
+            <p:cNvPr id="14" name="正方形/長方形 13"/>
+            <p:cNvSpPr/>
+            <p:nvPr/>
+          </p:nvSpPr>
+          <p:spPr>
+            <a:xfrm>
+              <a:off x="1259632" y="1412776"/>
+              <a:ext cx="720080" cy="720080"/>
+            </a:xfrm>
+            <a:prstGeom prst="rect">
+              <a:avLst/>
+            </a:prstGeom>
+            <a:noFill/>
+            <a:ln>
+              <a:solidFill>
+                <a:schemeClr val="tx1"/>
+              </a:solidFill>
+            </a:ln>
+          </p:spPr>
+          <p:txBody>
+            <a:bodyPr wrap="square" rtlCol="0" anchor="ctr">
+              <a:spAutoFit/>
+            </a:bodyPr>
+            <a:lstStyle/>
+            <a:p>
+              <a:pPr algn="ctr"/>
+              <a:endParaRPr kumimoji="1" lang="ja-JP" altLang="en-US" sz="2400" dirty="0" smtClean="0"/>
+            </a:p>
+          </p:txBody>
+        </p:sp>
+        <p:sp>
+          <p:nvSpPr>
+            <p:cNvPr id="18" name="テキスト ボックス 17"/>
+            <p:cNvSpPr txBox="1"/>
+            <p:nvPr/>
+          </p:nvSpPr>
+          <p:spPr>
+            <a:xfrm flipH="1">
+              <a:off x="1331640" y="1527175"/>
+              <a:ext cx="576064" cy="461665"/>
+            </a:xfrm>
+            <a:prstGeom prst="rect">
+              <a:avLst/>
+            </a:prstGeom>
+            <a:noFill/>
+          </p:spPr>
+          <p:txBody>
+            <a:bodyPr wrap="square" rtlCol="0">
+              <a:spAutoFit/>
+            </a:bodyPr>
+            <a:lstStyle/>
+            <a:p>
+              <a:pPr algn="ctr"/>
+              <a:r>
+                <a:rPr kumimoji="1" lang="en-US" altLang="ja-JP" sz="2400" dirty="0" smtClean="0">
+                  <a:latin typeface="Consolas" panose="020B0609020204030204" pitchFamily="49" charset="0"/>
+                </a:rPr>
+                <a:t>0</a:t>
+              </a:r>
+              <a:endParaRPr kumimoji="1" lang="ja-JP" altLang="en-US" sz="2400" dirty="0" smtClean="0">
+                <a:latin typeface="Consolas" panose="020B0609020204030204" pitchFamily="49" charset="0"/>
+              </a:endParaRPr>
+            </a:p>
+          </p:txBody>
+        </p:sp>
+      </p:grpSp>
+      <p:sp>
+        <p:nvSpPr>
+          <p:cNvPr id="19" name="正方形/長方形 18"/>
+          <p:cNvSpPr/>
+          <p:nvPr/>
+        </p:nvSpPr>
+        <p:spPr>
+          <a:xfrm>
+            <a:off x="611560" y="4293096"/>
+            <a:ext cx="1034257" cy="461665"/>
+          </a:xfrm>
+          <a:prstGeom prst="rect">
+            <a:avLst/>
+          </a:prstGeom>
+        </p:spPr>
+        <p:txBody>
+          <a:bodyPr wrap="none">
+            <a:spAutoFit/>
+          </a:bodyPr>
+          <a:lstStyle/>
+          <a:p>
+            <a:r>
+              <a:rPr lang="en-US" altLang="ja-JP" sz="2400" dirty="0" smtClean="0">
+                <a:latin typeface="Consolas" panose="020B0609020204030204" pitchFamily="49" charset="0"/>
+              </a:rPr>
+              <a:t>vdr_1</a:t>
+            </a:r>
+            <a:endParaRPr lang="en-US" altLang="ja-JP" sz="2400" b="0" dirty="0">
+              <a:effectLst/>
+              <a:latin typeface="Consolas" panose="020B0609020204030204" pitchFamily="49" charset="0"/>
+            </a:endParaRPr>
+          </a:p>
+        </p:txBody>
+      </p:sp>
+      <p:grpSp>
+        <p:nvGrpSpPr>
+          <p:cNvPr id="28" name="グループ化 27"/>
+          <p:cNvGrpSpPr/>
+          <p:nvPr/>
+        </p:nvGrpSpPr>
+        <p:grpSpPr>
+          <a:xfrm>
+            <a:off x="3779912" y="2708920"/>
+            <a:ext cx="864096" cy="720080"/>
+            <a:chOff x="3347864" y="548680"/>
+            <a:chExt cx="864096" cy="720080"/>
+          </a:xfrm>
+        </p:grpSpPr>
+        <p:sp>
+          <p:nvSpPr>
+            <p:cNvPr id="29" name="正方形/長方形 28"/>
+            <p:cNvSpPr/>
+            <p:nvPr/>
+          </p:nvSpPr>
+          <p:spPr>
+            <a:xfrm>
+              <a:off x="3419872" y="548680"/>
+              <a:ext cx="720080" cy="720080"/>
+            </a:xfrm>
+            <a:prstGeom prst="rect">
+              <a:avLst/>
+            </a:prstGeom>
+            <a:solidFill>
+              <a:schemeClr val="accent1">
+                <a:lumMod val="20000"/>
+                <a:lumOff val="80000"/>
+              </a:schemeClr>
+            </a:solidFill>
+            <a:ln>
+              <a:solidFill>
+                <a:schemeClr val="tx1"/>
+              </a:solidFill>
+            </a:ln>
+          </p:spPr>
+          <p:txBody>
+            <a:bodyPr wrap="square" rtlCol="0" anchor="ctr">
+              <a:spAutoFit/>
+            </a:bodyPr>
+            <a:lstStyle/>
+            <a:p>
+              <a:pPr algn="ctr"/>
+              <a:endParaRPr kumimoji="1" lang="ja-JP" altLang="en-US" sz="2400" dirty="0" smtClean="0"/>
+            </a:p>
+          </p:txBody>
+        </p:sp>
+        <p:sp>
+          <p:nvSpPr>
+            <p:cNvPr id="30" name="テキスト ボックス 29"/>
+            <p:cNvSpPr txBox="1"/>
+            <p:nvPr/>
+          </p:nvSpPr>
+          <p:spPr>
+            <a:xfrm flipH="1">
+              <a:off x="3347864" y="663079"/>
+              <a:ext cx="864096" cy="461665"/>
+            </a:xfrm>
+            <a:prstGeom prst="rect">
+              <a:avLst/>
+            </a:prstGeom>
+            <a:noFill/>
+          </p:spPr>
+          <p:txBody>
+            <a:bodyPr wrap="square" rtlCol="0">
+              <a:spAutoFit/>
+            </a:bodyPr>
+            <a:lstStyle/>
+            <a:p>
+              <a:pPr algn="ctr"/>
+              <a:r>
+                <a:rPr kumimoji="1" lang="en-US" altLang="ja-JP" sz="2400" dirty="0" smtClean="0">
+                  <a:latin typeface="Consolas" panose="020B0609020204030204" pitchFamily="49" charset="0"/>
+                </a:rPr>
+                <a:t>dx_0</a:t>
+              </a:r>
+              <a:endParaRPr kumimoji="1" lang="ja-JP" altLang="en-US" sz="2400" dirty="0" smtClean="0">
+                <a:latin typeface="Consolas" panose="020B0609020204030204" pitchFamily="49" charset="0"/>
+              </a:endParaRPr>
+            </a:p>
+          </p:txBody>
+        </p:sp>
+      </p:grpSp>
+      <p:grpSp>
+        <p:nvGrpSpPr>
+          <p:cNvPr id="31" name="グループ化 30"/>
+          <p:cNvGrpSpPr/>
+          <p:nvPr/>
+        </p:nvGrpSpPr>
+        <p:grpSpPr>
+          <a:xfrm>
+            <a:off x="3059832" y="2708920"/>
+            <a:ext cx="864096" cy="720080"/>
+            <a:chOff x="3347864" y="1412776"/>
+            <a:chExt cx="864096" cy="720080"/>
+          </a:xfrm>
+        </p:grpSpPr>
+        <p:sp>
+          <p:nvSpPr>
+            <p:cNvPr id="32" name="正方形/長方形 31"/>
+            <p:cNvSpPr/>
+            <p:nvPr/>
+          </p:nvSpPr>
+          <p:spPr>
+            <a:xfrm>
+              <a:off x="3419872" y="1412776"/>
+              <a:ext cx="720080" cy="720080"/>
+            </a:xfrm>
+            <a:prstGeom prst="rect">
+              <a:avLst/>
+            </a:prstGeom>
+            <a:solidFill>
+              <a:schemeClr val="accent1">
+                <a:lumMod val="20000"/>
+                <a:lumOff val="80000"/>
+              </a:schemeClr>
+            </a:solidFill>
+            <a:ln>
+              <a:solidFill>
+                <a:schemeClr val="tx1"/>
+              </a:solidFill>
+            </a:ln>
+          </p:spPr>
+          <p:txBody>
+            <a:bodyPr wrap="square" rtlCol="0" anchor="ctr">
+              <a:spAutoFit/>
+            </a:bodyPr>
+            <a:lstStyle/>
+            <a:p>
+              <a:pPr algn="ctr"/>
+              <a:endParaRPr kumimoji="1" lang="ja-JP" altLang="en-US" sz="2400" dirty="0" smtClean="0"/>
+            </a:p>
+          </p:txBody>
+        </p:sp>
+        <p:sp>
+          <p:nvSpPr>
+            <p:cNvPr id="33" name="テキスト ボックス 32"/>
+            <p:cNvSpPr txBox="1"/>
+            <p:nvPr/>
+          </p:nvSpPr>
+          <p:spPr>
+            <a:xfrm flipH="1">
+              <a:off x="3347864" y="1527175"/>
+              <a:ext cx="864096" cy="461665"/>
+            </a:xfrm>
+            <a:prstGeom prst="rect">
+              <a:avLst/>
+            </a:prstGeom>
+            <a:noFill/>
+          </p:spPr>
+          <p:txBody>
+            <a:bodyPr wrap="square" rtlCol="0">
+              <a:spAutoFit/>
+            </a:bodyPr>
+            <a:lstStyle/>
+            <a:p>
+              <a:pPr algn="ctr"/>
+              <a:r>
+                <a:rPr kumimoji="1" lang="en-US" altLang="ja-JP" sz="2400" dirty="0" smtClean="0">
+                  <a:latin typeface="Consolas" panose="020B0609020204030204" pitchFamily="49" charset="0"/>
+                </a:rPr>
+                <a:t>dx_1</a:t>
+              </a:r>
+              <a:endParaRPr kumimoji="1" lang="ja-JP" altLang="en-US" sz="2400" dirty="0" smtClean="0">
+                <a:latin typeface="Consolas" panose="020B0609020204030204" pitchFamily="49" charset="0"/>
+              </a:endParaRPr>
+            </a:p>
+          </p:txBody>
+        </p:sp>
+      </p:grpSp>
+      <p:cxnSp>
+        <p:nvCxnSpPr>
+          <p:cNvPr id="35" name="直線矢印コネクタ 34"/>
+          <p:cNvCxnSpPr>
+            <a:stCxn id="2" idx="2"/>
+            <a:endCxn id="29" idx="0"/>
+          </p:cNvCxnSpPr>
+          <p:nvPr/>
+        </p:nvCxnSpPr>
+        <p:spPr>
+          <a:xfrm>
+            <a:off x="4211960" y="1988840"/>
+            <a:ext cx="0" cy="720080"/>
+          </a:xfrm>
+          <a:prstGeom prst="straightConnector1">
+            <a:avLst/>
+          </a:prstGeom>
+          <a:ln>
+            <a:solidFill>
+              <a:schemeClr val="tx1"/>
+            </a:solidFill>
+            <a:headEnd type="none"/>
+            <a:tailEnd type="triangle"/>
+          </a:ln>
+          <a:effectLst/>
+        </p:spPr>
+        <p:style>
+          <a:lnRef idx="2">
+            <a:schemeClr val="accent1"/>
+          </a:lnRef>
+          <a:fillRef idx="0">
+            <a:schemeClr val="accent1"/>
+          </a:fillRef>
+          <a:effectRef idx="1">
+            <a:schemeClr val="accent1"/>
+          </a:effectRef>
+          <a:fontRef idx="minor">
+            <a:schemeClr val="tx1"/>
+          </a:fontRef>
+        </p:style>
+      </p:cxnSp>
+      <p:cxnSp>
+        <p:nvCxnSpPr>
+          <p:cNvPr id="37" name="直線矢印コネクタ 36"/>
+          <p:cNvCxnSpPr>
+            <a:stCxn id="11" idx="0"/>
+            <a:endCxn id="32" idx="2"/>
+          </p:cNvCxnSpPr>
+          <p:nvPr/>
+        </p:nvCxnSpPr>
+        <p:spPr>
+          <a:xfrm flipH="1" flipV="1">
+            <a:off x="3491880" y="3429000"/>
+            <a:ext cx="720080" cy="720080"/>
+          </a:xfrm>
+          <a:prstGeom prst="straightConnector1">
+            <a:avLst/>
+          </a:prstGeom>
+          <a:ln>
+            <a:solidFill>
+              <a:schemeClr val="tx1"/>
+            </a:solidFill>
+            <a:headEnd type="none"/>
+            <a:tailEnd type="triangle"/>
+          </a:ln>
+          <a:effectLst/>
+        </p:spPr>
+        <p:style>
+          <a:lnRef idx="2">
+            <a:schemeClr val="accent1"/>
+          </a:lnRef>
+          <a:fillRef idx="0">
+            <a:schemeClr val="accent1"/>
+          </a:fillRef>
+          <a:effectRef idx="1">
+            <a:schemeClr val="accent1"/>
+          </a:effectRef>
+          <a:fontRef idx="minor">
+            <a:schemeClr val="tx1"/>
+          </a:fontRef>
+        </p:style>
+      </p:cxnSp>
+      <p:grpSp>
+        <p:nvGrpSpPr>
+          <p:cNvPr id="38" name="グループ化 37"/>
+          <p:cNvGrpSpPr/>
+          <p:nvPr/>
+        </p:nvGrpSpPr>
+        <p:grpSpPr>
+          <a:xfrm>
+            <a:off x="2339752" y="2708920"/>
+            <a:ext cx="864096" cy="720080"/>
+            <a:chOff x="1907704" y="548680"/>
+            <a:chExt cx="864096" cy="720080"/>
+          </a:xfrm>
+        </p:grpSpPr>
+        <p:sp>
+          <p:nvSpPr>
+            <p:cNvPr id="39" name="正方形/長方形 38"/>
+            <p:cNvSpPr/>
+            <p:nvPr/>
+          </p:nvSpPr>
+          <p:spPr>
+            <a:xfrm>
+              <a:off x="1979712" y="548680"/>
+              <a:ext cx="720080" cy="720080"/>
+            </a:xfrm>
+            <a:prstGeom prst="rect">
+              <a:avLst/>
+            </a:prstGeom>
+            <a:solidFill>
+              <a:schemeClr val="accent2">
+                <a:lumMod val="20000"/>
+                <a:lumOff val="80000"/>
+              </a:schemeClr>
+            </a:solidFill>
+            <a:ln>
+              <a:solidFill>
+                <a:schemeClr val="tx1"/>
+              </a:solidFill>
+            </a:ln>
+          </p:spPr>
+          <p:txBody>
+            <a:bodyPr wrap="square" rtlCol="0" anchor="ctr">
+              <a:spAutoFit/>
+            </a:bodyPr>
+            <a:lstStyle/>
+            <a:p>
+              <a:pPr algn="ctr"/>
+              <a:endParaRPr kumimoji="1" lang="ja-JP" altLang="en-US" sz="2400" dirty="0" smtClean="0"/>
+            </a:p>
+          </p:txBody>
+        </p:sp>
+        <p:sp>
+          <p:nvSpPr>
+            <p:cNvPr id="40" name="テキスト ボックス 39"/>
+            <p:cNvSpPr txBox="1"/>
+            <p:nvPr/>
+          </p:nvSpPr>
+          <p:spPr>
+            <a:xfrm flipH="1">
+              <a:off x="1907704" y="663079"/>
+              <a:ext cx="864096" cy="461665"/>
+            </a:xfrm>
+            <a:prstGeom prst="rect">
+              <a:avLst/>
+            </a:prstGeom>
+            <a:noFill/>
+          </p:spPr>
+          <p:txBody>
+            <a:bodyPr wrap="square" rtlCol="0">
+              <a:spAutoFit/>
+            </a:bodyPr>
+            <a:lstStyle/>
+            <a:p>
+              <a:pPr algn="ctr"/>
+              <a:r>
+                <a:rPr kumimoji="1" lang="en-US" altLang="ja-JP" sz="2400" dirty="0" smtClean="0">
+                  <a:latin typeface="Consolas" panose="020B0609020204030204" pitchFamily="49" charset="0"/>
+                </a:rPr>
+                <a:t>dz_0</a:t>
+              </a:r>
+              <a:endParaRPr kumimoji="1" lang="ja-JP" altLang="en-US" sz="2400" dirty="0" smtClean="0">
+                <a:latin typeface="Consolas" panose="020B0609020204030204" pitchFamily="49" charset="0"/>
+              </a:endParaRPr>
+            </a:p>
+          </p:txBody>
+        </p:sp>
+      </p:grpSp>
+      <p:cxnSp>
+        <p:nvCxnSpPr>
+          <p:cNvPr id="42" name="直線矢印コネクタ 41"/>
+          <p:cNvCxnSpPr>
+            <a:stCxn id="4" idx="2"/>
+            <a:endCxn id="39" idx="0"/>
+          </p:cNvCxnSpPr>
+          <p:nvPr/>
+        </p:nvCxnSpPr>
+        <p:spPr>
+          <a:xfrm>
+            <a:off x="2771800" y="1988840"/>
+            <a:ext cx="0" cy="720080"/>
+          </a:xfrm>
+          <a:prstGeom prst="straightConnector1">
+            <a:avLst/>
+          </a:prstGeom>
+          <a:ln>
+            <a:solidFill>
+              <a:schemeClr val="tx1"/>
+            </a:solidFill>
+            <a:headEnd type="none"/>
+            <a:tailEnd type="triangle"/>
+          </a:ln>
+          <a:effectLst/>
+        </p:spPr>
+        <p:style>
+          <a:lnRef idx="2">
+            <a:schemeClr val="accent1"/>
+          </a:lnRef>
+          <a:fillRef idx="0">
+            <a:schemeClr val="accent1"/>
+          </a:fillRef>
+          <a:effectRef idx="1">
+            <a:schemeClr val="accent1"/>
+          </a:effectRef>
+          <a:fontRef idx="minor">
+            <a:schemeClr val="tx1"/>
+          </a:fontRef>
+        </p:style>
+      </p:cxnSp>
+      <p:grpSp>
+        <p:nvGrpSpPr>
+          <p:cNvPr id="45" name="グループ化 44"/>
+          <p:cNvGrpSpPr/>
+          <p:nvPr/>
+        </p:nvGrpSpPr>
+        <p:grpSpPr>
+          <a:xfrm>
+            <a:off x="1619672" y="2708920"/>
+            <a:ext cx="864096" cy="720080"/>
+            <a:chOff x="1907704" y="1412776"/>
+            <a:chExt cx="864096" cy="720080"/>
+          </a:xfrm>
+        </p:grpSpPr>
+        <p:sp>
+          <p:nvSpPr>
+            <p:cNvPr id="46" name="正方形/長方形 45"/>
+            <p:cNvSpPr/>
+            <p:nvPr/>
+          </p:nvSpPr>
+          <p:spPr>
+            <a:xfrm>
+              <a:off x="1979712" y="1412776"/>
+              <a:ext cx="720080" cy="720080"/>
+            </a:xfrm>
+            <a:prstGeom prst="rect">
+              <a:avLst/>
+            </a:prstGeom>
+            <a:solidFill>
+              <a:schemeClr val="accent2">
+                <a:lumMod val="20000"/>
+                <a:lumOff val="80000"/>
+              </a:schemeClr>
+            </a:solidFill>
+            <a:ln>
+              <a:solidFill>
+                <a:schemeClr val="tx1"/>
+              </a:solidFill>
+            </a:ln>
+          </p:spPr>
+          <p:txBody>
+            <a:bodyPr wrap="square" rtlCol="0" anchor="ctr">
+              <a:spAutoFit/>
+            </a:bodyPr>
+            <a:lstStyle/>
+            <a:p>
+              <a:pPr algn="ctr"/>
+              <a:endParaRPr kumimoji="1" lang="ja-JP" altLang="en-US" sz="2400" dirty="0" smtClean="0"/>
+            </a:p>
+          </p:txBody>
+        </p:sp>
+        <p:sp>
+          <p:nvSpPr>
+            <p:cNvPr id="47" name="テキスト ボックス 46"/>
+            <p:cNvSpPr txBox="1"/>
+            <p:nvPr/>
+          </p:nvSpPr>
+          <p:spPr>
+            <a:xfrm flipH="1">
+              <a:off x="1907704" y="1527175"/>
+              <a:ext cx="864096" cy="461665"/>
+            </a:xfrm>
+            <a:prstGeom prst="rect">
+              <a:avLst/>
+            </a:prstGeom>
+            <a:noFill/>
+          </p:spPr>
+          <p:txBody>
+            <a:bodyPr wrap="square" rtlCol="0">
+              <a:spAutoFit/>
+            </a:bodyPr>
+            <a:lstStyle/>
+            <a:p>
+              <a:pPr algn="ctr"/>
+              <a:r>
+                <a:rPr kumimoji="1" lang="en-US" altLang="ja-JP" sz="2400" dirty="0" smtClean="0">
+                  <a:latin typeface="Consolas" panose="020B0609020204030204" pitchFamily="49" charset="0"/>
+                </a:rPr>
+                <a:t>dz_1</a:t>
+              </a:r>
+              <a:endParaRPr kumimoji="1" lang="ja-JP" altLang="en-US" sz="2400" dirty="0" smtClean="0">
+                <a:latin typeface="Consolas" panose="020B0609020204030204" pitchFamily="49" charset="0"/>
+              </a:endParaRPr>
+            </a:p>
+          </p:txBody>
+        </p:sp>
+      </p:grpSp>
+      <p:cxnSp>
+        <p:nvCxnSpPr>
+          <p:cNvPr id="49" name="直線矢印コネクタ 48"/>
+          <p:cNvCxnSpPr>
+            <a:stCxn id="13" idx="0"/>
+            <a:endCxn id="46" idx="2"/>
+          </p:cNvCxnSpPr>
+          <p:nvPr/>
+        </p:nvCxnSpPr>
+        <p:spPr>
+          <a:xfrm flipH="1" flipV="1">
+            <a:off x="2051720" y="3429000"/>
+            <a:ext cx="720080" cy="720080"/>
+          </a:xfrm>
+          <a:prstGeom prst="straightConnector1">
+            <a:avLst/>
+          </a:prstGeom>
+          <a:ln>
+            <a:solidFill>
+              <a:schemeClr val="tx1"/>
+            </a:solidFill>
+            <a:headEnd type="none"/>
+            <a:tailEnd type="triangle"/>
+          </a:ln>
+          <a:effectLst/>
+        </p:spPr>
+        <p:style>
+          <a:lnRef idx="2">
+            <a:schemeClr val="accent1"/>
+          </a:lnRef>
+          <a:fillRef idx="0">
+            <a:schemeClr val="accent1"/>
+          </a:fillRef>
+          <a:effectRef idx="1">
+            <a:schemeClr val="accent1"/>
+          </a:effectRef>
+          <a:fontRef idx="minor">
+            <a:schemeClr val="tx1"/>
+          </a:fontRef>
+        </p:style>
+      </p:cxnSp>
+      <p:sp>
+        <p:nvSpPr>
+          <p:cNvPr id="50" name="正方形/長方形 49"/>
+          <p:cNvSpPr/>
+          <p:nvPr/>
+        </p:nvSpPr>
+        <p:spPr>
+          <a:xfrm>
+            <a:off x="657423" y="2823319"/>
+            <a:ext cx="864339" cy="461665"/>
+          </a:xfrm>
+          <a:prstGeom prst="rect">
+            <a:avLst/>
+          </a:prstGeom>
+        </p:spPr>
+        <p:txBody>
+          <a:bodyPr wrap="none">
+            <a:spAutoFit/>
+          </a:bodyPr>
+          <a:lstStyle/>
+          <a:p>
+            <a:r>
+              <a:rPr lang="en-US" altLang="ja-JP" sz="2400" b="0" dirty="0" smtClean="0">
+                <a:effectLst/>
+                <a:latin typeface="Consolas" panose="020B0609020204030204" pitchFamily="49" charset="0"/>
+              </a:rPr>
+              <a:t>tmp0</a:t>
+            </a:r>
+            <a:endParaRPr lang="en-US" altLang="ja-JP" sz="2400" b="0" dirty="0">
+              <a:effectLst/>
+              <a:latin typeface="Consolas" panose="020B0609020204030204" pitchFamily="49" charset="0"/>
+            </a:endParaRPr>
+          </a:p>
+        </p:txBody>
+      </p:sp>
+      <p:grpSp>
+        <p:nvGrpSpPr>
+          <p:cNvPr id="94" name="グループ化 93"/>
+          <p:cNvGrpSpPr/>
+          <p:nvPr/>
+        </p:nvGrpSpPr>
+        <p:grpSpPr>
+          <a:xfrm>
+            <a:off x="8100392" y="1268760"/>
+            <a:ext cx="864096" cy="720080"/>
+            <a:chOff x="3347864" y="548680"/>
+            <a:chExt cx="864096" cy="720080"/>
+          </a:xfrm>
+        </p:grpSpPr>
+        <p:sp>
+          <p:nvSpPr>
+            <p:cNvPr id="95" name="正方形/長方形 94"/>
+            <p:cNvSpPr/>
+            <p:nvPr/>
+          </p:nvSpPr>
+          <p:spPr>
+            <a:xfrm>
+              <a:off x="3419872" y="548680"/>
+              <a:ext cx="720080" cy="720080"/>
+            </a:xfrm>
+            <a:prstGeom prst="rect">
+              <a:avLst/>
+            </a:prstGeom>
+            <a:solidFill>
+              <a:schemeClr val="accent1">
+                <a:lumMod val="20000"/>
+                <a:lumOff val="80000"/>
+              </a:schemeClr>
+            </a:solidFill>
+            <a:ln>
+              <a:solidFill>
+                <a:schemeClr val="tx1"/>
+              </a:solidFill>
+            </a:ln>
+          </p:spPr>
+          <p:txBody>
+            <a:bodyPr wrap="square" rtlCol="0" anchor="ctr">
+              <a:spAutoFit/>
+            </a:bodyPr>
+            <a:lstStyle/>
+            <a:p>
+              <a:pPr algn="ctr"/>
+              <a:endParaRPr kumimoji="1" lang="ja-JP" altLang="en-US" sz="2400" dirty="0" smtClean="0"/>
+            </a:p>
+          </p:txBody>
+        </p:sp>
+        <p:sp>
+          <p:nvSpPr>
+            <p:cNvPr id="96" name="テキスト ボックス 95"/>
+            <p:cNvSpPr txBox="1"/>
+            <p:nvPr/>
+          </p:nvSpPr>
+          <p:spPr>
+            <a:xfrm flipH="1">
+              <a:off x="3347864" y="663079"/>
+              <a:ext cx="864096" cy="461665"/>
+            </a:xfrm>
+            <a:prstGeom prst="rect">
+              <a:avLst/>
+            </a:prstGeom>
+            <a:noFill/>
+          </p:spPr>
+          <p:txBody>
+            <a:bodyPr wrap="square" rtlCol="0">
+              <a:spAutoFit/>
+            </a:bodyPr>
+            <a:lstStyle/>
+            <a:p>
+              <a:pPr algn="ctr"/>
+              <a:r>
+                <a:rPr kumimoji="1" lang="en-US" altLang="ja-JP" sz="2400" dirty="0" smtClean="0">
+                  <a:latin typeface="Consolas" panose="020B0609020204030204" pitchFamily="49" charset="0"/>
+                </a:rPr>
+                <a:t>dx_0</a:t>
+              </a:r>
+              <a:endParaRPr kumimoji="1" lang="ja-JP" altLang="en-US" sz="2400" dirty="0" smtClean="0">
+                <a:latin typeface="Consolas" panose="020B0609020204030204" pitchFamily="49" charset="0"/>
+              </a:endParaRPr>
+            </a:p>
+          </p:txBody>
+        </p:sp>
+      </p:grpSp>
+      <p:grpSp>
+        <p:nvGrpSpPr>
+          <p:cNvPr id="97" name="グループ化 96"/>
+          <p:cNvGrpSpPr/>
+          <p:nvPr/>
+        </p:nvGrpSpPr>
+        <p:grpSpPr>
+          <a:xfrm>
+            <a:off x="7380312" y="1268760"/>
+            <a:ext cx="864096" cy="720080"/>
+            <a:chOff x="2627784" y="548680"/>
+            <a:chExt cx="864096" cy="720080"/>
+          </a:xfrm>
+        </p:grpSpPr>
+        <p:sp>
+          <p:nvSpPr>
+            <p:cNvPr id="98" name="正方形/長方形 97"/>
+            <p:cNvSpPr/>
+            <p:nvPr/>
+          </p:nvSpPr>
+          <p:spPr>
+            <a:xfrm>
+              <a:off x="2699792" y="548680"/>
+              <a:ext cx="720080" cy="720080"/>
+            </a:xfrm>
+            <a:prstGeom prst="rect">
+              <a:avLst/>
+            </a:prstGeom>
+            <a:solidFill>
+              <a:schemeClr val="accent6">
+                <a:lumMod val="20000"/>
+                <a:lumOff val="80000"/>
+              </a:schemeClr>
+            </a:solidFill>
+            <a:ln>
+              <a:solidFill>
+                <a:schemeClr val="tx1"/>
+              </a:solidFill>
+            </a:ln>
+          </p:spPr>
+          <p:txBody>
+            <a:bodyPr wrap="square" rtlCol="0" anchor="ctr">
+              <a:spAutoFit/>
+            </a:bodyPr>
+            <a:lstStyle/>
+            <a:p>
+              <a:pPr algn="ctr"/>
+              <a:endParaRPr kumimoji="1" lang="ja-JP" altLang="en-US" sz="2400" dirty="0" smtClean="0"/>
+            </a:p>
+          </p:txBody>
+        </p:sp>
+        <p:sp>
+          <p:nvSpPr>
+            <p:cNvPr id="99" name="テキスト ボックス 98"/>
+            <p:cNvSpPr txBox="1"/>
+            <p:nvPr/>
+          </p:nvSpPr>
+          <p:spPr>
+            <a:xfrm flipH="1">
+              <a:off x="2627784" y="663079"/>
+              <a:ext cx="864096" cy="461665"/>
+            </a:xfrm>
+            <a:prstGeom prst="rect">
+              <a:avLst/>
+            </a:prstGeom>
+            <a:noFill/>
+          </p:spPr>
+          <p:txBody>
+            <a:bodyPr wrap="square" rtlCol="0">
+              <a:spAutoFit/>
+            </a:bodyPr>
+            <a:lstStyle/>
+            <a:p>
+              <a:pPr algn="ctr"/>
+              <a:r>
+                <a:rPr kumimoji="1" lang="en-US" altLang="ja-JP" sz="2400" dirty="0" smtClean="0">
+                  <a:latin typeface="Consolas" panose="020B0609020204030204" pitchFamily="49" charset="0"/>
+                </a:rPr>
+                <a:t>dy_0</a:t>
+              </a:r>
+              <a:endParaRPr kumimoji="1" lang="ja-JP" altLang="en-US" sz="2400" dirty="0" smtClean="0">
+                <a:latin typeface="Consolas" panose="020B0609020204030204" pitchFamily="49" charset="0"/>
+              </a:endParaRPr>
+            </a:p>
+          </p:txBody>
+        </p:sp>
+      </p:grpSp>
+      <p:grpSp>
+        <p:nvGrpSpPr>
+          <p:cNvPr id="100" name="グループ化 99"/>
+          <p:cNvGrpSpPr/>
+          <p:nvPr/>
+        </p:nvGrpSpPr>
+        <p:grpSpPr>
+          <a:xfrm>
+            <a:off x="6660232" y="1268760"/>
+            <a:ext cx="864096" cy="720080"/>
+            <a:chOff x="1907704" y="548680"/>
+            <a:chExt cx="864096" cy="720080"/>
+          </a:xfrm>
+        </p:grpSpPr>
+        <p:sp>
+          <p:nvSpPr>
+            <p:cNvPr id="101" name="正方形/長方形 100"/>
+            <p:cNvSpPr/>
+            <p:nvPr/>
+          </p:nvSpPr>
+          <p:spPr>
+            <a:xfrm>
+              <a:off x="1979712" y="548680"/>
+              <a:ext cx="720080" cy="720080"/>
+            </a:xfrm>
+            <a:prstGeom prst="rect">
+              <a:avLst/>
+            </a:prstGeom>
+            <a:solidFill>
+              <a:schemeClr val="accent2">
+                <a:lumMod val="20000"/>
+                <a:lumOff val="80000"/>
+              </a:schemeClr>
+            </a:solidFill>
+            <a:ln>
+              <a:solidFill>
+                <a:schemeClr val="tx1"/>
+              </a:solidFill>
+            </a:ln>
+          </p:spPr>
+          <p:txBody>
+            <a:bodyPr wrap="square" rtlCol="0" anchor="ctr">
+              <a:spAutoFit/>
+            </a:bodyPr>
+            <a:lstStyle/>
+            <a:p>
+              <a:pPr algn="ctr"/>
+              <a:endParaRPr kumimoji="1" lang="ja-JP" altLang="en-US" sz="2400" dirty="0" smtClean="0"/>
+            </a:p>
+          </p:txBody>
+        </p:sp>
+        <p:sp>
+          <p:nvSpPr>
+            <p:cNvPr id="102" name="テキスト ボックス 101"/>
+            <p:cNvSpPr txBox="1"/>
+            <p:nvPr/>
+          </p:nvSpPr>
+          <p:spPr>
+            <a:xfrm flipH="1">
+              <a:off x="1907704" y="663079"/>
+              <a:ext cx="864096" cy="461665"/>
+            </a:xfrm>
+            <a:prstGeom prst="rect">
+              <a:avLst/>
+            </a:prstGeom>
+            <a:noFill/>
+          </p:spPr>
+          <p:txBody>
+            <a:bodyPr wrap="square" rtlCol="0">
+              <a:spAutoFit/>
+            </a:bodyPr>
+            <a:lstStyle/>
+            <a:p>
+              <a:pPr algn="ctr"/>
+              <a:r>
+                <a:rPr kumimoji="1" lang="en-US" altLang="ja-JP" sz="2400" dirty="0" smtClean="0">
+                  <a:latin typeface="Consolas" panose="020B0609020204030204" pitchFamily="49" charset="0"/>
+                </a:rPr>
+                <a:t>dz_0</a:t>
+              </a:r>
+              <a:endParaRPr kumimoji="1" lang="ja-JP" altLang="en-US" sz="2400" dirty="0" smtClean="0">
+                <a:latin typeface="Consolas" panose="020B0609020204030204" pitchFamily="49" charset="0"/>
+              </a:endParaRPr>
+            </a:p>
+          </p:txBody>
+        </p:sp>
+      </p:grpSp>
+      <p:grpSp>
+        <p:nvGrpSpPr>
+          <p:cNvPr id="103" name="グループ化 102"/>
+          <p:cNvGrpSpPr/>
+          <p:nvPr/>
+        </p:nvGrpSpPr>
+        <p:grpSpPr>
+          <a:xfrm>
+            <a:off x="6012160" y="1268760"/>
+            <a:ext cx="720080" cy="720080"/>
+            <a:chOff x="1259632" y="548680"/>
+            <a:chExt cx="720080" cy="720080"/>
+          </a:xfrm>
+        </p:grpSpPr>
+        <p:sp>
+          <p:nvSpPr>
+            <p:cNvPr id="104" name="正方形/長方形 103"/>
+            <p:cNvSpPr/>
+            <p:nvPr/>
+          </p:nvSpPr>
+          <p:spPr>
+            <a:xfrm>
+              <a:off x="1259632" y="548680"/>
+              <a:ext cx="720080" cy="720080"/>
+            </a:xfrm>
+            <a:prstGeom prst="rect">
+              <a:avLst/>
+            </a:prstGeom>
+            <a:noFill/>
+            <a:ln>
+              <a:solidFill>
+                <a:schemeClr val="tx1"/>
+              </a:solidFill>
+            </a:ln>
+          </p:spPr>
+          <p:txBody>
+            <a:bodyPr wrap="square" rtlCol="0" anchor="ctr">
+              <a:spAutoFit/>
+            </a:bodyPr>
+            <a:lstStyle/>
+            <a:p>
+              <a:pPr algn="ctr"/>
+              <a:endParaRPr kumimoji="1" lang="ja-JP" altLang="en-US" sz="2400" dirty="0" smtClean="0"/>
+            </a:p>
+          </p:txBody>
+        </p:sp>
+        <p:sp>
+          <p:nvSpPr>
+            <p:cNvPr id="105" name="テキスト ボックス 104"/>
+            <p:cNvSpPr txBox="1"/>
+            <p:nvPr/>
+          </p:nvSpPr>
+          <p:spPr>
+            <a:xfrm flipH="1">
+              <a:off x="1331640" y="663079"/>
+              <a:ext cx="576064" cy="461665"/>
+            </a:xfrm>
+            <a:prstGeom prst="rect">
+              <a:avLst/>
+            </a:prstGeom>
+            <a:noFill/>
+          </p:spPr>
+          <p:txBody>
+            <a:bodyPr wrap="square" rtlCol="0">
+              <a:spAutoFit/>
+            </a:bodyPr>
+            <a:lstStyle/>
+            <a:p>
+              <a:pPr algn="ctr"/>
+              <a:r>
+                <a:rPr kumimoji="1" lang="en-US" altLang="ja-JP" sz="2400" dirty="0" smtClean="0">
+                  <a:latin typeface="Consolas" panose="020B0609020204030204" pitchFamily="49" charset="0"/>
+                </a:rPr>
+                <a:t>0</a:t>
+              </a:r>
+              <a:endParaRPr kumimoji="1" lang="ja-JP" altLang="en-US" sz="2400" dirty="0" smtClean="0">
+                <a:latin typeface="Consolas" panose="020B0609020204030204" pitchFamily="49" charset="0"/>
+              </a:endParaRPr>
+            </a:p>
+          </p:txBody>
+        </p:sp>
+      </p:grpSp>
+      <p:sp>
+        <p:nvSpPr>
+          <p:cNvPr id="106" name="正方形/長方形 105"/>
+          <p:cNvSpPr/>
+          <p:nvPr/>
+        </p:nvSpPr>
+        <p:spPr>
+          <a:xfrm>
+            <a:off x="4932040" y="1412776"/>
+            <a:ext cx="1034257" cy="461665"/>
+          </a:xfrm>
+          <a:prstGeom prst="rect">
+            <a:avLst/>
+          </a:prstGeom>
+        </p:spPr>
+        <p:txBody>
+          <a:bodyPr wrap="none">
+            <a:spAutoFit/>
+          </a:bodyPr>
+          <a:lstStyle/>
+          <a:p>
+            <a:r>
+              <a:rPr lang="en-US" altLang="ja-JP" sz="2400" dirty="0">
+                <a:latin typeface="Consolas" panose="020B0609020204030204" pitchFamily="49" charset="0"/>
+              </a:rPr>
+              <a:t>vdr_0</a:t>
+            </a:r>
+            <a:endParaRPr lang="en-US" altLang="ja-JP" sz="2400" b="0" dirty="0">
+              <a:effectLst/>
+              <a:latin typeface="Consolas" panose="020B0609020204030204" pitchFamily="49" charset="0"/>
+            </a:endParaRPr>
+          </a:p>
+        </p:txBody>
+      </p:sp>
+      <p:grpSp>
+        <p:nvGrpSpPr>
+          <p:cNvPr id="107" name="グループ化 106"/>
+          <p:cNvGrpSpPr/>
+          <p:nvPr/>
+        </p:nvGrpSpPr>
+        <p:grpSpPr>
+          <a:xfrm>
+            <a:off x="8100392" y="4149080"/>
+            <a:ext cx="864096" cy="720080"/>
+            <a:chOff x="3347864" y="1412776"/>
+            <a:chExt cx="864096" cy="720080"/>
+          </a:xfrm>
+        </p:grpSpPr>
+        <p:sp>
+          <p:nvSpPr>
+            <p:cNvPr id="108" name="正方形/長方形 107"/>
+            <p:cNvSpPr/>
+            <p:nvPr/>
+          </p:nvSpPr>
+          <p:spPr>
+            <a:xfrm>
+              <a:off x="3419872" y="1412776"/>
+              <a:ext cx="720080" cy="720080"/>
+            </a:xfrm>
+            <a:prstGeom prst="rect">
+              <a:avLst/>
+            </a:prstGeom>
+            <a:solidFill>
+              <a:schemeClr val="accent1">
+                <a:lumMod val="20000"/>
+                <a:lumOff val="80000"/>
+              </a:schemeClr>
+            </a:solidFill>
+            <a:ln>
+              <a:solidFill>
+                <a:schemeClr val="tx1"/>
+              </a:solidFill>
+            </a:ln>
+          </p:spPr>
+          <p:txBody>
+            <a:bodyPr wrap="square" rtlCol="0" anchor="ctr">
+              <a:spAutoFit/>
+            </a:bodyPr>
+            <a:lstStyle/>
+            <a:p>
+              <a:pPr algn="ctr"/>
+              <a:endParaRPr kumimoji="1" lang="ja-JP" altLang="en-US" sz="2400" dirty="0" smtClean="0"/>
+            </a:p>
+          </p:txBody>
+        </p:sp>
+        <p:sp>
+          <p:nvSpPr>
+            <p:cNvPr id="109" name="テキスト ボックス 108"/>
+            <p:cNvSpPr txBox="1"/>
+            <p:nvPr/>
+          </p:nvSpPr>
+          <p:spPr>
+            <a:xfrm flipH="1">
+              <a:off x="3347864" y="1527175"/>
+              <a:ext cx="864096" cy="461665"/>
+            </a:xfrm>
+            <a:prstGeom prst="rect">
+              <a:avLst/>
+            </a:prstGeom>
+            <a:noFill/>
+          </p:spPr>
+          <p:txBody>
+            <a:bodyPr wrap="square" rtlCol="0">
+              <a:spAutoFit/>
+            </a:bodyPr>
+            <a:lstStyle/>
+            <a:p>
+              <a:pPr algn="ctr"/>
+              <a:r>
+                <a:rPr kumimoji="1" lang="en-US" altLang="ja-JP" sz="2400" dirty="0" smtClean="0">
+                  <a:latin typeface="Consolas" panose="020B0609020204030204" pitchFamily="49" charset="0"/>
+                </a:rPr>
+                <a:t>dx_1</a:t>
+              </a:r>
+              <a:endParaRPr kumimoji="1" lang="ja-JP" altLang="en-US" sz="2400" dirty="0" smtClean="0">
+                <a:latin typeface="Consolas" panose="020B0609020204030204" pitchFamily="49" charset="0"/>
+              </a:endParaRPr>
+            </a:p>
+          </p:txBody>
+        </p:sp>
+      </p:grpSp>
+      <p:grpSp>
+        <p:nvGrpSpPr>
+          <p:cNvPr id="110" name="グループ化 109"/>
+          <p:cNvGrpSpPr/>
+          <p:nvPr/>
+        </p:nvGrpSpPr>
+        <p:grpSpPr>
+          <a:xfrm>
+            <a:off x="7380312" y="4149080"/>
+            <a:ext cx="864096" cy="720080"/>
+            <a:chOff x="2627784" y="1412776"/>
+            <a:chExt cx="864096" cy="720080"/>
+          </a:xfrm>
+        </p:grpSpPr>
+        <p:sp>
+          <p:nvSpPr>
+            <p:cNvPr id="111" name="正方形/長方形 110"/>
+            <p:cNvSpPr/>
+            <p:nvPr/>
+          </p:nvSpPr>
+          <p:spPr>
+            <a:xfrm>
+              <a:off x="2699792" y="1412776"/>
+              <a:ext cx="720080" cy="720080"/>
+            </a:xfrm>
+            <a:prstGeom prst="rect">
+              <a:avLst/>
+            </a:prstGeom>
+            <a:solidFill>
+              <a:schemeClr val="accent6">
+                <a:lumMod val="20000"/>
+                <a:lumOff val="80000"/>
+              </a:schemeClr>
+            </a:solidFill>
+            <a:ln>
+              <a:solidFill>
+                <a:schemeClr val="tx1"/>
+              </a:solidFill>
+            </a:ln>
+          </p:spPr>
+          <p:txBody>
+            <a:bodyPr wrap="square" rtlCol="0" anchor="ctr">
+              <a:spAutoFit/>
+            </a:bodyPr>
+            <a:lstStyle/>
+            <a:p>
+              <a:pPr algn="ctr"/>
+              <a:endParaRPr kumimoji="1" lang="ja-JP" altLang="en-US" sz="2400" dirty="0" smtClean="0"/>
+            </a:p>
+          </p:txBody>
+        </p:sp>
+        <p:sp>
+          <p:nvSpPr>
+            <p:cNvPr id="112" name="テキスト ボックス 111"/>
+            <p:cNvSpPr txBox="1"/>
+            <p:nvPr/>
+          </p:nvSpPr>
+          <p:spPr>
+            <a:xfrm flipH="1">
+              <a:off x="2627784" y="1527175"/>
+              <a:ext cx="864096" cy="461665"/>
+            </a:xfrm>
+            <a:prstGeom prst="rect">
+              <a:avLst/>
+            </a:prstGeom>
+            <a:noFill/>
+          </p:spPr>
+          <p:txBody>
+            <a:bodyPr wrap="square" rtlCol="0">
+              <a:spAutoFit/>
+            </a:bodyPr>
+            <a:lstStyle/>
+            <a:p>
+              <a:pPr algn="ctr"/>
+              <a:r>
+                <a:rPr kumimoji="1" lang="en-US" altLang="ja-JP" sz="2400" dirty="0" smtClean="0">
+                  <a:latin typeface="Consolas" panose="020B0609020204030204" pitchFamily="49" charset="0"/>
+                </a:rPr>
+                <a:t>dy_1</a:t>
+              </a:r>
+              <a:endParaRPr kumimoji="1" lang="ja-JP" altLang="en-US" sz="2400" dirty="0" smtClean="0">
+                <a:latin typeface="Consolas" panose="020B0609020204030204" pitchFamily="49" charset="0"/>
+              </a:endParaRPr>
+            </a:p>
+          </p:txBody>
+        </p:sp>
+      </p:grpSp>
+      <p:grpSp>
+        <p:nvGrpSpPr>
+          <p:cNvPr id="113" name="グループ化 112"/>
+          <p:cNvGrpSpPr/>
+          <p:nvPr/>
+        </p:nvGrpSpPr>
+        <p:grpSpPr>
+          <a:xfrm>
+            <a:off x="6660232" y="4149080"/>
+            <a:ext cx="864096" cy="720080"/>
+            <a:chOff x="1907704" y="1412776"/>
+            <a:chExt cx="864096" cy="720080"/>
+          </a:xfrm>
+        </p:grpSpPr>
+        <p:sp>
+          <p:nvSpPr>
+            <p:cNvPr id="114" name="正方形/長方形 113"/>
+            <p:cNvSpPr/>
+            <p:nvPr/>
+          </p:nvSpPr>
+          <p:spPr>
+            <a:xfrm>
+              <a:off x="1979712" y="1412776"/>
+              <a:ext cx="720080" cy="720080"/>
+            </a:xfrm>
+            <a:prstGeom prst="rect">
+              <a:avLst/>
+            </a:prstGeom>
+            <a:solidFill>
+              <a:schemeClr val="accent2">
+                <a:lumMod val="20000"/>
+                <a:lumOff val="80000"/>
+              </a:schemeClr>
+            </a:solidFill>
+            <a:ln>
+              <a:solidFill>
+                <a:schemeClr val="tx1"/>
+              </a:solidFill>
+            </a:ln>
+          </p:spPr>
+          <p:txBody>
+            <a:bodyPr wrap="square" rtlCol="0" anchor="ctr">
+              <a:spAutoFit/>
+            </a:bodyPr>
+            <a:lstStyle/>
+            <a:p>
+              <a:pPr algn="ctr"/>
+              <a:endParaRPr kumimoji="1" lang="ja-JP" altLang="en-US" sz="2400" dirty="0" smtClean="0"/>
+            </a:p>
+          </p:txBody>
+        </p:sp>
+        <p:sp>
+          <p:nvSpPr>
+            <p:cNvPr id="115" name="テキスト ボックス 114"/>
+            <p:cNvSpPr txBox="1"/>
+            <p:nvPr/>
+          </p:nvSpPr>
+          <p:spPr>
+            <a:xfrm flipH="1">
+              <a:off x="1907704" y="1527175"/>
+              <a:ext cx="864096" cy="461665"/>
+            </a:xfrm>
+            <a:prstGeom prst="rect">
+              <a:avLst/>
+            </a:prstGeom>
+            <a:noFill/>
+          </p:spPr>
+          <p:txBody>
+            <a:bodyPr wrap="square" rtlCol="0">
+              <a:spAutoFit/>
+            </a:bodyPr>
+            <a:lstStyle/>
+            <a:p>
+              <a:pPr algn="ctr"/>
+              <a:r>
+                <a:rPr kumimoji="1" lang="en-US" altLang="ja-JP" sz="2400" dirty="0" smtClean="0">
+                  <a:latin typeface="Consolas" panose="020B0609020204030204" pitchFamily="49" charset="0"/>
+                </a:rPr>
+                <a:t>dz_1</a:t>
+              </a:r>
+              <a:endParaRPr kumimoji="1" lang="ja-JP" altLang="en-US" sz="2400" dirty="0" smtClean="0">
+                <a:latin typeface="Consolas" panose="020B0609020204030204" pitchFamily="49" charset="0"/>
+              </a:endParaRPr>
+            </a:p>
+          </p:txBody>
+        </p:sp>
+      </p:grpSp>
+      <p:grpSp>
+        <p:nvGrpSpPr>
+          <p:cNvPr id="116" name="グループ化 115"/>
+          <p:cNvGrpSpPr/>
+          <p:nvPr/>
+        </p:nvGrpSpPr>
+        <p:grpSpPr>
+          <a:xfrm>
+            <a:off x="6012160" y="4149080"/>
+            <a:ext cx="720080" cy="720080"/>
+            <a:chOff x="1259632" y="1412776"/>
+            <a:chExt cx="720080" cy="720080"/>
+          </a:xfrm>
+        </p:grpSpPr>
+        <p:sp>
+          <p:nvSpPr>
+            <p:cNvPr id="117" name="正方形/長方形 116"/>
+            <p:cNvSpPr/>
+            <p:nvPr/>
+          </p:nvSpPr>
+          <p:spPr>
+            <a:xfrm>
+              <a:off x="1259632" y="1412776"/>
+              <a:ext cx="720080" cy="720080"/>
+            </a:xfrm>
+            <a:prstGeom prst="rect">
+              <a:avLst/>
+            </a:prstGeom>
+            <a:noFill/>
+            <a:ln>
+              <a:solidFill>
+                <a:schemeClr val="tx1"/>
+              </a:solidFill>
+            </a:ln>
+          </p:spPr>
+          <p:txBody>
+            <a:bodyPr wrap="square" rtlCol="0" anchor="ctr">
+              <a:spAutoFit/>
+            </a:bodyPr>
+            <a:lstStyle/>
+            <a:p>
+              <a:pPr algn="ctr"/>
+              <a:endParaRPr kumimoji="1" lang="ja-JP" altLang="en-US" sz="2400" dirty="0" smtClean="0"/>
+            </a:p>
+          </p:txBody>
+        </p:sp>
+        <p:sp>
+          <p:nvSpPr>
+            <p:cNvPr id="118" name="テキスト ボックス 117"/>
+            <p:cNvSpPr txBox="1"/>
+            <p:nvPr/>
+          </p:nvSpPr>
+          <p:spPr>
+            <a:xfrm flipH="1">
+              <a:off x="1331640" y="1527175"/>
+              <a:ext cx="576064" cy="461665"/>
+            </a:xfrm>
+            <a:prstGeom prst="rect">
+              <a:avLst/>
+            </a:prstGeom>
+            <a:noFill/>
+          </p:spPr>
+          <p:txBody>
+            <a:bodyPr wrap="square" rtlCol="0">
+              <a:spAutoFit/>
+            </a:bodyPr>
+            <a:lstStyle/>
+            <a:p>
+              <a:pPr algn="ctr"/>
+              <a:r>
+                <a:rPr kumimoji="1" lang="en-US" altLang="ja-JP" sz="2400" dirty="0" smtClean="0">
+                  <a:latin typeface="Consolas" panose="020B0609020204030204" pitchFamily="49" charset="0"/>
+                </a:rPr>
+                <a:t>0</a:t>
+              </a:r>
+              <a:endParaRPr kumimoji="1" lang="ja-JP" altLang="en-US" sz="2400" dirty="0" smtClean="0">
+                <a:latin typeface="Consolas" panose="020B0609020204030204" pitchFamily="49" charset="0"/>
+              </a:endParaRPr>
+            </a:p>
+          </p:txBody>
+        </p:sp>
+      </p:grpSp>
+      <p:sp>
+        <p:nvSpPr>
+          <p:cNvPr id="119" name="正方形/長方形 118"/>
+          <p:cNvSpPr/>
+          <p:nvPr/>
+        </p:nvSpPr>
+        <p:spPr>
+          <a:xfrm>
+            <a:off x="4932040" y="4293096"/>
+            <a:ext cx="1034257" cy="461665"/>
+          </a:xfrm>
+          <a:prstGeom prst="rect">
+            <a:avLst/>
+          </a:prstGeom>
+        </p:spPr>
+        <p:txBody>
+          <a:bodyPr wrap="none">
+            <a:spAutoFit/>
+          </a:bodyPr>
+          <a:lstStyle/>
+          <a:p>
+            <a:r>
+              <a:rPr lang="en-US" altLang="ja-JP" sz="2400" dirty="0" smtClean="0">
+                <a:latin typeface="Consolas" panose="020B0609020204030204" pitchFamily="49" charset="0"/>
+              </a:rPr>
+              <a:t>vdr_1</a:t>
+            </a:r>
+            <a:endParaRPr lang="en-US" altLang="ja-JP" sz="2400" b="0" dirty="0">
+              <a:effectLst/>
+              <a:latin typeface="Consolas" panose="020B0609020204030204" pitchFamily="49" charset="0"/>
+            </a:endParaRPr>
+          </a:p>
+        </p:txBody>
+      </p:sp>
+      <p:grpSp>
+        <p:nvGrpSpPr>
+          <p:cNvPr id="122" name="グループ化 121"/>
+          <p:cNvGrpSpPr/>
+          <p:nvPr/>
+        </p:nvGrpSpPr>
+        <p:grpSpPr>
+          <a:xfrm>
+            <a:off x="8100392" y="2708920"/>
+            <a:ext cx="864096" cy="720080"/>
+            <a:chOff x="2627784" y="548680"/>
+            <a:chExt cx="864096" cy="720080"/>
+          </a:xfrm>
+        </p:grpSpPr>
+        <p:sp>
+          <p:nvSpPr>
+            <p:cNvPr id="123" name="正方形/長方形 122"/>
+            <p:cNvSpPr/>
+            <p:nvPr/>
+          </p:nvSpPr>
+          <p:spPr>
+            <a:xfrm>
+              <a:off x="2699792" y="548680"/>
+              <a:ext cx="720080" cy="720080"/>
+            </a:xfrm>
+            <a:prstGeom prst="rect">
+              <a:avLst/>
+            </a:prstGeom>
+            <a:solidFill>
+              <a:schemeClr val="accent6">
+                <a:lumMod val="20000"/>
+                <a:lumOff val="80000"/>
+              </a:schemeClr>
+            </a:solidFill>
+            <a:ln>
+              <a:solidFill>
+                <a:schemeClr val="tx1"/>
+              </a:solidFill>
+            </a:ln>
+          </p:spPr>
+          <p:txBody>
+            <a:bodyPr wrap="square" rtlCol="0" anchor="ctr">
+              <a:spAutoFit/>
+            </a:bodyPr>
+            <a:lstStyle/>
+            <a:p>
+              <a:pPr algn="ctr"/>
+              <a:endParaRPr kumimoji="1" lang="ja-JP" altLang="en-US" sz="2400" dirty="0" smtClean="0"/>
+            </a:p>
+          </p:txBody>
+        </p:sp>
+        <p:sp>
+          <p:nvSpPr>
+            <p:cNvPr id="124" name="テキスト ボックス 123"/>
+            <p:cNvSpPr txBox="1"/>
+            <p:nvPr/>
+          </p:nvSpPr>
+          <p:spPr>
+            <a:xfrm flipH="1">
+              <a:off x="2627784" y="663079"/>
+              <a:ext cx="864096" cy="461665"/>
+            </a:xfrm>
+            <a:prstGeom prst="rect">
+              <a:avLst/>
+            </a:prstGeom>
+            <a:noFill/>
+          </p:spPr>
+          <p:txBody>
+            <a:bodyPr wrap="square" rtlCol="0">
+              <a:spAutoFit/>
+            </a:bodyPr>
+            <a:lstStyle/>
+            <a:p>
+              <a:pPr algn="ctr"/>
+              <a:r>
+                <a:rPr kumimoji="1" lang="en-US" altLang="ja-JP" sz="2400" dirty="0" smtClean="0">
+                  <a:latin typeface="Consolas" panose="020B0609020204030204" pitchFamily="49" charset="0"/>
+                </a:rPr>
+                <a:t>dy_0</a:t>
+              </a:r>
+              <a:endParaRPr kumimoji="1" lang="ja-JP" altLang="en-US" sz="2400" dirty="0" smtClean="0">
+                <a:latin typeface="Consolas" panose="020B0609020204030204" pitchFamily="49" charset="0"/>
+              </a:endParaRPr>
+            </a:p>
+          </p:txBody>
+        </p:sp>
+      </p:grpSp>
+      <p:grpSp>
+        <p:nvGrpSpPr>
+          <p:cNvPr id="125" name="グループ化 124"/>
+          <p:cNvGrpSpPr/>
+          <p:nvPr/>
+        </p:nvGrpSpPr>
+        <p:grpSpPr>
+          <a:xfrm>
+            <a:off x="6732240" y="2708920"/>
+            <a:ext cx="720080" cy="720080"/>
+            <a:chOff x="1259632" y="548680"/>
+            <a:chExt cx="720080" cy="720080"/>
+          </a:xfrm>
+        </p:grpSpPr>
+        <p:sp>
+          <p:nvSpPr>
+            <p:cNvPr id="126" name="正方形/長方形 125"/>
+            <p:cNvSpPr/>
+            <p:nvPr/>
+          </p:nvSpPr>
+          <p:spPr>
+            <a:xfrm>
+              <a:off x="1259632" y="548680"/>
+              <a:ext cx="720080" cy="720080"/>
+            </a:xfrm>
+            <a:prstGeom prst="rect">
+              <a:avLst/>
+            </a:prstGeom>
+            <a:noFill/>
+            <a:ln>
+              <a:solidFill>
+                <a:schemeClr val="tx1"/>
+              </a:solidFill>
+            </a:ln>
+          </p:spPr>
+          <p:txBody>
+            <a:bodyPr wrap="square" rtlCol="0" anchor="ctr">
+              <a:spAutoFit/>
+            </a:bodyPr>
+            <a:lstStyle/>
+            <a:p>
+              <a:pPr algn="ctr"/>
+              <a:endParaRPr kumimoji="1" lang="ja-JP" altLang="en-US" sz="2400" dirty="0" smtClean="0"/>
+            </a:p>
+          </p:txBody>
+        </p:sp>
+        <p:sp>
+          <p:nvSpPr>
+            <p:cNvPr id="127" name="テキスト ボックス 126"/>
+            <p:cNvSpPr txBox="1"/>
+            <p:nvPr/>
+          </p:nvSpPr>
+          <p:spPr>
+            <a:xfrm flipH="1">
+              <a:off x="1331640" y="663079"/>
+              <a:ext cx="576064" cy="461665"/>
+            </a:xfrm>
+            <a:prstGeom prst="rect">
+              <a:avLst/>
+            </a:prstGeom>
+            <a:noFill/>
+          </p:spPr>
+          <p:txBody>
+            <a:bodyPr wrap="square" rtlCol="0">
+              <a:spAutoFit/>
+            </a:bodyPr>
+            <a:lstStyle/>
+            <a:p>
+              <a:pPr algn="ctr"/>
+              <a:r>
+                <a:rPr kumimoji="1" lang="en-US" altLang="ja-JP" sz="2400" dirty="0" smtClean="0">
+                  <a:latin typeface="Consolas" panose="020B0609020204030204" pitchFamily="49" charset="0"/>
+                </a:rPr>
+                <a:t>0</a:t>
+              </a:r>
+              <a:endParaRPr kumimoji="1" lang="ja-JP" altLang="en-US" sz="2400" dirty="0" smtClean="0">
+                <a:latin typeface="Consolas" panose="020B0609020204030204" pitchFamily="49" charset="0"/>
+              </a:endParaRPr>
+            </a:p>
+          </p:txBody>
+        </p:sp>
+      </p:grpSp>
+      <p:grpSp>
+        <p:nvGrpSpPr>
+          <p:cNvPr id="128" name="グループ化 127"/>
+          <p:cNvGrpSpPr/>
+          <p:nvPr/>
+        </p:nvGrpSpPr>
+        <p:grpSpPr>
+          <a:xfrm>
+            <a:off x="7380312" y="2708920"/>
+            <a:ext cx="864096" cy="720080"/>
+            <a:chOff x="2627784" y="1412776"/>
+            <a:chExt cx="864096" cy="720080"/>
+          </a:xfrm>
+        </p:grpSpPr>
+        <p:sp>
+          <p:nvSpPr>
+            <p:cNvPr id="129" name="正方形/長方形 128"/>
+            <p:cNvSpPr/>
+            <p:nvPr/>
+          </p:nvSpPr>
+          <p:spPr>
+            <a:xfrm>
+              <a:off x="2699792" y="1412776"/>
+              <a:ext cx="720080" cy="720080"/>
+            </a:xfrm>
+            <a:prstGeom prst="rect">
+              <a:avLst/>
+            </a:prstGeom>
+            <a:solidFill>
+              <a:schemeClr val="accent6">
+                <a:lumMod val="20000"/>
+                <a:lumOff val="80000"/>
+              </a:schemeClr>
+            </a:solidFill>
+            <a:ln>
+              <a:solidFill>
+                <a:schemeClr val="tx1"/>
+              </a:solidFill>
+            </a:ln>
+          </p:spPr>
+          <p:txBody>
+            <a:bodyPr wrap="square" rtlCol="0" anchor="ctr">
+              <a:spAutoFit/>
+            </a:bodyPr>
+            <a:lstStyle/>
+            <a:p>
+              <a:pPr algn="ctr"/>
+              <a:endParaRPr kumimoji="1" lang="ja-JP" altLang="en-US" sz="2400" dirty="0" smtClean="0"/>
+            </a:p>
+          </p:txBody>
+        </p:sp>
+        <p:sp>
+          <p:nvSpPr>
+            <p:cNvPr id="130" name="テキスト ボックス 129"/>
+            <p:cNvSpPr txBox="1"/>
+            <p:nvPr/>
+          </p:nvSpPr>
+          <p:spPr>
+            <a:xfrm flipH="1">
+              <a:off x="2627784" y="1527175"/>
+              <a:ext cx="864096" cy="461665"/>
+            </a:xfrm>
+            <a:prstGeom prst="rect">
+              <a:avLst/>
+            </a:prstGeom>
+            <a:noFill/>
+          </p:spPr>
+          <p:txBody>
+            <a:bodyPr wrap="square" rtlCol="0">
+              <a:spAutoFit/>
+            </a:bodyPr>
+            <a:lstStyle/>
+            <a:p>
+              <a:pPr algn="ctr"/>
+              <a:r>
+                <a:rPr kumimoji="1" lang="en-US" altLang="ja-JP" sz="2400" dirty="0" smtClean="0">
+                  <a:latin typeface="Consolas" panose="020B0609020204030204" pitchFamily="49" charset="0"/>
+                </a:rPr>
+                <a:t>dy_1</a:t>
+              </a:r>
+              <a:endParaRPr kumimoji="1" lang="ja-JP" altLang="en-US" sz="2400" dirty="0" smtClean="0">
+                <a:latin typeface="Consolas" panose="020B0609020204030204" pitchFamily="49" charset="0"/>
+              </a:endParaRPr>
+            </a:p>
+          </p:txBody>
+        </p:sp>
+      </p:grpSp>
+      <p:grpSp>
+        <p:nvGrpSpPr>
+          <p:cNvPr id="131" name="グループ化 130"/>
+          <p:cNvGrpSpPr/>
+          <p:nvPr/>
+        </p:nvGrpSpPr>
+        <p:grpSpPr>
+          <a:xfrm>
+            <a:off x="6012160" y="2708920"/>
+            <a:ext cx="720080" cy="720080"/>
+            <a:chOff x="1259632" y="1412776"/>
+            <a:chExt cx="720080" cy="720080"/>
+          </a:xfrm>
+        </p:grpSpPr>
+        <p:sp>
+          <p:nvSpPr>
+            <p:cNvPr id="132" name="正方形/長方形 131"/>
+            <p:cNvSpPr/>
+            <p:nvPr/>
+          </p:nvSpPr>
+          <p:spPr>
+            <a:xfrm>
+              <a:off x="1259632" y="1412776"/>
+              <a:ext cx="720080" cy="720080"/>
+            </a:xfrm>
+            <a:prstGeom prst="rect">
+              <a:avLst/>
+            </a:prstGeom>
+            <a:noFill/>
+            <a:ln>
+              <a:solidFill>
+                <a:schemeClr val="tx1"/>
+              </a:solidFill>
+            </a:ln>
+          </p:spPr>
+          <p:txBody>
+            <a:bodyPr wrap="square" rtlCol="0" anchor="ctr">
+              <a:spAutoFit/>
+            </a:bodyPr>
+            <a:lstStyle/>
+            <a:p>
+              <a:pPr algn="ctr"/>
+              <a:endParaRPr kumimoji="1" lang="ja-JP" altLang="en-US" sz="2400" dirty="0" smtClean="0"/>
+            </a:p>
+          </p:txBody>
+        </p:sp>
+        <p:sp>
+          <p:nvSpPr>
+            <p:cNvPr id="133" name="テキスト ボックス 132"/>
+            <p:cNvSpPr txBox="1"/>
+            <p:nvPr/>
+          </p:nvSpPr>
+          <p:spPr>
+            <a:xfrm flipH="1">
+              <a:off x="1331640" y="1527175"/>
+              <a:ext cx="576064" cy="461665"/>
+            </a:xfrm>
+            <a:prstGeom prst="rect">
+              <a:avLst/>
+            </a:prstGeom>
+            <a:noFill/>
+          </p:spPr>
+          <p:txBody>
+            <a:bodyPr wrap="square" rtlCol="0">
+              <a:spAutoFit/>
+            </a:bodyPr>
+            <a:lstStyle/>
+            <a:p>
+              <a:pPr algn="ctr"/>
+              <a:r>
+                <a:rPr kumimoji="1" lang="en-US" altLang="ja-JP" sz="2400" dirty="0" smtClean="0">
+                  <a:latin typeface="Consolas" panose="020B0609020204030204" pitchFamily="49" charset="0"/>
+                </a:rPr>
+                <a:t>0</a:t>
+              </a:r>
+              <a:endParaRPr kumimoji="1" lang="ja-JP" altLang="en-US" sz="2400" dirty="0" smtClean="0">
+                <a:latin typeface="Consolas" panose="020B0609020204030204" pitchFamily="49" charset="0"/>
+              </a:endParaRPr>
+            </a:p>
+          </p:txBody>
+        </p:sp>
+      </p:grpSp>
+      <p:cxnSp>
+        <p:nvCxnSpPr>
+          <p:cNvPr id="135" name="直線矢印コネクタ 134"/>
+          <p:cNvCxnSpPr>
+            <a:stCxn id="98" idx="2"/>
+            <a:endCxn id="123" idx="0"/>
+          </p:cNvCxnSpPr>
+          <p:nvPr/>
+        </p:nvCxnSpPr>
+        <p:spPr>
+          <a:xfrm>
+            <a:off x="7812360" y="1988840"/>
+            <a:ext cx="720080" cy="720080"/>
+          </a:xfrm>
+          <a:prstGeom prst="straightConnector1">
+            <a:avLst/>
+          </a:prstGeom>
+          <a:ln>
+            <a:solidFill>
+              <a:schemeClr val="tx1"/>
+            </a:solidFill>
+            <a:headEnd type="none"/>
+            <a:tailEnd type="triangle"/>
+          </a:ln>
+          <a:effectLst/>
+        </p:spPr>
+        <p:style>
+          <a:lnRef idx="2">
+            <a:schemeClr val="accent1"/>
+          </a:lnRef>
+          <a:fillRef idx="0">
+            <a:schemeClr val="accent1"/>
+          </a:fillRef>
+          <a:effectRef idx="1">
+            <a:schemeClr val="accent1"/>
+          </a:effectRef>
+          <a:fontRef idx="minor">
+            <a:schemeClr val="tx1"/>
+          </a:fontRef>
+        </p:style>
+      </p:cxnSp>
+      <p:cxnSp>
+        <p:nvCxnSpPr>
+          <p:cNvPr id="137" name="直線矢印コネクタ 136"/>
+          <p:cNvCxnSpPr>
+            <a:stCxn id="104" idx="2"/>
+            <a:endCxn id="126" idx="0"/>
+          </p:cNvCxnSpPr>
+          <p:nvPr/>
+        </p:nvCxnSpPr>
+        <p:spPr>
+          <a:xfrm>
+            <a:off x="6372200" y="1988840"/>
+            <a:ext cx="720080" cy="720080"/>
+          </a:xfrm>
+          <a:prstGeom prst="straightConnector1">
+            <a:avLst/>
+          </a:prstGeom>
+          <a:ln>
+            <a:solidFill>
+              <a:schemeClr val="tx1"/>
+            </a:solidFill>
+            <a:headEnd type="none"/>
+            <a:tailEnd type="triangle"/>
+          </a:ln>
+          <a:effectLst/>
+        </p:spPr>
+        <p:style>
+          <a:lnRef idx="2">
+            <a:schemeClr val="accent1"/>
+          </a:lnRef>
+          <a:fillRef idx="0">
+            <a:schemeClr val="accent1"/>
+          </a:fillRef>
+          <a:effectRef idx="1">
+            <a:schemeClr val="accent1"/>
+          </a:effectRef>
+          <a:fontRef idx="minor">
+            <a:schemeClr val="tx1"/>
+          </a:fontRef>
+        </p:style>
+      </p:cxnSp>
+      <p:cxnSp>
+        <p:nvCxnSpPr>
+          <p:cNvPr id="139" name="直線矢印コネクタ 138"/>
+          <p:cNvCxnSpPr>
+            <a:stCxn id="111" idx="0"/>
+            <a:endCxn id="129" idx="2"/>
+          </p:cNvCxnSpPr>
+          <p:nvPr/>
+        </p:nvCxnSpPr>
+        <p:spPr>
+          <a:xfrm flipV="1">
+            <a:off x="7812360" y="3429000"/>
+            <a:ext cx="0" cy="720080"/>
+          </a:xfrm>
+          <a:prstGeom prst="straightConnector1">
+            <a:avLst/>
+          </a:prstGeom>
+          <a:ln>
+            <a:solidFill>
+              <a:schemeClr val="tx1"/>
+            </a:solidFill>
+            <a:headEnd type="none"/>
+            <a:tailEnd type="triangle"/>
+          </a:ln>
+          <a:effectLst/>
+        </p:spPr>
+        <p:style>
+          <a:lnRef idx="2">
+            <a:schemeClr val="accent1"/>
+          </a:lnRef>
+          <a:fillRef idx="0">
+            <a:schemeClr val="accent1"/>
+          </a:fillRef>
+          <a:effectRef idx="1">
+            <a:schemeClr val="accent1"/>
+          </a:effectRef>
+          <a:fontRef idx="minor">
+            <a:schemeClr val="tx1"/>
+          </a:fontRef>
+        </p:style>
+      </p:cxnSp>
+      <p:cxnSp>
+        <p:nvCxnSpPr>
+          <p:cNvPr id="141" name="直線矢印コネクタ 140"/>
+          <p:cNvCxnSpPr>
+            <a:stCxn id="117" idx="0"/>
+            <a:endCxn id="132" idx="2"/>
+          </p:cNvCxnSpPr>
+          <p:nvPr/>
+        </p:nvCxnSpPr>
+        <p:spPr>
+          <a:xfrm flipV="1">
+            <a:off x="6372200" y="3429000"/>
+            <a:ext cx="0" cy="720080"/>
+          </a:xfrm>
+          <a:prstGeom prst="straightConnector1">
+            <a:avLst/>
+          </a:prstGeom>
+          <a:ln>
+            <a:solidFill>
+              <a:schemeClr val="tx1"/>
+            </a:solidFill>
+            <a:headEnd type="none"/>
+            <a:tailEnd type="triangle"/>
+          </a:ln>
+          <a:effectLst/>
+        </p:spPr>
+        <p:style>
+          <a:lnRef idx="2">
+            <a:schemeClr val="accent1"/>
+          </a:lnRef>
+          <a:fillRef idx="0">
+            <a:schemeClr val="accent1"/>
+          </a:fillRef>
+          <a:effectRef idx="1">
+            <a:schemeClr val="accent1"/>
+          </a:effectRef>
+          <a:fontRef idx="minor">
+            <a:schemeClr val="tx1"/>
+          </a:fontRef>
+        </p:style>
+      </p:cxnSp>
+      <p:sp>
+        <p:nvSpPr>
+          <p:cNvPr id="142" name="正方形/長方形 141"/>
+          <p:cNvSpPr/>
+          <p:nvPr/>
+        </p:nvSpPr>
+        <p:spPr>
+          <a:xfrm>
+            <a:off x="5003805" y="2823319"/>
+            <a:ext cx="864339" cy="461665"/>
+          </a:xfrm>
+          <a:prstGeom prst="rect">
+            <a:avLst/>
+          </a:prstGeom>
+        </p:spPr>
+        <p:txBody>
+          <a:bodyPr wrap="none">
+            <a:spAutoFit/>
+          </a:bodyPr>
+          <a:lstStyle/>
+          <a:p>
+            <a:r>
+              <a:rPr lang="en-US" altLang="ja-JP" sz="2400" b="0" dirty="0" smtClean="0">
+                <a:effectLst/>
+                <a:latin typeface="Consolas" panose="020B0609020204030204" pitchFamily="49" charset="0"/>
+              </a:rPr>
+              <a:t>tmp1</a:t>
+            </a:r>
+            <a:endParaRPr lang="en-US" altLang="ja-JP" sz="2400" b="0" dirty="0">
+              <a:effectLst/>
+              <a:latin typeface="Consolas" panose="020B0609020204030204" pitchFamily="49" charset="0"/>
+            </a:endParaRPr>
+          </a:p>
+        </p:txBody>
+      </p:sp>
+      <p:grpSp>
+        <p:nvGrpSpPr>
+          <p:cNvPr id="143" name="グループ化 142"/>
+          <p:cNvGrpSpPr/>
+          <p:nvPr/>
+        </p:nvGrpSpPr>
+        <p:grpSpPr>
+          <a:xfrm>
+            <a:off x="3779912" y="5589240"/>
+            <a:ext cx="864096" cy="720080"/>
+            <a:chOff x="3347864" y="548680"/>
+            <a:chExt cx="864096" cy="720080"/>
+          </a:xfrm>
+        </p:grpSpPr>
+        <p:sp>
+          <p:nvSpPr>
+            <p:cNvPr id="144" name="正方形/長方形 143"/>
+            <p:cNvSpPr/>
+            <p:nvPr/>
+          </p:nvSpPr>
+          <p:spPr>
+            <a:xfrm>
+              <a:off x="3419872" y="548680"/>
+              <a:ext cx="720080" cy="720080"/>
+            </a:xfrm>
+            <a:prstGeom prst="rect">
+              <a:avLst/>
+            </a:prstGeom>
+            <a:solidFill>
+              <a:schemeClr val="accent1">
+                <a:lumMod val="20000"/>
+                <a:lumOff val="80000"/>
+              </a:schemeClr>
+            </a:solidFill>
+            <a:ln>
+              <a:solidFill>
+                <a:schemeClr val="tx1"/>
+              </a:solidFill>
+            </a:ln>
+          </p:spPr>
+          <p:txBody>
+            <a:bodyPr wrap="square" rtlCol="0" anchor="ctr">
+              <a:spAutoFit/>
+            </a:bodyPr>
+            <a:lstStyle/>
+            <a:p>
+              <a:pPr algn="ctr"/>
+              <a:endParaRPr kumimoji="1" lang="ja-JP" altLang="en-US" sz="2400" dirty="0" smtClean="0"/>
+            </a:p>
+          </p:txBody>
+        </p:sp>
+        <p:sp>
+          <p:nvSpPr>
+            <p:cNvPr id="145" name="テキスト ボックス 144"/>
+            <p:cNvSpPr txBox="1"/>
+            <p:nvPr/>
+          </p:nvSpPr>
+          <p:spPr>
+            <a:xfrm flipH="1">
+              <a:off x="3347864" y="663079"/>
+              <a:ext cx="864096" cy="461665"/>
+            </a:xfrm>
+            <a:prstGeom prst="rect">
+              <a:avLst/>
+            </a:prstGeom>
+            <a:noFill/>
+          </p:spPr>
+          <p:txBody>
+            <a:bodyPr wrap="square" rtlCol="0">
+              <a:spAutoFit/>
+            </a:bodyPr>
+            <a:lstStyle/>
+            <a:p>
+              <a:pPr algn="ctr"/>
+              <a:r>
+                <a:rPr kumimoji="1" lang="en-US" altLang="ja-JP" sz="2400" dirty="0" smtClean="0">
+                  <a:latin typeface="Consolas" panose="020B0609020204030204" pitchFamily="49" charset="0"/>
+                </a:rPr>
+                <a:t>dx_2</a:t>
+              </a:r>
+              <a:endParaRPr kumimoji="1" lang="ja-JP" altLang="en-US" sz="2400" dirty="0" smtClean="0">
+                <a:latin typeface="Consolas" panose="020B0609020204030204" pitchFamily="49" charset="0"/>
+              </a:endParaRPr>
+            </a:p>
+          </p:txBody>
+        </p:sp>
+      </p:grpSp>
+      <p:grpSp>
+        <p:nvGrpSpPr>
+          <p:cNvPr id="146" name="グループ化 145"/>
+          <p:cNvGrpSpPr/>
+          <p:nvPr/>
+        </p:nvGrpSpPr>
+        <p:grpSpPr>
+          <a:xfrm>
+            <a:off x="3059832" y="5589240"/>
+            <a:ext cx="864096" cy="720080"/>
+            <a:chOff x="3347864" y="1412776"/>
+            <a:chExt cx="864096" cy="720080"/>
+          </a:xfrm>
+        </p:grpSpPr>
+        <p:sp>
+          <p:nvSpPr>
+            <p:cNvPr id="147" name="正方形/長方形 146"/>
+            <p:cNvSpPr/>
+            <p:nvPr/>
+          </p:nvSpPr>
+          <p:spPr>
+            <a:xfrm>
+              <a:off x="3419872" y="1412776"/>
+              <a:ext cx="720080" cy="720080"/>
+            </a:xfrm>
+            <a:prstGeom prst="rect">
+              <a:avLst/>
+            </a:prstGeom>
+            <a:solidFill>
+              <a:schemeClr val="accent1">
+                <a:lumMod val="20000"/>
+                <a:lumOff val="80000"/>
+              </a:schemeClr>
+            </a:solidFill>
+            <a:ln>
+              <a:solidFill>
+                <a:schemeClr val="tx1"/>
+              </a:solidFill>
+            </a:ln>
+          </p:spPr>
+          <p:txBody>
+            <a:bodyPr wrap="square" rtlCol="0" anchor="ctr">
+              <a:spAutoFit/>
+            </a:bodyPr>
+            <a:lstStyle/>
+            <a:p>
+              <a:pPr algn="ctr"/>
+              <a:endParaRPr kumimoji="1" lang="ja-JP" altLang="en-US" sz="2400" dirty="0" smtClean="0"/>
+            </a:p>
+          </p:txBody>
+        </p:sp>
+        <p:sp>
+          <p:nvSpPr>
+            <p:cNvPr id="148" name="テキスト ボックス 147"/>
+            <p:cNvSpPr txBox="1"/>
+            <p:nvPr/>
+          </p:nvSpPr>
+          <p:spPr>
+            <a:xfrm flipH="1">
+              <a:off x="3347864" y="1527175"/>
+              <a:ext cx="864096" cy="461665"/>
+            </a:xfrm>
+            <a:prstGeom prst="rect">
+              <a:avLst/>
+            </a:prstGeom>
+            <a:noFill/>
+          </p:spPr>
+          <p:txBody>
+            <a:bodyPr wrap="square" rtlCol="0">
+              <a:spAutoFit/>
+            </a:bodyPr>
+            <a:lstStyle/>
+            <a:p>
+              <a:pPr algn="ctr"/>
+              <a:r>
+                <a:rPr kumimoji="1" lang="en-US" altLang="ja-JP" sz="2400" dirty="0" smtClean="0">
+                  <a:latin typeface="Consolas" panose="020B0609020204030204" pitchFamily="49" charset="0"/>
+                </a:rPr>
+                <a:t>dx_3</a:t>
+              </a:r>
+              <a:endParaRPr kumimoji="1" lang="ja-JP" altLang="en-US" sz="2400" dirty="0" smtClean="0">
+                <a:latin typeface="Consolas" panose="020B0609020204030204" pitchFamily="49" charset="0"/>
+              </a:endParaRPr>
+            </a:p>
+          </p:txBody>
+        </p:sp>
+      </p:grpSp>
+      <p:grpSp>
+        <p:nvGrpSpPr>
+          <p:cNvPr id="149" name="グループ化 148"/>
+          <p:cNvGrpSpPr/>
+          <p:nvPr/>
+        </p:nvGrpSpPr>
+        <p:grpSpPr>
+          <a:xfrm>
+            <a:off x="2339752" y="5589240"/>
+            <a:ext cx="864096" cy="720080"/>
+            <a:chOff x="1907704" y="548680"/>
+            <a:chExt cx="864096" cy="720080"/>
+          </a:xfrm>
+        </p:grpSpPr>
+        <p:sp>
+          <p:nvSpPr>
+            <p:cNvPr id="150" name="正方形/長方形 149"/>
+            <p:cNvSpPr/>
+            <p:nvPr/>
+          </p:nvSpPr>
+          <p:spPr>
+            <a:xfrm>
+              <a:off x="1979712" y="548680"/>
+              <a:ext cx="720080" cy="720080"/>
+            </a:xfrm>
+            <a:prstGeom prst="rect">
+              <a:avLst/>
+            </a:prstGeom>
+            <a:solidFill>
+              <a:schemeClr val="accent2">
+                <a:lumMod val="20000"/>
+                <a:lumOff val="80000"/>
+              </a:schemeClr>
+            </a:solidFill>
+            <a:ln>
+              <a:solidFill>
+                <a:schemeClr val="tx1"/>
+              </a:solidFill>
+            </a:ln>
+          </p:spPr>
+          <p:txBody>
+            <a:bodyPr wrap="square" rtlCol="0" anchor="ctr">
+              <a:spAutoFit/>
+            </a:bodyPr>
+            <a:lstStyle/>
+            <a:p>
+              <a:pPr algn="ctr"/>
+              <a:endParaRPr kumimoji="1" lang="ja-JP" altLang="en-US" sz="2400" dirty="0" smtClean="0"/>
+            </a:p>
+          </p:txBody>
+        </p:sp>
+        <p:sp>
+          <p:nvSpPr>
+            <p:cNvPr id="151" name="テキスト ボックス 150"/>
+            <p:cNvSpPr txBox="1"/>
+            <p:nvPr/>
+          </p:nvSpPr>
+          <p:spPr>
+            <a:xfrm flipH="1">
+              <a:off x="1907704" y="663079"/>
+              <a:ext cx="864096" cy="461665"/>
+            </a:xfrm>
+            <a:prstGeom prst="rect">
+              <a:avLst/>
+            </a:prstGeom>
+            <a:noFill/>
+          </p:spPr>
+          <p:txBody>
+            <a:bodyPr wrap="square" rtlCol="0">
+              <a:spAutoFit/>
+            </a:bodyPr>
+            <a:lstStyle/>
+            <a:p>
+              <a:pPr algn="ctr"/>
+              <a:r>
+                <a:rPr kumimoji="1" lang="en-US" altLang="ja-JP" sz="2400" dirty="0" smtClean="0">
+                  <a:latin typeface="Consolas" panose="020B0609020204030204" pitchFamily="49" charset="0"/>
+                </a:rPr>
+                <a:t>dz_2</a:t>
+              </a:r>
+              <a:endParaRPr kumimoji="1" lang="ja-JP" altLang="en-US" sz="2400" dirty="0" smtClean="0">
+                <a:latin typeface="Consolas" panose="020B0609020204030204" pitchFamily="49" charset="0"/>
+              </a:endParaRPr>
+            </a:p>
+          </p:txBody>
+        </p:sp>
+      </p:grpSp>
+      <p:grpSp>
+        <p:nvGrpSpPr>
+          <p:cNvPr id="152" name="グループ化 151"/>
+          <p:cNvGrpSpPr/>
+          <p:nvPr/>
+        </p:nvGrpSpPr>
+        <p:grpSpPr>
+          <a:xfrm>
+            <a:off x="1619672" y="5589240"/>
+            <a:ext cx="864096" cy="720080"/>
+            <a:chOff x="1907704" y="1412776"/>
+            <a:chExt cx="864096" cy="720080"/>
+          </a:xfrm>
+        </p:grpSpPr>
+        <p:sp>
+          <p:nvSpPr>
+            <p:cNvPr id="153" name="正方形/長方形 152"/>
+            <p:cNvSpPr/>
+            <p:nvPr/>
+          </p:nvSpPr>
+          <p:spPr>
+            <a:xfrm>
+              <a:off x="1979712" y="1412776"/>
+              <a:ext cx="720080" cy="720080"/>
+            </a:xfrm>
+            <a:prstGeom prst="rect">
+              <a:avLst/>
+            </a:prstGeom>
+            <a:solidFill>
+              <a:schemeClr val="accent2">
+                <a:lumMod val="20000"/>
+                <a:lumOff val="80000"/>
+              </a:schemeClr>
+            </a:solidFill>
+            <a:ln>
+              <a:solidFill>
+                <a:schemeClr val="tx1"/>
+              </a:solidFill>
+            </a:ln>
+          </p:spPr>
+          <p:txBody>
+            <a:bodyPr wrap="square" rtlCol="0" anchor="ctr">
+              <a:spAutoFit/>
+            </a:bodyPr>
+            <a:lstStyle/>
+            <a:p>
+              <a:pPr algn="ctr"/>
+              <a:endParaRPr kumimoji="1" lang="ja-JP" altLang="en-US" sz="2400" dirty="0" smtClean="0"/>
+            </a:p>
+          </p:txBody>
+        </p:sp>
+        <p:sp>
+          <p:nvSpPr>
+            <p:cNvPr id="154" name="テキスト ボックス 153"/>
+            <p:cNvSpPr txBox="1"/>
+            <p:nvPr/>
+          </p:nvSpPr>
+          <p:spPr>
+            <a:xfrm flipH="1">
+              <a:off x="1907704" y="1527175"/>
+              <a:ext cx="864096" cy="461665"/>
+            </a:xfrm>
+            <a:prstGeom prst="rect">
+              <a:avLst/>
+            </a:prstGeom>
+            <a:noFill/>
+          </p:spPr>
+          <p:txBody>
+            <a:bodyPr wrap="square" rtlCol="0">
+              <a:spAutoFit/>
+            </a:bodyPr>
+            <a:lstStyle/>
+            <a:p>
+              <a:pPr algn="ctr"/>
+              <a:r>
+                <a:rPr kumimoji="1" lang="en-US" altLang="ja-JP" sz="2400" dirty="0" smtClean="0">
+                  <a:latin typeface="Consolas" panose="020B0609020204030204" pitchFamily="49" charset="0"/>
+                </a:rPr>
+                <a:t>dz_3</a:t>
+              </a:r>
+              <a:endParaRPr kumimoji="1" lang="ja-JP" altLang="en-US" sz="2400" dirty="0" smtClean="0">
+                <a:latin typeface="Consolas" panose="020B0609020204030204" pitchFamily="49" charset="0"/>
+              </a:endParaRPr>
+            </a:p>
+          </p:txBody>
+        </p:sp>
+      </p:grpSp>
+      <p:sp>
+        <p:nvSpPr>
+          <p:cNvPr id="155" name="正方形/長方形 154"/>
+          <p:cNvSpPr/>
+          <p:nvPr/>
+        </p:nvSpPr>
+        <p:spPr>
+          <a:xfrm>
+            <a:off x="657423" y="5703639"/>
+            <a:ext cx="864339" cy="461665"/>
+          </a:xfrm>
+          <a:prstGeom prst="rect">
+            <a:avLst/>
+          </a:prstGeom>
+        </p:spPr>
+        <p:txBody>
+          <a:bodyPr wrap="none">
+            <a:spAutoFit/>
+          </a:bodyPr>
+          <a:lstStyle/>
+          <a:p>
+            <a:r>
+              <a:rPr lang="en-US" altLang="ja-JP" sz="2400" b="0" dirty="0" smtClean="0">
+                <a:effectLst/>
+                <a:latin typeface="Consolas" panose="020B0609020204030204" pitchFamily="49" charset="0"/>
+              </a:rPr>
+              <a:t>tmp2</a:t>
+            </a:r>
+            <a:endParaRPr lang="en-US" altLang="ja-JP" sz="2400" b="0" dirty="0">
+              <a:effectLst/>
+              <a:latin typeface="Consolas" panose="020B0609020204030204" pitchFamily="49" charset="0"/>
+            </a:endParaRPr>
+          </a:p>
+        </p:txBody>
+      </p:sp>
+      <p:grpSp>
+        <p:nvGrpSpPr>
+          <p:cNvPr id="156" name="グループ化 155"/>
+          <p:cNvGrpSpPr/>
+          <p:nvPr/>
+        </p:nvGrpSpPr>
+        <p:grpSpPr>
+          <a:xfrm>
+            <a:off x="8100392" y="5589240"/>
+            <a:ext cx="864096" cy="720080"/>
+            <a:chOff x="2627784" y="548680"/>
+            <a:chExt cx="864096" cy="720080"/>
+          </a:xfrm>
+        </p:grpSpPr>
+        <p:sp>
+          <p:nvSpPr>
+            <p:cNvPr id="157" name="正方形/長方形 156"/>
+            <p:cNvSpPr/>
+            <p:nvPr/>
+          </p:nvSpPr>
+          <p:spPr>
+            <a:xfrm>
+              <a:off x="2699792" y="548680"/>
+              <a:ext cx="720080" cy="720080"/>
+            </a:xfrm>
+            <a:prstGeom prst="rect">
+              <a:avLst/>
+            </a:prstGeom>
+            <a:solidFill>
+              <a:schemeClr val="accent6">
+                <a:lumMod val="20000"/>
+                <a:lumOff val="80000"/>
+              </a:schemeClr>
+            </a:solidFill>
+            <a:ln>
+              <a:solidFill>
+                <a:schemeClr val="tx1"/>
+              </a:solidFill>
+            </a:ln>
+          </p:spPr>
+          <p:txBody>
+            <a:bodyPr wrap="square" rtlCol="0" anchor="ctr">
+              <a:spAutoFit/>
+            </a:bodyPr>
+            <a:lstStyle/>
+            <a:p>
+              <a:pPr algn="ctr"/>
+              <a:endParaRPr kumimoji="1" lang="ja-JP" altLang="en-US" sz="2400" dirty="0" smtClean="0"/>
+            </a:p>
+          </p:txBody>
+        </p:sp>
+        <p:sp>
+          <p:nvSpPr>
+            <p:cNvPr id="158" name="テキスト ボックス 157"/>
+            <p:cNvSpPr txBox="1"/>
+            <p:nvPr/>
+          </p:nvSpPr>
+          <p:spPr>
+            <a:xfrm flipH="1">
+              <a:off x="2627784" y="663079"/>
+              <a:ext cx="864096" cy="461665"/>
+            </a:xfrm>
+            <a:prstGeom prst="rect">
+              <a:avLst/>
+            </a:prstGeom>
+            <a:noFill/>
+          </p:spPr>
+          <p:txBody>
+            <a:bodyPr wrap="square" rtlCol="0">
+              <a:spAutoFit/>
+            </a:bodyPr>
+            <a:lstStyle/>
+            <a:p>
+              <a:pPr algn="ctr"/>
+              <a:r>
+                <a:rPr kumimoji="1" lang="en-US" altLang="ja-JP" sz="2400" dirty="0" smtClean="0">
+                  <a:latin typeface="Consolas" panose="020B0609020204030204" pitchFamily="49" charset="0"/>
+                </a:rPr>
+                <a:t>dy_2</a:t>
+              </a:r>
+              <a:endParaRPr kumimoji="1" lang="ja-JP" altLang="en-US" sz="2400" dirty="0" smtClean="0">
+                <a:latin typeface="Consolas" panose="020B0609020204030204" pitchFamily="49" charset="0"/>
+              </a:endParaRPr>
+            </a:p>
+          </p:txBody>
+        </p:sp>
+      </p:grpSp>
+      <p:grpSp>
+        <p:nvGrpSpPr>
+          <p:cNvPr id="159" name="グループ化 158"/>
+          <p:cNvGrpSpPr/>
+          <p:nvPr/>
+        </p:nvGrpSpPr>
+        <p:grpSpPr>
+          <a:xfrm>
+            <a:off x="6732240" y="5589240"/>
+            <a:ext cx="720080" cy="720080"/>
+            <a:chOff x="1259632" y="548680"/>
+            <a:chExt cx="720080" cy="720080"/>
+          </a:xfrm>
+        </p:grpSpPr>
+        <p:sp>
+          <p:nvSpPr>
+            <p:cNvPr id="160" name="正方形/長方形 159"/>
+            <p:cNvSpPr/>
+            <p:nvPr/>
+          </p:nvSpPr>
+          <p:spPr>
+            <a:xfrm>
+              <a:off x="1259632" y="548680"/>
+              <a:ext cx="720080" cy="720080"/>
+            </a:xfrm>
+            <a:prstGeom prst="rect">
+              <a:avLst/>
+            </a:prstGeom>
+            <a:noFill/>
+            <a:ln>
+              <a:solidFill>
+                <a:schemeClr val="tx1"/>
+              </a:solidFill>
+            </a:ln>
+          </p:spPr>
+          <p:txBody>
+            <a:bodyPr wrap="square" rtlCol="0" anchor="ctr">
+              <a:spAutoFit/>
+            </a:bodyPr>
+            <a:lstStyle/>
+            <a:p>
+              <a:pPr algn="ctr"/>
+              <a:endParaRPr kumimoji="1" lang="ja-JP" altLang="en-US" sz="2400" dirty="0" smtClean="0"/>
+            </a:p>
+          </p:txBody>
+        </p:sp>
+        <p:sp>
+          <p:nvSpPr>
+            <p:cNvPr id="161" name="テキスト ボックス 160"/>
+            <p:cNvSpPr txBox="1"/>
+            <p:nvPr/>
+          </p:nvSpPr>
+          <p:spPr>
+            <a:xfrm flipH="1">
+              <a:off x="1331640" y="663079"/>
+              <a:ext cx="576064" cy="461665"/>
+            </a:xfrm>
+            <a:prstGeom prst="rect">
+              <a:avLst/>
+            </a:prstGeom>
+            <a:noFill/>
+          </p:spPr>
+          <p:txBody>
+            <a:bodyPr wrap="square" rtlCol="0">
+              <a:spAutoFit/>
+            </a:bodyPr>
+            <a:lstStyle/>
+            <a:p>
+              <a:pPr algn="ctr"/>
+              <a:r>
+                <a:rPr kumimoji="1" lang="en-US" altLang="ja-JP" sz="2400" dirty="0" smtClean="0">
+                  <a:latin typeface="Consolas" panose="020B0609020204030204" pitchFamily="49" charset="0"/>
+                </a:rPr>
+                <a:t>0</a:t>
+              </a:r>
+              <a:endParaRPr kumimoji="1" lang="ja-JP" altLang="en-US" sz="2400" dirty="0" smtClean="0">
+                <a:latin typeface="Consolas" panose="020B0609020204030204" pitchFamily="49" charset="0"/>
+              </a:endParaRPr>
+            </a:p>
+          </p:txBody>
+        </p:sp>
+      </p:grpSp>
+      <p:grpSp>
+        <p:nvGrpSpPr>
+          <p:cNvPr id="162" name="グループ化 161"/>
+          <p:cNvGrpSpPr/>
+          <p:nvPr/>
+        </p:nvGrpSpPr>
+        <p:grpSpPr>
+          <a:xfrm>
+            <a:off x="7380312" y="5589240"/>
+            <a:ext cx="864096" cy="720080"/>
+            <a:chOff x="2627784" y="1412776"/>
+            <a:chExt cx="864096" cy="720080"/>
+          </a:xfrm>
+        </p:grpSpPr>
+        <p:sp>
+          <p:nvSpPr>
+            <p:cNvPr id="163" name="正方形/長方形 162"/>
+            <p:cNvSpPr/>
+            <p:nvPr/>
+          </p:nvSpPr>
+          <p:spPr>
+            <a:xfrm>
+              <a:off x="2699792" y="1412776"/>
+              <a:ext cx="720080" cy="720080"/>
+            </a:xfrm>
+            <a:prstGeom prst="rect">
+              <a:avLst/>
+            </a:prstGeom>
+            <a:solidFill>
+              <a:schemeClr val="accent6">
+                <a:lumMod val="20000"/>
+                <a:lumOff val="80000"/>
+              </a:schemeClr>
+            </a:solidFill>
+            <a:ln>
+              <a:solidFill>
+                <a:schemeClr val="tx1"/>
+              </a:solidFill>
+            </a:ln>
+          </p:spPr>
+          <p:txBody>
+            <a:bodyPr wrap="square" rtlCol="0" anchor="ctr">
+              <a:spAutoFit/>
+            </a:bodyPr>
+            <a:lstStyle/>
+            <a:p>
+              <a:pPr algn="ctr"/>
+              <a:endParaRPr kumimoji="1" lang="ja-JP" altLang="en-US" sz="2400" dirty="0" smtClean="0"/>
+            </a:p>
+          </p:txBody>
+        </p:sp>
+        <p:sp>
+          <p:nvSpPr>
+            <p:cNvPr id="164" name="テキスト ボックス 163"/>
+            <p:cNvSpPr txBox="1"/>
+            <p:nvPr/>
+          </p:nvSpPr>
+          <p:spPr>
+            <a:xfrm flipH="1">
+              <a:off x="2627784" y="1527175"/>
+              <a:ext cx="864096" cy="461665"/>
+            </a:xfrm>
+            <a:prstGeom prst="rect">
+              <a:avLst/>
+            </a:prstGeom>
+            <a:noFill/>
+          </p:spPr>
+          <p:txBody>
+            <a:bodyPr wrap="square" rtlCol="0">
+              <a:spAutoFit/>
+            </a:bodyPr>
+            <a:lstStyle/>
+            <a:p>
+              <a:pPr algn="ctr"/>
+              <a:r>
+                <a:rPr kumimoji="1" lang="en-US" altLang="ja-JP" sz="2400" dirty="0" smtClean="0">
+                  <a:latin typeface="Consolas" panose="020B0609020204030204" pitchFamily="49" charset="0"/>
+                </a:rPr>
+                <a:t>dy_3</a:t>
+              </a:r>
+              <a:endParaRPr kumimoji="1" lang="ja-JP" altLang="en-US" sz="2400" dirty="0" smtClean="0">
+                <a:latin typeface="Consolas" panose="020B0609020204030204" pitchFamily="49" charset="0"/>
+              </a:endParaRPr>
+            </a:p>
+          </p:txBody>
+        </p:sp>
+      </p:grpSp>
+      <p:grpSp>
+        <p:nvGrpSpPr>
+          <p:cNvPr id="165" name="グループ化 164"/>
+          <p:cNvGrpSpPr/>
+          <p:nvPr/>
+        </p:nvGrpSpPr>
+        <p:grpSpPr>
+          <a:xfrm>
+            <a:off x="6012160" y="5589240"/>
+            <a:ext cx="720080" cy="720080"/>
+            <a:chOff x="1259632" y="1412776"/>
+            <a:chExt cx="720080" cy="720080"/>
+          </a:xfrm>
+        </p:grpSpPr>
+        <p:sp>
+          <p:nvSpPr>
+            <p:cNvPr id="166" name="正方形/長方形 165"/>
+            <p:cNvSpPr/>
+            <p:nvPr/>
+          </p:nvSpPr>
+          <p:spPr>
+            <a:xfrm>
+              <a:off x="1259632" y="1412776"/>
+              <a:ext cx="720080" cy="720080"/>
+            </a:xfrm>
+            <a:prstGeom prst="rect">
+              <a:avLst/>
+            </a:prstGeom>
+            <a:noFill/>
+            <a:ln>
+              <a:solidFill>
+                <a:schemeClr val="tx1"/>
+              </a:solidFill>
+            </a:ln>
+          </p:spPr>
+          <p:txBody>
+            <a:bodyPr wrap="square" rtlCol="0" anchor="ctr">
+              <a:spAutoFit/>
+            </a:bodyPr>
+            <a:lstStyle/>
+            <a:p>
+              <a:pPr algn="ctr"/>
+              <a:endParaRPr kumimoji="1" lang="ja-JP" altLang="en-US" sz="2400" dirty="0" smtClean="0"/>
+            </a:p>
+          </p:txBody>
+        </p:sp>
+        <p:sp>
+          <p:nvSpPr>
+            <p:cNvPr id="167" name="テキスト ボックス 166"/>
+            <p:cNvSpPr txBox="1"/>
+            <p:nvPr/>
+          </p:nvSpPr>
+          <p:spPr>
+            <a:xfrm flipH="1">
+              <a:off x="1331640" y="1527175"/>
+              <a:ext cx="576064" cy="461665"/>
+            </a:xfrm>
+            <a:prstGeom prst="rect">
+              <a:avLst/>
+            </a:prstGeom>
+            <a:noFill/>
+          </p:spPr>
+          <p:txBody>
+            <a:bodyPr wrap="square" rtlCol="0">
+              <a:spAutoFit/>
+            </a:bodyPr>
+            <a:lstStyle/>
+            <a:p>
+              <a:pPr algn="ctr"/>
+              <a:r>
+                <a:rPr kumimoji="1" lang="en-US" altLang="ja-JP" sz="2400" dirty="0" smtClean="0">
+                  <a:latin typeface="Consolas" panose="020B0609020204030204" pitchFamily="49" charset="0"/>
+                </a:rPr>
+                <a:t>0</a:t>
+              </a:r>
+              <a:endParaRPr kumimoji="1" lang="ja-JP" altLang="en-US" sz="2400" dirty="0" smtClean="0">
+                <a:latin typeface="Consolas" panose="020B0609020204030204" pitchFamily="49" charset="0"/>
+              </a:endParaRPr>
+            </a:p>
+          </p:txBody>
+        </p:sp>
+      </p:grpSp>
+      <p:sp>
+        <p:nvSpPr>
+          <p:cNvPr id="168" name="正方形/長方形 167"/>
+          <p:cNvSpPr/>
+          <p:nvPr/>
+        </p:nvSpPr>
+        <p:spPr>
+          <a:xfrm>
+            <a:off x="5003805" y="5703639"/>
+            <a:ext cx="864339" cy="461665"/>
+          </a:xfrm>
+          <a:prstGeom prst="rect">
+            <a:avLst/>
+          </a:prstGeom>
+        </p:spPr>
+        <p:txBody>
+          <a:bodyPr wrap="none">
+            <a:spAutoFit/>
+          </a:bodyPr>
+          <a:lstStyle/>
+          <a:p>
+            <a:r>
+              <a:rPr lang="en-US" altLang="ja-JP" sz="2400" b="0" dirty="0" smtClean="0">
+                <a:effectLst/>
+                <a:latin typeface="Consolas" panose="020B0609020204030204" pitchFamily="49" charset="0"/>
+              </a:rPr>
+              <a:t>tmp3</a:t>
+            </a:r>
+            <a:endParaRPr lang="en-US" altLang="ja-JP" sz="2400" b="0" dirty="0">
+              <a:effectLst/>
+              <a:latin typeface="Consolas" panose="020B0609020204030204" pitchFamily="49" charset="0"/>
+            </a:endParaRPr>
+          </a:p>
+        </p:txBody>
+      </p:sp>
+      <p:sp>
+        <p:nvSpPr>
+          <p:cNvPr id="169" name="正方形/長方形 168"/>
+          <p:cNvSpPr/>
+          <p:nvPr/>
+        </p:nvSpPr>
+        <p:spPr>
+          <a:xfrm>
+            <a:off x="2267744" y="476672"/>
+            <a:ext cx="1701107" cy="584775"/>
+          </a:xfrm>
+          <a:prstGeom prst="rect">
+            <a:avLst/>
+          </a:prstGeom>
+        </p:spPr>
+        <p:txBody>
+          <a:bodyPr wrap="none">
+            <a:spAutoFit/>
+          </a:bodyPr>
+          <a:lstStyle/>
+          <a:p>
+            <a:r>
+              <a:rPr lang="ja-JP" altLang="en-US" sz="3200" dirty="0"/>
+              <a:t>unpacklo</a:t>
+            </a:r>
+          </a:p>
+        </p:txBody>
+      </p:sp>
+      <p:sp>
+        <p:nvSpPr>
+          <p:cNvPr id="170" name="正方形/長方形 169"/>
+          <p:cNvSpPr/>
+          <p:nvPr/>
+        </p:nvSpPr>
+        <p:spPr>
+          <a:xfrm>
+            <a:off x="6516216" y="404664"/>
+            <a:ext cx="1701107" cy="584775"/>
+          </a:xfrm>
+          <a:prstGeom prst="rect">
+            <a:avLst/>
+          </a:prstGeom>
+        </p:spPr>
+        <p:txBody>
+          <a:bodyPr wrap="none">
+            <a:spAutoFit/>
+          </a:bodyPr>
+          <a:lstStyle/>
+          <a:p>
+            <a:r>
+              <a:rPr lang="ja-JP" altLang="en-US" sz="3200" dirty="0" smtClean="0"/>
+              <a:t>unpack</a:t>
+            </a:r>
+            <a:r>
+              <a:rPr lang="en-US" altLang="ja-JP" sz="3200" dirty="0" smtClean="0"/>
+              <a:t>hi</a:t>
+            </a:r>
+            <a:endParaRPr lang="ja-JP" altLang="en-US" sz="3200" dirty="0"/>
+          </a:p>
+        </p:txBody>
+      </p:sp>
+    </p:spTree>
+    <p:extLst>
+      <p:ext uri="{BB962C8B-B14F-4D97-AF65-F5344CB8AC3E}">
+        <p14:creationId xmlns:p14="http://schemas.microsoft.com/office/powerpoint/2010/main" val="1072320227"/>
+      </p:ext>
+    </p:extLst>
+  </p:cSld>
+  <p:clrMapOvr>
+    <a:masterClrMapping/>
+  </p:clrMapOvr>
+</p:sld>
+</file>
+
+<file path=ppt/slides/slide4.xml><?xml version="1.0" encoding="utf-8"?>
+<p:sld xmlns:a="http://schemas.openxmlformats.org/drawingml/2006/main" xmlns:r="http://schemas.openxmlformats.org/officeDocument/2006/relationships" xmlns:p="http://schemas.openxmlformats.org/presentationml/2006/main">
+  <p:cSld>
+    <p:spTree>
+      <p:nvGrpSpPr>
+        <p:cNvPr id="1" name=""/>
+        <p:cNvGrpSpPr/>
+        <p:nvPr/>
+      </p:nvGrpSpPr>
+      <p:grpSpPr>
+        <a:xfrm>
+          <a:off x="0" y="0"/>
+          <a:ext cx="0" cy="0"/>
+          <a:chOff x="0" y="0"/>
+          <a:chExt cx="0" cy="0"/>
+        </a:xfrm>
+      </p:grpSpPr>
+      <p:grpSp>
+        <p:nvGrpSpPr>
+          <p:cNvPr id="2" name="グループ化 1"/>
+          <p:cNvGrpSpPr/>
+          <p:nvPr/>
+        </p:nvGrpSpPr>
+        <p:grpSpPr>
+          <a:xfrm>
+            <a:off x="3491880" y="1599183"/>
+            <a:ext cx="864096" cy="720080"/>
+            <a:chOff x="3347864" y="548680"/>
+            <a:chExt cx="864096" cy="720080"/>
+          </a:xfrm>
+        </p:grpSpPr>
+        <p:sp>
+          <p:nvSpPr>
+            <p:cNvPr id="3" name="正方形/長方形 2"/>
+            <p:cNvSpPr/>
+            <p:nvPr/>
+          </p:nvSpPr>
+          <p:spPr>
+            <a:xfrm>
+              <a:off x="3419872" y="548680"/>
+              <a:ext cx="720080" cy="720080"/>
+            </a:xfrm>
+            <a:prstGeom prst="rect">
+              <a:avLst/>
+            </a:prstGeom>
+            <a:solidFill>
+              <a:schemeClr val="accent1">
+                <a:lumMod val="20000"/>
+                <a:lumOff val="80000"/>
+              </a:schemeClr>
+            </a:solidFill>
+            <a:ln>
+              <a:solidFill>
+                <a:schemeClr val="tx1"/>
+              </a:solidFill>
+            </a:ln>
+          </p:spPr>
+          <p:txBody>
+            <a:bodyPr wrap="square" rtlCol="0" anchor="ctr">
+              <a:spAutoFit/>
+            </a:bodyPr>
+            <a:lstStyle/>
+            <a:p>
+              <a:pPr algn="ctr"/>
+              <a:endParaRPr kumimoji="1" lang="ja-JP" altLang="en-US" sz="2400" dirty="0" smtClean="0"/>
+            </a:p>
+          </p:txBody>
+        </p:sp>
+        <p:sp>
+          <p:nvSpPr>
+            <p:cNvPr id="4" name="テキスト ボックス 3"/>
+            <p:cNvSpPr txBox="1"/>
+            <p:nvPr/>
+          </p:nvSpPr>
+          <p:spPr>
+            <a:xfrm flipH="1">
+              <a:off x="3347864" y="663079"/>
+              <a:ext cx="864096" cy="461665"/>
+            </a:xfrm>
+            <a:prstGeom prst="rect">
+              <a:avLst/>
+            </a:prstGeom>
+            <a:noFill/>
+          </p:spPr>
+          <p:txBody>
+            <a:bodyPr wrap="square" rtlCol="0">
+              <a:spAutoFit/>
+            </a:bodyPr>
+            <a:lstStyle/>
+            <a:p>
+              <a:pPr algn="ctr"/>
+              <a:r>
+                <a:rPr kumimoji="1" lang="en-US" altLang="ja-JP" sz="2400" dirty="0" smtClean="0">
+                  <a:latin typeface="Consolas" panose="020B0609020204030204" pitchFamily="49" charset="0"/>
+                </a:rPr>
+                <a:t>dx_0</a:t>
+              </a:r>
+              <a:endParaRPr kumimoji="1" lang="ja-JP" altLang="en-US" sz="2400" dirty="0" smtClean="0">
+                <a:latin typeface="Consolas" panose="020B0609020204030204" pitchFamily="49" charset="0"/>
+              </a:endParaRPr>
+            </a:p>
+          </p:txBody>
+        </p:sp>
+      </p:grpSp>
+      <p:grpSp>
+        <p:nvGrpSpPr>
+          <p:cNvPr id="5" name="グループ化 4"/>
+          <p:cNvGrpSpPr/>
+          <p:nvPr/>
+        </p:nvGrpSpPr>
+        <p:grpSpPr>
+          <a:xfrm>
+            <a:off x="2771800" y="1599183"/>
+            <a:ext cx="864096" cy="720080"/>
+            <a:chOff x="3347864" y="1412776"/>
+            <a:chExt cx="864096" cy="720080"/>
+          </a:xfrm>
+        </p:grpSpPr>
+        <p:sp>
+          <p:nvSpPr>
+            <p:cNvPr id="6" name="正方形/長方形 5"/>
+            <p:cNvSpPr/>
+            <p:nvPr/>
+          </p:nvSpPr>
+          <p:spPr>
+            <a:xfrm>
+              <a:off x="3419872" y="1412776"/>
+              <a:ext cx="720080" cy="720080"/>
+            </a:xfrm>
+            <a:prstGeom prst="rect">
+              <a:avLst/>
+            </a:prstGeom>
+            <a:solidFill>
+              <a:schemeClr val="accent1">
+                <a:lumMod val="20000"/>
+                <a:lumOff val="80000"/>
+              </a:schemeClr>
+            </a:solidFill>
+            <a:ln>
+              <a:solidFill>
+                <a:schemeClr val="tx1"/>
+              </a:solidFill>
+            </a:ln>
+          </p:spPr>
+          <p:txBody>
+            <a:bodyPr wrap="square" rtlCol="0" anchor="ctr">
+              <a:spAutoFit/>
+            </a:bodyPr>
+            <a:lstStyle/>
+            <a:p>
+              <a:pPr algn="ctr"/>
+              <a:endParaRPr kumimoji="1" lang="ja-JP" altLang="en-US" sz="2400" dirty="0" smtClean="0"/>
+            </a:p>
+          </p:txBody>
+        </p:sp>
+        <p:sp>
+          <p:nvSpPr>
+            <p:cNvPr id="7" name="テキスト ボックス 6"/>
+            <p:cNvSpPr txBox="1"/>
+            <p:nvPr/>
+          </p:nvSpPr>
+          <p:spPr>
+            <a:xfrm flipH="1">
+              <a:off x="3347864" y="1527175"/>
+              <a:ext cx="864096" cy="461665"/>
+            </a:xfrm>
+            <a:prstGeom prst="rect">
+              <a:avLst/>
+            </a:prstGeom>
+            <a:noFill/>
+          </p:spPr>
+          <p:txBody>
+            <a:bodyPr wrap="square" rtlCol="0">
+              <a:spAutoFit/>
+            </a:bodyPr>
+            <a:lstStyle/>
+            <a:p>
+              <a:pPr algn="ctr"/>
+              <a:r>
+                <a:rPr kumimoji="1" lang="en-US" altLang="ja-JP" sz="2400" dirty="0" smtClean="0">
+                  <a:latin typeface="Consolas" panose="020B0609020204030204" pitchFamily="49" charset="0"/>
+                </a:rPr>
+                <a:t>dx_1</a:t>
+              </a:r>
+              <a:endParaRPr kumimoji="1" lang="ja-JP" altLang="en-US" sz="2400" dirty="0" smtClean="0">
+                <a:latin typeface="Consolas" panose="020B0609020204030204" pitchFamily="49" charset="0"/>
+              </a:endParaRPr>
+            </a:p>
+          </p:txBody>
+        </p:sp>
+      </p:grpSp>
+      <p:grpSp>
+        <p:nvGrpSpPr>
+          <p:cNvPr id="8" name="グループ化 7"/>
+          <p:cNvGrpSpPr/>
+          <p:nvPr/>
+        </p:nvGrpSpPr>
+        <p:grpSpPr>
+          <a:xfrm>
+            <a:off x="2051720" y="1599183"/>
+            <a:ext cx="864096" cy="720080"/>
+            <a:chOff x="1907704" y="548680"/>
+            <a:chExt cx="864096" cy="720080"/>
+          </a:xfrm>
+        </p:grpSpPr>
+        <p:sp>
+          <p:nvSpPr>
+            <p:cNvPr id="9" name="正方形/長方形 8"/>
+            <p:cNvSpPr/>
+            <p:nvPr/>
+          </p:nvSpPr>
+          <p:spPr>
+            <a:xfrm>
+              <a:off x="1979712" y="548680"/>
+              <a:ext cx="720080" cy="720080"/>
+            </a:xfrm>
+            <a:prstGeom prst="rect">
+              <a:avLst/>
+            </a:prstGeom>
+            <a:solidFill>
+              <a:schemeClr val="accent2">
+                <a:lumMod val="20000"/>
+                <a:lumOff val="80000"/>
+              </a:schemeClr>
+            </a:solidFill>
+            <a:ln>
+              <a:solidFill>
+                <a:schemeClr val="tx1"/>
+              </a:solidFill>
+            </a:ln>
+          </p:spPr>
+          <p:txBody>
+            <a:bodyPr wrap="square" rtlCol="0" anchor="ctr">
+              <a:spAutoFit/>
+            </a:bodyPr>
+            <a:lstStyle/>
+            <a:p>
+              <a:pPr algn="ctr"/>
+              <a:endParaRPr kumimoji="1" lang="ja-JP" altLang="en-US" sz="2400" dirty="0" smtClean="0"/>
+            </a:p>
+          </p:txBody>
+        </p:sp>
+        <p:sp>
+          <p:nvSpPr>
+            <p:cNvPr id="10" name="テキスト ボックス 9"/>
+            <p:cNvSpPr txBox="1"/>
+            <p:nvPr/>
+          </p:nvSpPr>
+          <p:spPr>
+            <a:xfrm flipH="1">
+              <a:off x="1907704" y="663079"/>
+              <a:ext cx="864096" cy="461665"/>
+            </a:xfrm>
+            <a:prstGeom prst="rect">
+              <a:avLst/>
+            </a:prstGeom>
+            <a:noFill/>
+          </p:spPr>
+          <p:txBody>
+            <a:bodyPr wrap="square" rtlCol="0">
+              <a:spAutoFit/>
+            </a:bodyPr>
+            <a:lstStyle/>
+            <a:p>
+              <a:pPr algn="ctr"/>
+              <a:r>
+                <a:rPr kumimoji="1" lang="en-US" altLang="ja-JP" sz="2400" dirty="0" smtClean="0">
+                  <a:latin typeface="Consolas" panose="020B0609020204030204" pitchFamily="49" charset="0"/>
+                </a:rPr>
+                <a:t>dz_0</a:t>
+              </a:r>
+              <a:endParaRPr kumimoji="1" lang="ja-JP" altLang="en-US" sz="2400" dirty="0" smtClean="0">
+                <a:latin typeface="Consolas" panose="020B0609020204030204" pitchFamily="49" charset="0"/>
+              </a:endParaRPr>
+            </a:p>
+          </p:txBody>
+        </p:sp>
+      </p:grpSp>
+      <p:grpSp>
+        <p:nvGrpSpPr>
+          <p:cNvPr id="11" name="グループ化 10"/>
+          <p:cNvGrpSpPr/>
+          <p:nvPr/>
+        </p:nvGrpSpPr>
+        <p:grpSpPr>
+          <a:xfrm>
+            <a:off x="1331640" y="1599183"/>
+            <a:ext cx="864096" cy="720080"/>
+            <a:chOff x="1907704" y="1412776"/>
+            <a:chExt cx="864096" cy="720080"/>
+          </a:xfrm>
+        </p:grpSpPr>
+        <p:sp>
+          <p:nvSpPr>
+            <p:cNvPr id="12" name="正方形/長方形 11"/>
+            <p:cNvSpPr/>
+            <p:nvPr/>
+          </p:nvSpPr>
+          <p:spPr>
+            <a:xfrm>
+              <a:off x="1979712" y="1412776"/>
+              <a:ext cx="720080" cy="720080"/>
+            </a:xfrm>
+            <a:prstGeom prst="rect">
+              <a:avLst/>
+            </a:prstGeom>
+            <a:solidFill>
+              <a:schemeClr val="accent2">
+                <a:lumMod val="20000"/>
+                <a:lumOff val="80000"/>
+              </a:schemeClr>
+            </a:solidFill>
+            <a:ln>
+              <a:solidFill>
+                <a:schemeClr val="tx1"/>
+              </a:solidFill>
+            </a:ln>
+          </p:spPr>
+          <p:txBody>
+            <a:bodyPr wrap="square" rtlCol="0" anchor="ctr">
+              <a:spAutoFit/>
+            </a:bodyPr>
+            <a:lstStyle/>
+            <a:p>
+              <a:pPr algn="ctr"/>
+              <a:endParaRPr kumimoji="1" lang="ja-JP" altLang="en-US" sz="2400" dirty="0" smtClean="0"/>
+            </a:p>
+          </p:txBody>
+        </p:sp>
+        <p:sp>
+          <p:nvSpPr>
+            <p:cNvPr id="13" name="テキスト ボックス 12"/>
+            <p:cNvSpPr txBox="1"/>
+            <p:nvPr/>
+          </p:nvSpPr>
+          <p:spPr>
+            <a:xfrm flipH="1">
+              <a:off x="1907704" y="1527175"/>
+              <a:ext cx="864096" cy="461665"/>
+            </a:xfrm>
+            <a:prstGeom prst="rect">
+              <a:avLst/>
+            </a:prstGeom>
+            <a:noFill/>
+          </p:spPr>
+          <p:txBody>
+            <a:bodyPr wrap="square" rtlCol="0">
+              <a:spAutoFit/>
+            </a:bodyPr>
+            <a:lstStyle/>
+            <a:p>
+              <a:pPr algn="ctr"/>
+              <a:r>
+                <a:rPr kumimoji="1" lang="en-US" altLang="ja-JP" sz="2400" dirty="0" smtClean="0">
+                  <a:latin typeface="Consolas" panose="020B0609020204030204" pitchFamily="49" charset="0"/>
+                </a:rPr>
+                <a:t>dz_1</a:t>
+              </a:r>
+              <a:endParaRPr kumimoji="1" lang="ja-JP" altLang="en-US" sz="2400" dirty="0" smtClean="0">
+                <a:latin typeface="Consolas" panose="020B0609020204030204" pitchFamily="49" charset="0"/>
+              </a:endParaRPr>
+            </a:p>
+          </p:txBody>
+        </p:sp>
+      </p:grpSp>
+      <p:sp>
+        <p:nvSpPr>
+          <p:cNvPr id="14" name="正方形/長方形 13"/>
+          <p:cNvSpPr/>
+          <p:nvPr/>
+        </p:nvSpPr>
+        <p:spPr>
+          <a:xfrm>
+            <a:off x="369391" y="1713582"/>
+            <a:ext cx="864339" cy="461665"/>
+          </a:xfrm>
+          <a:prstGeom prst="rect">
+            <a:avLst/>
+          </a:prstGeom>
+        </p:spPr>
+        <p:txBody>
+          <a:bodyPr wrap="none">
+            <a:spAutoFit/>
+          </a:bodyPr>
+          <a:lstStyle/>
+          <a:p>
+            <a:r>
+              <a:rPr lang="en-US" altLang="ja-JP" sz="2400" b="0" dirty="0" smtClean="0">
+                <a:effectLst/>
+                <a:latin typeface="Consolas" panose="020B0609020204030204" pitchFamily="49" charset="0"/>
+              </a:rPr>
+              <a:t>tmp0</a:t>
+            </a:r>
+            <a:endParaRPr lang="en-US" altLang="ja-JP" sz="2400" b="0" dirty="0">
+              <a:effectLst/>
+              <a:latin typeface="Consolas" panose="020B0609020204030204" pitchFamily="49" charset="0"/>
+            </a:endParaRPr>
+          </a:p>
+        </p:txBody>
+      </p:sp>
+      <p:grpSp>
+        <p:nvGrpSpPr>
+          <p:cNvPr id="15" name="グループ化 14"/>
+          <p:cNvGrpSpPr/>
+          <p:nvPr/>
+        </p:nvGrpSpPr>
+        <p:grpSpPr>
+          <a:xfrm>
+            <a:off x="3491880" y="4479503"/>
+            <a:ext cx="864096" cy="720080"/>
+            <a:chOff x="3347864" y="548680"/>
+            <a:chExt cx="864096" cy="720080"/>
+          </a:xfrm>
+        </p:grpSpPr>
+        <p:sp>
+          <p:nvSpPr>
+            <p:cNvPr id="16" name="正方形/長方形 15"/>
+            <p:cNvSpPr/>
+            <p:nvPr/>
+          </p:nvSpPr>
+          <p:spPr>
+            <a:xfrm>
+              <a:off x="3419872" y="548680"/>
+              <a:ext cx="720080" cy="720080"/>
+            </a:xfrm>
+            <a:prstGeom prst="rect">
+              <a:avLst/>
+            </a:prstGeom>
+            <a:solidFill>
+              <a:schemeClr val="accent1">
+                <a:lumMod val="20000"/>
+                <a:lumOff val="80000"/>
+              </a:schemeClr>
+            </a:solidFill>
+            <a:ln>
+              <a:solidFill>
+                <a:schemeClr val="tx1"/>
+              </a:solidFill>
+            </a:ln>
+          </p:spPr>
+          <p:txBody>
+            <a:bodyPr wrap="square" rtlCol="0" anchor="ctr">
+              <a:spAutoFit/>
+            </a:bodyPr>
+            <a:lstStyle/>
+            <a:p>
+              <a:pPr algn="ctr"/>
+              <a:endParaRPr kumimoji="1" lang="ja-JP" altLang="en-US" sz="2400" dirty="0" smtClean="0"/>
+            </a:p>
+          </p:txBody>
+        </p:sp>
+        <p:sp>
+          <p:nvSpPr>
+            <p:cNvPr id="17" name="テキスト ボックス 16"/>
+            <p:cNvSpPr txBox="1"/>
+            <p:nvPr/>
+          </p:nvSpPr>
+          <p:spPr>
+            <a:xfrm flipH="1">
+              <a:off x="3347864" y="663079"/>
+              <a:ext cx="864096" cy="461665"/>
+            </a:xfrm>
+            <a:prstGeom prst="rect">
+              <a:avLst/>
+            </a:prstGeom>
+            <a:noFill/>
+          </p:spPr>
+          <p:txBody>
+            <a:bodyPr wrap="square" rtlCol="0">
+              <a:spAutoFit/>
+            </a:bodyPr>
+            <a:lstStyle/>
+            <a:p>
+              <a:pPr algn="ctr"/>
+              <a:r>
+                <a:rPr kumimoji="1" lang="en-US" altLang="ja-JP" sz="2400" dirty="0" smtClean="0">
+                  <a:latin typeface="Consolas" panose="020B0609020204030204" pitchFamily="49" charset="0"/>
+                </a:rPr>
+                <a:t>dx_2</a:t>
+              </a:r>
+              <a:endParaRPr kumimoji="1" lang="ja-JP" altLang="en-US" sz="2400" dirty="0" smtClean="0">
+                <a:latin typeface="Consolas" panose="020B0609020204030204" pitchFamily="49" charset="0"/>
+              </a:endParaRPr>
+            </a:p>
+          </p:txBody>
+        </p:sp>
+      </p:grpSp>
+      <p:grpSp>
+        <p:nvGrpSpPr>
+          <p:cNvPr id="18" name="グループ化 17"/>
+          <p:cNvGrpSpPr/>
+          <p:nvPr/>
+        </p:nvGrpSpPr>
+        <p:grpSpPr>
+          <a:xfrm>
+            <a:off x="2771800" y="4479503"/>
+            <a:ext cx="864096" cy="720080"/>
+            <a:chOff x="3347864" y="1412776"/>
+            <a:chExt cx="864096" cy="720080"/>
+          </a:xfrm>
+        </p:grpSpPr>
+        <p:sp>
+          <p:nvSpPr>
+            <p:cNvPr id="19" name="正方形/長方形 18"/>
+            <p:cNvSpPr/>
+            <p:nvPr/>
+          </p:nvSpPr>
+          <p:spPr>
+            <a:xfrm>
+              <a:off x="3419872" y="1412776"/>
+              <a:ext cx="720080" cy="720080"/>
+            </a:xfrm>
+            <a:prstGeom prst="rect">
+              <a:avLst/>
+            </a:prstGeom>
+            <a:solidFill>
+              <a:schemeClr val="accent1">
+                <a:lumMod val="20000"/>
+                <a:lumOff val="80000"/>
+              </a:schemeClr>
+            </a:solidFill>
+            <a:ln>
+              <a:solidFill>
+                <a:schemeClr val="tx1"/>
+              </a:solidFill>
+            </a:ln>
+          </p:spPr>
+          <p:txBody>
+            <a:bodyPr wrap="square" rtlCol="0" anchor="ctr">
+              <a:spAutoFit/>
+            </a:bodyPr>
+            <a:lstStyle/>
+            <a:p>
+              <a:pPr algn="ctr"/>
+              <a:endParaRPr kumimoji="1" lang="ja-JP" altLang="en-US" sz="2400" dirty="0" smtClean="0"/>
+            </a:p>
+          </p:txBody>
+        </p:sp>
+        <p:sp>
+          <p:nvSpPr>
+            <p:cNvPr id="20" name="テキスト ボックス 19"/>
+            <p:cNvSpPr txBox="1"/>
+            <p:nvPr/>
+          </p:nvSpPr>
+          <p:spPr>
+            <a:xfrm flipH="1">
+              <a:off x="3347864" y="1527175"/>
+              <a:ext cx="864096" cy="461665"/>
+            </a:xfrm>
+            <a:prstGeom prst="rect">
+              <a:avLst/>
+            </a:prstGeom>
+            <a:noFill/>
+          </p:spPr>
+          <p:txBody>
+            <a:bodyPr wrap="square" rtlCol="0">
+              <a:spAutoFit/>
+            </a:bodyPr>
+            <a:lstStyle/>
+            <a:p>
+              <a:pPr algn="ctr"/>
+              <a:r>
+                <a:rPr kumimoji="1" lang="en-US" altLang="ja-JP" sz="2400" dirty="0" smtClean="0">
+                  <a:latin typeface="Consolas" panose="020B0609020204030204" pitchFamily="49" charset="0"/>
+                </a:rPr>
+                <a:t>dx_3</a:t>
+              </a:r>
+              <a:endParaRPr kumimoji="1" lang="ja-JP" altLang="en-US" sz="2400" dirty="0" smtClean="0">
+                <a:latin typeface="Consolas" panose="020B0609020204030204" pitchFamily="49" charset="0"/>
+              </a:endParaRPr>
+            </a:p>
+          </p:txBody>
+        </p:sp>
+      </p:grpSp>
+      <p:grpSp>
+        <p:nvGrpSpPr>
+          <p:cNvPr id="21" name="グループ化 20"/>
+          <p:cNvGrpSpPr/>
+          <p:nvPr/>
+        </p:nvGrpSpPr>
+        <p:grpSpPr>
+          <a:xfrm>
+            <a:off x="2051720" y="4479503"/>
+            <a:ext cx="864096" cy="720080"/>
+            <a:chOff x="1907704" y="548680"/>
+            <a:chExt cx="864096" cy="720080"/>
+          </a:xfrm>
+        </p:grpSpPr>
+        <p:sp>
+          <p:nvSpPr>
+            <p:cNvPr id="22" name="正方形/長方形 21"/>
+            <p:cNvSpPr/>
+            <p:nvPr/>
+          </p:nvSpPr>
+          <p:spPr>
+            <a:xfrm>
+              <a:off x="1979712" y="548680"/>
+              <a:ext cx="720080" cy="720080"/>
+            </a:xfrm>
+            <a:prstGeom prst="rect">
+              <a:avLst/>
+            </a:prstGeom>
+            <a:solidFill>
+              <a:schemeClr val="accent2">
+                <a:lumMod val="20000"/>
+                <a:lumOff val="80000"/>
+              </a:schemeClr>
+            </a:solidFill>
+            <a:ln>
+              <a:solidFill>
+                <a:schemeClr val="tx1"/>
+              </a:solidFill>
+            </a:ln>
+          </p:spPr>
+          <p:txBody>
+            <a:bodyPr wrap="square" rtlCol="0" anchor="ctr">
+              <a:spAutoFit/>
+            </a:bodyPr>
+            <a:lstStyle/>
+            <a:p>
+              <a:pPr algn="ctr"/>
+              <a:endParaRPr kumimoji="1" lang="ja-JP" altLang="en-US" sz="2400" dirty="0" smtClean="0"/>
+            </a:p>
+          </p:txBody>
+        </p:sp>
+        <p:sp>
+          <p:nvSpPr>
+            <p:cNvPr id="23" name="テキスト ボックス 22"/>
+            <p:cNvSpPr txBox="1"/>
+            <p:nvPr/>
+          </p:nvSpPr>
+          <p:spPr>
+            <a:xfrm flipH="1">
+              <a:off x="1907704" y="663079"/>
+              <a:ext cx="864096" cy="461665"/>
+            </a:xfrm>
+            <a:prstGeom prst="rect">
+              <a:avLst/>
+            </a:prstGeom>
+            <a:noFill/>
+          </p:spPr>
+          <p:txBody>
+            <a:bodyPr wrap="square" rtlCol="0">
+              <a:spAutoFit/>
+            </a:bodyPr>
+            <a:lstStyle/>
+            <a:p>
+              <a:pPr algn="ctr"/>
+              <a:r>
+                <a:rPr kumimoji="1" lang="en-US" altLang="ja-JP" sz="2400" dirty="0" smtClean="0">
+                  <a:latin typeface="Consolas" panose="020B0609020204030204" pitchFamily="49" charset="0"/>
+                </a:rPr>
+                <a:t>dz_2</a:t>
+              </a:r>
+              <a:endParaRPr kumimoji="1" lang="ja-JP" altLang="en-US" sz="2400" dirty="0" smtClean="0">
+                <a:latin typeface="Consolas" panose="020B0609020204030204" pitchFamily="49" charset="0"/>
+              </a:endParaRPr>
+            </a:p>
+          </p:txBody>
+        </p:sp>
+      </p:grpSp>
+      <p:grpSp>
+        <p:nvGrpSpPr>
+          <p:cNvPr id="24" name="グループ化 23"/>
+          <p:cNvGrpSpPr/>
+          <p:nvPr/>
+        </p:nvGrpSpPr>
+        <p:grpSpPr>
+          <a:xfrm>
+            <a:off x="1331640" y="4479503"/>
+            <a:ext cx="864096" cy="720080"/>
+            <a:chOff x="1907704" y="1412776"/>
+            <a:chExt cx="864096" cy="720080"/>
+          </a:xfrm>
+        </p:grpSpPr>
+        <p:sp>
+          <p:nvSpPr>
+            <p:cNvPr id="25" name="正方形/長方形 24"/>
+            <p:cNvSpPr/>
+            <p:nvPr/>
+          </p:nvSpPr>
+          <p:spPr>
+            <a:xfrm>
+              <a:off x="1979712" y="1412776"/>
+              <a:ext cx="720080" cy="720080"/>
+            </a:xfrm>
+            <a:prstGeom prst="rect">
+              <a:avLst/>
+            </a:prstGeom>
+            <a:solidFill>
+              <a:schemeClr val="accent2">
+                <a:lumMod val="20000"/>
+                <a:lumOff val="80000"/>
+              </a:schemeClr>
+            </a:solidFill>
+            <a:ln>
+              <a:solidFill>
+                <a:schemeClr val="tx1"/>
+              </a:solidFill>
+            </a:ln>
+          </p:spPr>
+          <p:txBody>
+            <a:bodyPr wrap="square" rtlCol="0" anchor="ctr">
+              <a:spAutoFit/>
+            </a:bodyPr>
+            <a:lstStyle/>
+            <a:p>
+              <a:pPr algn="ctr"/>
+              <a:endParaRPr kumimoji="1" lang="ja-JP" altLang="en-US" sz="2400" dirty="0" smtClean="0"/>
+            </a:p>
+          </p:txBody>
+        </p:sp>
+        <p:sp>
+          <p:nvSpPr>
+            <p:cNvPr id="26" name="テキスト ボックス 25"/>
+            <p:cNvSpPr txBox="1"/>
+            <p:nvPr/>
+          </p:nvSpPr>
+          <p:spPr>
+            <a:xfrm flipH="1">
+              <a:off x="1907704" y="1527175"/>
+              <a:ext cx="864096" cy="461665"/>
+            </a:xfrm>
+            <a:prstGeom prst="rect">
+              <a:avLst/>
+            </a:prstGeom>
+            <a:noFill/>
+          </p:spPr>
+          <p:txBody>
+            <a:bodyPr wrap="square" rtlCol="0">
+              <a:spAutoFit/>
+            </a:bodyPr>
+            <a:lstStyle/>
+            <a:p>
+              <a:pPr algn="ctr"/>
+              <a:r>
+                <a:rPr kumimoji="1" lang="en-US" altLang="ja-JP" sz="2400" dirty="0" smtClean="0">
+                  <a:latin typeface="Consolas" panose="020B0609020204030204" pitchFamily="49" charset="0"/>
+                </a:rPr>
+                <a:t>dz_3</a:t>
+              </a:r>
+              <a:endParaRPr kumimoji="1" lang="ja-JP" altLang="en-US" sz="2400" dirty="0" smtClean="0">
+                <a:latin typeface="Consolas" panose="020B0609020204030204" pitchFamily="49" charset="0"/>
+              </a:endParaRPr>
+            </a:p>
+          </p:txBody>
+        </p:sp>
+      </p:grpSp>
+      <p:sp>
+        <p:nvSpPr>
+          <p:cNvPr id="27" name="正方形/長方形 26"/>
+          <p:cNvSpPr/>
+          <p:nvPr/>
+        </p:nvSpPr>
+        <p:spPr>
+          <a:xfrm>
+            <a:off x="369391" y="4593902"/>
+            <a:ext cx="864339" cy="461665"/>
+          </a:xfrm>
+          <a:prstGeom prst="rect">
+            <a:avLst/>
+          </a:prstGeom>
+        </p:spPr>
+        <p:txBody>
+          <a:bodyPr wrap="none">
+            <a:spAutoFit/>
+          </a:bodyPr>
+          <a:lstStyle/>
+          <a:p>
+            <a:r>
+              <a:rPr lang="en-US" altLang="ja-JP" sz="2400" b="0" dirty="0" smtClean="0">
+                <a:effectLst/>
+                <a:latin typeface="Consolas" panose="020B0609020204030204" pitchFamily="49" charset="0"/>
+              </a:rPr>
+              <a:t>tmp2</a:t>
+            </a:r>
+            <a:endParaRPr lang="en-US" altLang="ja-JP" sz="2400" b="0" dirty="0">
+              <a:effectLst/>
+              <a:latin typeface="Consolas" panose="020B0609020204030204" pitchFamily="49" charset="0"/>
+            </a:endParaRPr>
+          </a:p>
+        </p:txBody>
+      </p:sp>
+      <p:grpSp>
+        <p:nvGrpSpPr>
+          <p:cNvPr id="28" name="グループ化 27"/>
+          <p:cNvGrpSpPr/>
+          <p:nvPr/>
+        </p:nvGrpSpPr>
+        <p:grpSpPr>
+          <a:xfrm>
+            <a:off x="2051720" y="3039343"/>
+            <a:ext cx="864096" cy="720080"/>
+            <a:chOff x="3347864" y="548680"/>
+            <a:chExt cx="864096" cy="720080"/>
+          </a:xfrm>
+        </p:grpSpPr>
+        <p:sp>
+          <p:nvSpPr>
+            <p:cNvPr id="29" name="正方形/長方形 28"/>
+            <p:cNvSpPr/>
+            <p:nvPr/>
+          </p:nvSpPr>
+          <p:spPr>
+            <a:xfrm>
+              <a:off x="3419872" y="548680"/>
+              <a:ext cx="720080" cy="720080"/>
+            </a:xfrm>
+            <a:prstGeom prst="rect">
+              <a:avLst/>
+            </a:prstGeom>
+            <a:solidFill>
+              <a:schemeClr val="accent1">
+                <a:lumMod val="20000"/>
+                <a:lumOff val="80000"/>
+              </a:schemeClr>
+            </a:solidFill>
+            <a:ln>
+              <a:solidFill>
+                <a:schemeClr val="tx1"/>
+              </a:solidFill>
+            </a:ln>
+          </p:spPr>
+          <p:txBody>
+            <a:bodyPr wrap="square" rtlCol="0" anchor="ctr">
+              <a:spAutoFit/>
+            </a:bodyPr>
+            <a:lstStyle/>
+            <a:p>
+              <a:pPr algn="ctr"/>
+              <a:endParaRPr kumimoji="1" lang="ja-JP" altLang="en-US" sz="2400" dirty="0" smtClean="0"/>
+            </a:p>
+          </p:txBody>
+        </p:sp>
+        <p:sp>
+          <p:nvSpPr>
+            <p:cNvPr id="30" name="テキスト ボックス 29"/>
+            <p:cNvSpPr txBox="1"/>
+            <p:nvPr/>
+          </p:nvSpPr>
+          <p:spPr>
+            <a:xfrm flipH="1">
+              <a:off x="3347864" y="663079"/>
+              <a:ext cx="864096" cy="461665"/>
+            </a:xfrm>
+            <a:prstGeom prst="rect">
+              <a:avLst/>
+            </a:prstGeom>
+            <a:noFill/>
+          </p:spPr>
+          <p:txBody>
+            <a:bodyPr wrap="square" rtlCol="0">
+              <a:spAutoFit/>
+            </a:bodyPr>
+            <a:lstStyle/>
+            <a:p>
+              <a:pPr algn="ctr"/>
+              <a:r>
+                <a:rPr kumimoji="1" lang="en-US" altLang="ja-JP" sz="2400" dirty="0" smtClean="0">
+                  <a:latin typeface="Consolas" panose="020B0609020204030204" pitchFamily="49" charset="0"/>
+                </a:rPr>
+                <a:t>dx_2</a:t>
+              </a:r>
+              <a:endParaRPr kumimoji="1" lang="ja-JP" altLang="en-US" sz="2400" dirty="0" smtClean="0">
+                <a:latin typeface="Consolas" panose="020B0609020204030204" pitchFamily="49" charset="0"/>
+              </a:endParaRPr>
+            </a:p>
+          </p:txBody>
+        </p:sp>
+      </p:grpSp>
+      <p:grpSp>
+        <p:nvGrpSpPr>
+          <p:cNvPr id="31" name="グループ化 30"/>
+          <p:cNvGrpSpPr/>
+          <p:nvPr/>
+        </p:nvGrpSpPr>
+        <p:grpSpPr>
+          <a:xfrm>
+            <a:off x="1331640" y="3039343"/>
+            <a:ext cx="864096" cy="720080"/>
+            <a:chOff x="3347864" y="1412776"/>
+            <a:chExt cx="864096" cy="720080"/>
+          </a:xfrm>
+        </p:grpSpPr>
+        <p:sp>
+          <p:nvSpPr>
+            <p:cNvPr id="32" name="正方形/長方形 31"/>
+            <p:cNvSpPr/>
+            <p:nvPr/>
+          </p:nvSpPr>
+          <p:spPr>
+            <a:xfrm>
+              <a:off x="3419872" y="1412776"/>
+              <a:ext cx="720080" cy="720080"/>
+            </a:xfrm>
+            <a:prstGeom prst="rect">
+              <a:avLst/>
+            </a:prstGeom>
+            <a:solidFill>
+              <a:schemeClr val="accent1">
+                <a:lumMod val="20000"/>
+                <a:lumOff val="80000"/>
+              </a:schemeClr>
+            </a:solidFill>
+            <a:ln>
+              <a:solidFill>
+                <a:schemeClr val="tx1"/>
+              </a:solidFill>
+            </a:ln>
+          </p:spPr>
+          <p:txBody>
+            <a:bodyPr wrap="square" rtlCol="0" anchor="ctr">
+              <a:spAutoFit/>
+            </a:bodyPr>
+            <a:lstStyle/>
+            <a:p>
+              <a:pPr algn="ctr"/>
+              <a:endParaRPr kumimoji="1" lang="ja-JP" altLang="en-US" sz="2400" dirty="0" smtClean="0"/>
+            </a:p>
+          </p:txBody>
+        </p:sp>
+        <p:sp>
+          <p:nvSpPr>
+            <p:cNvPr id="33" name="テキスト ボックス 32"/>
+            <p:cNvSpPr txBox="1"/>
+            <p:nvPr/>
+          </p:nvSpPr>
+          <p:spPr>
+            <a:xfrm flipH="1">
+              <a:off x="3347864" y="1527175"/>
+              <a:ext cx="864096" cy="461665"/>
+            </a:xfrm>
+            <a:prstGeom prst="rect">
+              <a:avLst/>
+            </a:prstGeom>
+            <a:noFill/>
+          </p:spPr>
+          <p:txBody>
+            <a:bodyPr wrap="square" rtlCol="0">
+              <a:spAutoFit/>
+            </a:bodyPr>
+            <a:lstStyle/>
+            <a:p>
+              <a:pPr algn="ctr"/>
+              <a:r>
+                <a:rPr kumimoji="1" lang="en-US" altLang="ja-JP" sz="2400" dirty="0" smtClean="0">
+                  <a:latin typeface="Consolas" panose="020B0609020204030204" pitchFamily="49" charset="0"/>
+                </a:rPr>
+                <a:t>dx_3</a:t>
+              </a:r>
+              <a:endParaRPr kumimoji="1" lang="ja-JP" altLang="en-US" sz="2400" dirty="0" smtClean="0">
+                <a:latin typeface="Consolas" panose="020B0609020204030204" pitchFamily="49" charset="0"/>
+              </a:endParaRPr>
+            </a:p>
+          </p:txBody>
+        </p:sp>
+      </p:grpSp>
+      <p:grpSp>
+        <p:nvGrpSpPr>
+          <p:cNvPr id="34" name="グループ化 33"/>
+          <p:cNvGrpSpPr/>
+          <p:nvPr/>
+        </p:nvGrpSpPr>
+        <p:grpSpPr>
+          <a:xfrm>
+            <a:off x="3491880" y="3039343"/>
+            <a:ext cx="864096" cy="720080"/>
+            <a:chOff x="3347864" y="548680"/>
+            <a:chExt cx="864096" cy="720080"/>
+          </a:xfrm>
+        </p:grpSpPr>
+        <p:sp>
+          <p:nvSpPr>
+            <p:cNvPr id="35" name="正方形/長方形 34"/>
+            <p:cNvSpPr/>
+            <p:nvPr/>
+          </p:nvSpPr>
+          <p:spPr>
+            <a:xfrm>
+              <a:off x="3419872" y="548680"/>
+              <a:ext cx="720080" cy="720080"/>
+            </a:xfrm>
+            <a:prstGeom prst="rect">
+              <a:avLst/>
+            </a:prstGeom>
+            <a:solidFill>
+              <a:schemeClr val="accent1">
+                <a:lumMod val="20000"/>
+                <a:lumOff val="80000"/>
+              </a:schemeClr>
+            </a:solidFill>
+            <a:ln>
+              <a:solidFill>
+                <a:schemeClr val="tx1"/>
+              </a:solidFill>
+            </a:ln>
+          </p:spPr>
+          <p:txBody>
+            <a:bodyPr wrap="square" rtlCol="0" anchor="ctr">
+              <a:spAutoFit/>
+            </a:bodyPr>
+            <a:lstStyle/>
+            <a:p>
+              <a:pPr algn="ctr"/>
+              <a:endParaRPr kumimoji="1" lang="ja-JP" altLang="en-US" sz="2400" dirty="0" smtClean="0"/>
+            </a:p>
+          </p:txBody>
+        </p:sp>
+        <p:sp>
+          <p:nvSpPr>
+            <p:cNvPr id="36" name="テキスト ボックス 35"/>
+            <p:cNvSpPr txBox="1"/>
+            <p:nvPr/>
+          </p:nvSpPr>
+          <p:spPr>
+            <a:xfrm flipH="1">
+              <a:off x="3347864" y="663079"/>
+              <a:ext cx="864096" cy="461665"/>
+            </a:xfrm>
+            <a:prstGeom prst="rect">
+              <a:avLst/>
+            </a:prstGeom>
+            <a:noFill/>
+          </p:spPr>
+          <p:txBody>
+            <a:bodyPr wrap="square" rtlCol="0">
+              <a:spAutoFit/>
+            </a:bodyPr>
+            <a:lstStyle/>
+            <a:p>
+              <a:pPr algn="ctr"/>
+              <a:r>
+                <a:rPr kumimoji="1" lang="en-US" altLang="ja-JP" sz="2400" dirty="0" smtClean="0">
+                  <a:latin typeface="Consolas" panose="020B0609020204030204" pitchFamily="49" charset="0"/>
+                </a:rPr>
+                <a:t>dx_0</a:t>
+              </a:r>
+              <a:endParaRPr kumimoji="1" lang="ja-JP" altLang="en-US" sz="2400" dirty="0" smtClean="0">
+                <a:latin typeface="Consolas" panose="020B0609020204030204" pitchFamily="49" charset="0"/>
+              </a:endParaRPr>
+            </a:p>
+          </p:txBody>
+        </p:sp>
+      </p:grpSp>
+      <p:grpSp>
+        <p:nvGrpSpPr>
+          <p:cNvPr id="37" name="グループ化 36"/>
+          <p:cNvGrpSpPr/>
+          <p:nvPr/>
+        </p:nvGrpSpPr>
+        <p:grpSpPr>
+          <a:xfrm>
+            <a:off x="2771800" y="3039343"/>
+            <a:ext cx="864096" cy="720080"/>
+            <a:chOff x="3347864" y="1412776"/>
+            <a:chExt cx="864096" cy="720080"/>
+          </a:xfrm>
+        </p:grpSpPr>
+        <p:sp>
+          <p:nvSpPr>
+            <p:cNvPr id="38" name="正方形/長方形 37"/>
+            <p:cNvSpPr/>
+            <p:nvPr/>
+          </p:nvSpPr>
+          <p:spPr>
+            <a:xfrm>
+              <a:off x="3419872" y="1412776"/>
+              <a:ext cx="720080" cy="720080"/>
+            </a:xfrm>
+            <a:prstGeom prst="rect">
+              <a:avLst/>
+            </a:prstGeom>
+            <a:solidFill>
+              <a:schemeClr val="accent1">
+                <a:lumMod val="20000"/>
+                <a:lumOff val="80000"/>
+              </a:schemeClr>
+            </a:solidFill>
+            <a:ln>
+              <a:solidFill>
+                <a:schemeClr val="tx1"/>
+              </a:solidFill>
+            </a:ln>
+          </p:spPr>
+          <p:txBody>
+            <a:bodyPr wrap="square" rtlCol="0" anchor="ctr">
+              <a:spAutoFit/>
+            </a:bodyPr>
+            <a:lstStyle/>
+            <a:p>
+              <a:pPr algn="ctr"/>
+              <a:endParaRPr kumimoji="1" lang="ja-JP" altLang="en-US" sz="2400" dirty="0" smtClean="0"/>
+            </a:p>
+          </p:txBody>
+        </p:sp>
+        <p:sp>
+          <p:nvSpPr>
+            <p:cNvPr id="39" name="テキスト ボックス 38"/>
+            <p:cNvSpPr txBox="1"/>
+            <p:nvPr/>
+          </p:nvSpPr>
+          <p:spPr>
+            <a:xfrm flipH="1">
+              <a:off x="3347864" y="1527175"/>
+              <a:ext cx="864096" cy="461665"/>
+            </a:xfrm>
+            <a:prstGeom prst="rect">
+              <a:avLst/>
+            </a:prstGeom>
+            <a:noFill/>
+          </p:spPr>
+          <p:txBody>
+            <a:bodyPr wrap="square" rtlCol="0">
+              <a:spAutoFit/>
+            </a:bodyPr>
+            <a:lstStyle/>
+            <a:p>
+              <a:pPr algn="ctr"/>
+              <a:r>
+                <a:rPr kumimoji="1" lang="en-US" altLang="ja-JP" sz="2400" dirty="0" smtClean="0">
+                  <a:latin typeface="Consolas" panose="020B0609020204030204" pitchFamily="49" charset="0"/>
+                </a:rPr>
+                <a:t>dx_1</a:t>
+              </a:r>
+              <a:endParaRPr kumimoji="1" lang="ja-JP" altLang="en-US" sz="2400" dirty="0" smtClean="0">
+                <a:latin typeface="Consolas" panose="020B0609020204030204" pitchFamily="49" charset="0"/>
+              </a:endParaRPr>
+            </a:p>
+          </p:txBody>
+        </p:sp>
+      </p:grpSp>
+      <p:sp>
+        <p:nvSpPr>
+          <p:cNvPr id="40" name="正方形/長方形 39"/>
+          <p:cNvSpPr/>
+          <p:nvPr/>
+        </p:nvSpPr>
+        <p:spPr>
+          <a:xfrm>
+            <a:off x="2843808" y="1599183"/>
+            <a:ext cx="1440160" cy="720080"/>
+          </a:xfrm>
+          <a:prstGeom prst="rect">
+            <a:avLst/>
+          </a:prstGeom>
+          <a:ln w="38100">
+            <a:solidFill>
+              <a:schemeClr val="tx1"/>
+            </a:solidFill>
+          </a:ln>
+        </p:spPr>
+        <p:txBody>
+          <a:bodyPr wrap="square" rtlCol="0" anchor="ctr">
+            <a:spAutoFit/>
+          </a:bodyPr>
+          <a:lstStyle/>
+          <a:p>
+            <a:pPr algn="ctr"/>
+            <a:endParaRPr kumimoji="1" lang="ja-JP" altLang="en-US" sz="2400" dirty="0" smtClean="0"/>
+          </a:p>
+        </p:txBody>
+      </p:sp>
+      <p:sp>
+        <p:nvSpPr>
+          <p:cNvPr id="41" name="正方形/長方形 40"/>
+          <p:cNvSpPr/>
+          <p:nvPr/>
+        </p:nvSpPr>
+        <p:spPr>
+          <a:xfrm>
+            <a:off x="1403648" y="1599183"/>
+            <a:ext cx="1440160" cy="720080"/>
+          </a:xfrm>
+          <a:prstGeom prst="rect">
+            <a:avLst/>
+          </a:prstGeom>
+          <a:ln w="38100">
+            <a:solidFill>
+              <a:schemeClr val="tx1"/>
+            </a:solidFill>
+          </a:ln>
+        </p:spPr>
+        <p:txBody>
+          <a:bodyPr wrap="square" rtlCol="0" anchor="ctr">
+            <a:spAutoFit/>
+          </a:bodyPr>
+          <a:lstStyle/>
+          <a:p>
+            <a:pPr algn="ctr"/>
+            <a:endParaRPr kumimoji="1" lang="ja-JP" altLang="en-US" sz="2400" dirty="0" smtClean="0"/>
+          </a:p>
+        </p:txBody>
+      </p:sp>
+      <p:sp>
+        <p:nvSpPr>
+          <p:cNvPr id="42" name="正方形/長方形 41"/>
+          <p:cNvSpPr/>
+          <p:nvPr/>
+        </p:nvSpPr>
+        <p:spPr>
+          <a:xfrm>
+            <a:off x="2843808" y="4479503"/>
+            <a:ext cx="1440160" cy="720080"/>
+          </a:xfrm>
+          <a:prstGeom prst="rect">
+            <a:avLst/>
+          </a:prstGeom>
+          <a:ln w="38100">
+            <a:solidFill>
+              <a:schemeClr val="tx1"/>
+            </a:solidFill>
+          </a:ln>
+        </p:spPr>
+        <p:txBody>
+          <a:bodyPr wrap="square" rtlCol="0" anchor="ctr">
+            <a:spAutoFit/>
+          </a:bodyPr>
+          <a:lstStyle/>
+          <a:p>
+            <a:pPr algn="ctr"/>
+            <a:endParaRPr kumimoji="1" lang="ja-JP" altLang="en-US" sz="2400" dirty="0" smtClean="0"/>
+          </a:p>
+        </p:txBody>
+      </p:sp>
+      <p:sp>
+        <p:nvSpPr>
+          <p:cNvPr id="43" name="正方形/長方形 42"/>
+          <p:cNvSpPr/>
+          <p:nvPr/>
+        </p:nvSpPr>
+        <p:spPr>
+          <a:xfrm>
+            <a:off x="1403648" y="4479503"/>
+            <a:ext cx="1440160" cy="720080"/>
+          </a:xfrm>
+          <a:prstGeom prst="rect">
+            <a:avLst/>
+          </a:prstGeom>
+          <a:ln w="38100">
+            <a:solidFill>
+              <a:schemeClr val="tx1"/>
+            </a:solidFill>
+          </a:ln>
+        </p:spPr>
+        <p:txBody>
+          <a:bodyPr wrap="square" rtlCol="0" anchor="ctr">
+            <a:spAutoFit/>
+          </a:bodyPr>
+          <a:lstStyle/>
+          <a:p>
+            <a:pPr algn="ctr"/>
+            <a:endParaRPr kumimoji="1" lang="ja-JP" altLang="en-US" sz="2400" dirty="0" smtClean="0"/>
+          </a:p>
+        </p:txBody>
+      </p:sp>
+      <p:sp>
+        <p:nvSpPr>
+          <p:cNvPr id="46" name="正方形/長方形 45"/>
+          <p:cNvSpPr/>
+          <p:nvPr/>
+        </p:nvSpPr>
+        <p:spPr>
+          <a:xfrm>
+            <a:off x="2843808" y="3039343"/>
+            <a:ext cx="1440160" cy="720080"/>
+          </a:xfrm>
+          <a:prstGeom prst="rect">
+            <a:avLst/>
+          </a:prstGeom>
+          <a:ln w="38100">
+            <a:solidFill>
+              <a:schemeClr val="tx1"/>
+            </a:solidFill>
+          </a:ln>
+        </p:spPr>
+        <p:txBody>
+          <a:bodyPr wrap="square" rtlCol="0" anchor="ctr">
+            <a:spAutoFit/>
+          </a:bodyPr>
+          <a:lstStyle/>
+          <a:p>
+            <a:pPr algn="ctr"/>
+            <a:endParaRPr kumimoji="1" lang="ja-JP" altLang="en-US" sz="2400" dirty="0" smtClean="0"/>
+          </a:p>
+        </p:txBody>
+      </p:sp>
+      <p:sp>
+        <p:nvSpPr>
+          <p:cNvPr id="47" name="正方形/長方形 46"/>
+          <p:cNvSpPr/>
+          <p:nvPr/>
+        </p:nvSpPr>
+        <p:spPr>
+          <a:xfrm>
+            <a:off x="1403648" y="3039343"/>
+            <a:ext cx="1440160" cy="720080"/>
+          </a:xfrm>
+          <a:prstGeom prst="rect">
+            <a:avLst/>
+          </a:prstGeom>
+          <a:ln w="38100">
+            <a:solidFill>
+              <a:schemeClr val="tx1"/>
+            </a:solidFill>
+          </a:ln>
+        </p:spPr>
+        <p:txBody>
+          <a:bodyPr wrap="square" rtlCol="0" anchor="ctr">
+            <a:spAutoFit/>
+          </a:bodyPr>
+          <a:lstStyle/>
+          <a:p>
+            <a:pPr algn="ctr"/>
+            <a:endParaRPr kumimoji="1" lang="ja-JP" altLang="en-US" sz="2400" dirty="0" smtClean="0"/>
+          </a:p>
+        </p:txBody>
+      </p:sp>
+      <p:cxnSp>
+        <p:nvCxnSpPr>
+          <p:cNvPr id="49" name="直線矢印コネクタ 48"/>
+          <p:cNvCxnSpPr>
+            <a:stCxn id="40" idx="2"/>
+            <a:endCxn id="46" idx="0"/>
+          </p:cNvCxnSpPr>
+          <p:nvPr/>
+        </p:nvCxnSpPr>
+        <p:spPr>
+          <a:xfrm>
+            <a:off x="3563888" y="2319263"/>
+            <a:ext cx="0" cy="720080"/>
+          </a:xfrm>
+          <a:prstGeom prst="straightConnector1">
+            <a:avLst/>
+          </a:prstGeom>
+          <a:ln>
+            <a:solidFill>
+              <a:schemeClr val="tx1"/>
+            </a:solidFill>
+            <a:headEnd type="none"/>
+            <a:tailEnd type="triangle"/>
+          </a:ln>
+          <a:effectLst/>
+        </p:spPr>
+        <p:style>
+          <a:lnRef idx="2">
+            <a:schemeClr val="accent1"/>
+          </a:lnRef>
+          <a:fillRef idx="0">
+            <a:schemeClr val="accent1"/>
+          </a:fillRef>
+          <a:effectRef idx="1">
+            <a:schemeClr val="accent1"/>
+          </a:effectRef>
+          <a:fontRef idx="minor">
+            <a:schemeClr val="tx1"/>
+          </a:fontRef>
+        </p:style>
+      </p:cxnSp>
+      <p:cxnSp>
+        <p:nvCxnSpPr>
+          <p:cNvPr id="51" name="直線矢印コネクタ 50"/>
+          <p:cNvCxnSpPr>
+            <a:stCxn id="42" idx="0"/>
+            <a:endCxn id="47" idx="2"/>
+          </p:cNvCxnSpPr>
+          <p:nvPr/>
+        </p:nvCxnSpPr>
+        <p:spPr>
+          <a:xfrm flipH="1" flipV="1">
+            <a:off x="2123728" y="3759423"/>
+            <a:ext cx="1440160" cy="720080"/>
+          </a:xfrm>
+          <a:prstGeom prst="straightConnector1">
+            <a:avLst/>
+          </a:prstGeom>
+          <a:ln>
+            <a:solidFill>
+              <a:schemeClr val="tx1"/>
+            </a:solidFill>
+            <a:headEnd type="none"/>
+            <a:tailEnd type="triangle"/>
+          </a:ln>
+          <a:effectLst/>
+        </p:spPr>
+        <p:style>
+          <a:lnRef idx="2">
+            <a:schemeClr val="accent1"/>
+          </a:lnRef>
+          <a:fillRef idx="0">
+            <a:schemeClr val="accent1"/>
+          </a:fillRef>
+          <a:effectRef idx="1">
+            <a:schemeClr val="accent1"/>
+          </a:effectRef>
+          <a:fontRef idx="minor">
+            <a:schemeClr val="tx1"/>
+          </a:fontRef>
+        </p:style>
+      </p:cxnSp>
+      <p:sp>
+        <p:nvSpPr>
+          <p:cNvPr id="52" name="正方形/長方形 51"/>
+          <p:cNvSpPr/>
+          <p:nvPr/>
+        </p:nvSpPr>
+        <p:spPr>
+          <a:xfrm>
+            <a:off x="1619672" y="519063"/>
+            <a:ext cx="2550698" cy="523220"/>
+          </a:xfrm>
+          <a:prstGeom prst="rect">
+            <a:avLst/>
+          </a:prstGeom>
+        </p:spPr>
+        <p:txBody>
+          <a:bodyPr wrap="none">
+            <a:spAutoFit/>
+          </a:bodyPr>
+          <a:lstStyle/>
+          <a:p>
+            <a:r>
+              <a:rPr lang="ja-JP" altLang="en-US" sz="2800" dirty="0">
+                <a:latin typeface="Consolas" panose="020B0609020204030204" pitchFamily="49" charset="0"/>
+              </a:rPr>
+              <a:t>permute2f128</a:t>
+            </a:r>
+          </a:p>
+        </p:txBody>
+      </p:sp>
+      <p:sp>
+        <p:nvSpPr>
+          <p:cNvPr id="65" name="正方形/長方形 64"/>
+          <p:cNvSpPr/>
+          <p:nvPr/>
+        </p:nvSpPr>
+        <p:spPr>
+          <a:xfrm>
+            <a:off x="4715773" y="1713582"/>
+            <a:ext cx="864339" cy="461665"/>
+          </a:xfrm>
+          <a:prstGeom prst="rect">
+            <a:avLst/>
+          </a:prstGeom>
+        </p:spPr>
+        <p:txBody>
+          <a:bodyPr wrap="none">
+            <a:spAutoFit/>
+          </a:bodyPr>
+          <a:lstStyle/>
+          <a:p>
+            <a:r>
+              <a:rPr lang="en-US" altLang="ja-JP" sz="2400" b="0" dirty="0" smtClean="0">
+                <a:effectLst/>
+                <a:latin typeface="Consolas" panose="020B0609020204030204" pitchFamily="49" charset="0"/>
+              </a:rPr>
+              <a:t>tmp0</a:t>
+            </a:r>
+            <a:endParaRPr lang="en-US" altLang="ja-JP" sz="2400" b="0" dirty="0">
+              <a:effectLst/>
+              <a:latin typeface="Consolas" panose="020B0609020204030204" pitchFamily="49" charset="0"/>
+            </a:endParaRPr>
+          </a:p>
+        </p:txBody>
+      </p:sp>
+      <p:sp>
+        <p:nvSpPr>
+          <p:cNvPr id="78" name="正方形/長方形 77"/>
+          <p:cNvSpPr/>
+          <p:nvPr/>
+        </p:nvSpPr>
+        <p:spPr>
+          <a:xfrm>
+            <a:off x="4716016" y="4593902"/>
+            <a:ext cx="864339" cy="461665"/>
+          </a:xfrm>
+          <a:prstGeom prst="rect">
+            <a:avLst/>
+          </a:prstGeom>
+        </p:spPr>
+        <p:txBody>
+          <a:bodyPr wrap="none">
+            <a:spAutoFit/>
+          </a:bodyPr>
+          <a:lstStyle/>
+          <a:p>
+            <a:r>
+              <a:rPr lang="en-US" altLang="ja-JP" sz="2400" b="0" dirty="0" smtClean="0">
+                <a:effectLst/>
+                <a:latin typeface="Consolas" panose="020B0609020204030204" pitchFamily="49" charset="0"/>
+              </a:rPr>
+              <a:t>tmp2</a:t>
+            </a:r>
+            <a:endParaRPr lang="en-US" altLang="ja-JP" sz="2400" b="0" dirty="0">
+              <a:effectLst/>
+              <a:latin typeface="Consolas" panose="020B0609020204030204" pitchFamily="49" charset="0"/>
+            </a:endParaRPr>
+          </a:p>
+        </p:txBody>
+      </p:sp>
+      <p:sp>
+        <p:nvSpPr>
+          <p:cNvPr id="83" name="正方形/長方形 82"/>
+          <p:cNvSpPr/>
+          <p:nvPr/>
+        </p:nvSpPr>
+        <p:spPr>
+          <a:xfrm>
+            <a:off x="395536" y="3183359"/>
+            <a:ext cx="694421" cy="461665"/>
+          </a:xfrm>
+          <a:prstGeom prst="rect">
+            <a:avLst/>
+          </a:prstGeom>
+        </p:spPr>
+        <p:txBody>
+          <a:bodyPr wrap="none">
+            <a:spAutoFit/>
+          </a:bodyPr>
+          <a:lstStyle/>
+          <a:p>
+            <a:r>
+              <a:rPr lang="en-US" altLang="ja-JP" sz="2400" dirty="0" smtClean="0">
+                <a:latin typeface="Consolas" panose="020B0609020204030204" pitchFamily="49" charset="0"/>
+              </a:rPr>
+              <a:t>vdx</a:t>
+            </a:r>
+            <a:endParaRPr lang="en-US" altLang="ja-JP" sz="2400" b="0" dirty="0">
+              <a:effectLst/>
+              <a:latin typeface="Consolas" panose="020B0609020204030204" pitchFamily="49" charset="0"/>
+            </a:endParaRPr>
+          </a:p>
+        </p:txBody>
+      </p:sp>
+      <p:grpSp>
+        <p:nvGrpSpPr>
+          <p:cNvPr id="98" name="グループ化 97"/>
+          <p:cNvGrpSpPr/>
+          <p:nvPr/>
+        </p:nvGrpSpPr>
+        <p:grpSpPr>
+          <a:xfrm>
+            <a:off x="7812360" y="1599183"/>
+            <a:ext cx="864096" cy="720080"/>
+            <a:chOff x="3347864" y="548680"/>
+            <a:chExt cx="864096" cy="720080"/>
+          </a:xfrm>
+        </p:grpSpPr>
+        <p:sp>
+          <p:nvSpPr>
+            <p:cNvPr id="99" name="正方形/長方形 98"/>
+            <p:cNvSpPr/>
+            <p:nvPr/>
+          </p:nvSpPr>
+          <p:spPr>
+            <a:xfrm>
+              <a:off x="3419872" y="548680"/>
+              <a:ext cx="720080" cy="720080"/>
+            </a:xfrm>
+            <a:prstGeom prst="rect">
+              <a:avLst/>
+            </a:prstGeom>
+            <a:solidFill>
+              <a:schemeClr val="accent1">
+                <a:lumMod val="20000"/>
+                <a:lumOff val="80000"/>
+              </a:schemeClr>
+            </a:solidFill>
+            <a:ln>
+              <a:solidFill>
+                <a:schemeClr val="tx1"/>
+              </a:solidFill>
+            </a:ln>
+          </p:spPr>
+          <p:txBody>
+            <a:bodyPr wrap="square" rtlCol="0" anchor="ctr">
+              <a:spAutoFit/>
+            </a:bodyPr>
+            <a:lstStyle/>
+            <a:p>
+              <a:pPr algn="ctr"/>
+              <a:endParaRPr kumimoji="1" lang="ja-JP" altLang="en-US" sz="2400" dirty="0" smtClean="0"/>
+            </a:p>
+          </p:txBody>
+        </p:sp>
+        <p:sp>
+          <p:nvSpPr>
+            <p:cNvPr id="100" name="テキスト ボックス 99"/>
+            <p:cNvSpPr txBox="1"/>
+            <p:nvPr/>
+          </p:nvSpPr>
+          <p:spPr>
+            <a:xfrm flipH="1">
+              <a:off x="3347864" y="663079"/>
+              <a:ext cx="864096" cy="461665"/>
+            </a:xfrm>
+            <a:prstGeom prst="rect">
+              <a:avLst/>
+            </a:prstGeom>
+            <a:noFill/>
+          </p:spPr>
+          <p:txBody>
+            <a:bodyPr wrap="square" rtlCol="0">
+              <a:spAutoFit/>
+            </a:bodyPr>
+            <a:lstStyle/>
+            <a:p>
+              <a:pPr algn="ctr"/>
+              <a:r>
+                <a:rPr kumimoji="1" lang="en-US" altLang="ja-JP" sz="2400" dirty="0" smtClean="0">
+                  <a:latin typeface="Consolas" panose="020B0609020204030204" pitchFamily="49" charset="0"/>
+                </a:rPr>
+                <a:t>dx_0</a:t>
+              </a:r>
+              <a:endParaRPr kumimoji="1" lang="ja-JP" altLang="en-US" sz="2400" dirty="0" smtClean="0">
+                <a:latin typeface="Consolas" panose="020B0609020204030204" pitchFamily="49" charset="0"/>
+              </a:endParaRPr>
+            </a:p>
+          </p:txBody>
+        </p:sp>
+      </p:grpSp>
+      <p:grpSp>
+        <p:nvGrpSpPr>
+          <p:cNvPr id="101" name="グループ化 100"/>
+          <p:cNvGrpSpPr/>
+          <p:nvPr/>
+        </p:nvGrpSpPr>
+        <p:grpSpPr>
+          <a:xfrm>
+            <a:off x="7092280" y="1599183"/>
+            <a:ext cx="864096" cy="720080"/>
+            <a:chOff x="3347864" y="1412776"/>
+            <a:chExt cx="864096" cy="720080"/>
+          </a:xfrm>
+        </p:grpSpPr>
+        <p:sp>
+          <p:nvSpPr>
+            <p:cNvPr id="102" name="正方形/長方形 101"/>
+            <p:cNvSpPr/>
+            <p:nvPr/>
+          </p:nvSpPr>
+          <p:spPr>
+            <a:xfrm>
+              <a:off x="3419872" y="1412776"/>
+              <a:ext cx="720080" cy="720080"/>
+            </a:xfrm>
+            <a:prstGeom prst="rect">
+              <a:avLst/>
+            </a:prstGeom>
+            <a:solidFill>
+              <a:schemeClr val="accent1">
+                <a:lumMod val="20000"/>
+                <a:lumOff val="80000"/>
+              </a:schemeClr>
+            </a:solidFill>
+            <a:ln>
+              <a:solidFill>
+                <a:schemeClr val="tx1"/>
+              </a:solidFill>
+            </a:ln>
+          </p:spPr>
+          <p:txBody>
+            <a:bodyPr wrap="square" rtlCol="0" anchor="ctr">
+              <a:spAutoFit/>
+            </a:bodyPr>
+            <a:lstStyle/>
+            <a:p>
+              <a:pPr algn="ctr"/>
+              <a:endParaRPr kumimoji="1" lang="ja-JP" altLang="en-US" sz="2400" dirty="0" smtClean="0"/>
+            </a:p>
+          </p:txBody>
+        </p:sp>
+        <p:sp>
+          <p:nvSpPr>
+            <p:cNvPr id="103" name="テキスト ボックス 102"/>
+            <p:cNvSpPr txBox="1"/>
+            <p:nvPr/>
+          </p:nvSpPr>
+          <p:spPr>
+            <a:xfrm flipH="1">
+              <a:off x="3347864" y="1527175"/>
+              <a:ext cx="864096" cy="461665"/>
+            </a:xfrm>
+            <a:prstGeom prst="rect">
+              <a:avLst/>
+            </a:prstGeom>
+            <a:noFill/>
+          </p:spPr>
+          <p:txBody>
+            <a:bodyPr wrap="square" rtlCol="0">
+              <a:spAutoFit/>
+            </a:bodyPr>
+            <a:lstStyle/>
+            <a:p>
+              <a:pPr algn="ctr"/>
+              <a:r>
+                <a:rPr kumimoji="1" lang="en-US" altLang="ja-JP" sz="2400" dirty="0" smtClean="0">
+                  <a:latin typeface="Consolas" panose="020B0609020204030204" pitchFamily="49" charset="0"/>
+                </a:rPr>
+                <a:t>dx_1</a:t>
+              </a:r>
+              <a:endParaRPr kumimoji="1" lang="ja-JP" altLang="en-US" sz="2400" dirty="0" smtClean="0">
+                <a:latin typeface="Consolas" panose="020B0609020204030204" pitchFamily="49" charset="0"/>
+              </a:endParaRPr>
+            </a:p>
+          </p:txBody>
+        </p:sp>
+      </p:grpSp>
+      <p:grpSp>
+        <p:nvGrpSpPr>
+          <p:cNvPr id="104" name="グループ化 103"/>
+          <p:cNvGrpSpPr/>
+          <p:nvPr/>
+        </p:nvGrpSpPr>
+        <p:grpSpPr>
+          <a:xfrm>
+            <a:off x="6372200" y="1599183"/>
+            <a:ext cx="864096" cy="720080"/>
+            <a:chOff x="1907704" y="548680"/>
+            <a:chExt cx="864096" cy="720080"/>
+          </a:xfrm>
+        </p:grpSpPr>
+        <p:sp>
+          <p:nvSpPr>
+            <p:cNvPr id="105" name="正方形/長方形 104"/>
+            <p:cNvSpPr/>
+            <p:nvPr/>
+          </p:nvSpPr>
+          <p:spPr>
+            <a:xfrm>
+              <a:off x="1979712" y="548680"/>
+              <a:ext cx="720080" cy="720080"/>
+            </a:xfrm>
+            <a:prstGeom prst="rect">
+              <a:avLst/>
+            </a:prstGeom>
+            <a:solidFill>
+              <a:schemeClr val="accent2">
+                <a:lumMod val="20000"/>
+                <a:lumOff val="80000"/>
+              </a:schemeClr>
+            </a:solidFill>
+            <a:ln>
+              <a:solidFill>
+                <a:schemeClr val="tx1"/>
+              </a:solidFill>
+            </a:ln>
+          </p:spPr>
+          <p:txBody>
+            <a:bodyPr wrap="square" rtlCol="0" anchor="ctr">
+              <a:spAutoFit/>
+            </a:bodyPr>
+            <a:lstStyle/>
+            <a:p>
+              <a:pPr algn="ctr"/>
+              <a:endParaRPr kumimoji="1" lang="ja-JP" altLang="en-US" sz="2400" dirty="0" smtClean="0"/>
+            </a:p>
+          </p:txBody>
+        </p:sp>
+        <p:sp>
+          <p:nvSpPr>
+            <p:cNvPr id="106" name="テキスト ボックス 105"/>
+            <p:cNvSpPr txBox="1"/>
+            <p:nvPr/>
+          </p:nvSpPr>
+          <p:spPr>
+            <a:xfrm flipH="1">
+              <a:off x="1907704" y="663079"/>
+              <a:ext cx="864096" cy="461665"/>
+            </a:xfrm>
+            <a:prstGeom prst="rect">
+              <a:avLst/>
+            </a:prstGeom>
+            <a:noFill/>
+          </p:spPr>
+          <p:txBody>
+            <a:bodyPr wrap="square" rtlCol="0">
+              <a:spAutoFit/>
+            </a:bodyPr>
+            <a:lstStyle/>
+            <a:p>
+              <a:pPr algn="ctr"/>
+              <a:r>
+                <a:rPr kumimoji="1" lang="en-US" altLang="ja-JP" sz="2400" dirty="0" smtClean="0">
+                  <a:latin typeface="Consolas" panose="020B0609020204030204" pitchFamily="49" charset="0"/>
+                </a:rPr>
+                <a:t>dz_0</a:t>
+              </a:r>
+              <a:endParaRPr kumimoji="1" lang="ja-JP" altLang="en-US" sz="2400" dirty="0" smtClean="0">
+                <a:latin typeface="Consolas" panose="020B0609020204030204" pitchFamily="49" charset="0"/>
+              </a:endParaRPr>
+            </a:p>
+          </p:txBody>
+        </p:sp>
+      </p:grpSp>
+      <p:grpSp>
+        <p:nvGrpSpPr>
+          <p:cNvPr id="107" name="グループ化 106"/>
+          <p:cNvGrpSpPr/>
+          <p:nvPr/>
+        </p:nvGrpSpPr>
+        <p:grpSpPr>
+          <a:xfrm>
+            <a:off x="5652120" y="1599183"/>
+            <a:ext cx="864096" cy="720080"/>
+            <a:chOff x="1907704" y="1412776"/>
+            <a:chExt cx="864096" cy="720080"/>
+          </a:xfrm>
+        </p:grpSpPr>
+        <p:sp>
+          <p:nvSpPr>
+            <p:cNvPr id="108" name="正方形/長方形 107"/>
+            <p:cNvSpPr/>
+            <p:nvPr/>
+          </p:nvSpPr>
+          <p:spPr>
+            <a:xfrm>
+              <a:off x="1979712" y="1412776"/>
+              <a:ext cx="720080" cy="720080"/>
+            </a:xfrm>
+            <a:prstGeom prst="rect">
+              <a:avLst/>
+            </a:prstGeom>
+            <a:solidFill>
+              <a:schemeClr val="accent2">
+                <a:lumMod val="20000"/>
+                <a:lumOff val="80000"/>
+              </a:schemeClr>
+            </a:solidFill>
+            <a:ln>
+              <a:solidFill>
+                <a:schemeClr val="tx1"/>
+              </a:solidFill>
+            </a:ln>
+          </p:spPr>
+          <p:txBody>
+            <a:bodyPr wrap="square" rtlCol="0" anchor="ctr">
+              <a:spAutoFit/>
+            </a:bodyPr>
+            <a:lstStyle/>
+            <a:p>
+              <a:pPr algn="ctr"/>
+              <a:endParaRPr kumimoji="1" lang="ja-JP" altLang="en-US" sz="2400" dirty="0" smtClean="0"/>
+            </a:p>
+          </p:txBody>
+        </p:sp>
+        <p:sp>
+          <p:nvSpPr>
+            <p:cNvPr id="109" name="テキスト ボックス 108"/>
+            <p:cNvSpPr txBox="1"/>
+            <p:nvPr/>
+          </p:nvSpPr>
+          <p:spPr>
+            <a:xfrm flipH="1">
+              <a:off x="1907704" y="1527175"/>
+              <a:ext cx="864096" cy="461665"/>
+            </a:xfrm>
+            <a:prstGeom prst="rect">
+              <a:avLst/>
+            </a:prstGeom>
+            <a:noFill/>
+          </p:spPr>
+          <p:txBody>
+            <a:bodyPr wrap="square" rtlCol="0">
+              <a:spAutoFit/>
+            </a:bodyPr>
+            <a:lstStyle/>
+            <a:p>
+              <a:pPr algn="ctr"/>
+              <a:r>
+                <a:rPr kumimoji="1" lang="en-US" altLang="ja-JP" sz="2400" dirty="0" smtClean="0">
+                  <a:latin typeface="Consolas" panose="020B0609020204030204" pitchFamily="49" charset="0"/>
+                </a:rPr>
+                <a:t>dz_1</a:t>
+              </a:r>
+              <a:endParaRPr kumimoji="1" lang="ja-JP" altLang="en-US" sz="2400" dirty="0" smtClean="0">
+                <a:latin typeface="Consolas" panose="020B0609020204030204" pitchFamily="49" charset="0"/>
+              </a:endParaRPr>
+            </a:p>
+          </p:txBody>
+        </p:sp>
+      </p:grpSp>
+      <p:sp>
+        <p:nvSpPr>
+          <p:cNvPr id="110" name="正方形/長方形 109"/>
+          <p:cNvSpPr/>
+          <p:nvPr/>
+        </p:nvSpPr>
+        <p:spPr>
+          <a:xfrm>
+            <a:off x="7164288" y="1599183"/>
+            <a:ext cx="1440160" cy="720080"/>
+          </a:xfrm>
+          <a:prstGeom prst="rect">
+            <a:avLst/>
+          </a:prstGeom>
+          <a:ln w="38100">
+            <a:solidFill>
+              <a:schemeClr val="tx1"/>
+            </a:solidFill>
+          </a:ln>
+        </p:spPr>
+        <p:txBody>
+          <a:bodyPr wrap="square" rtlCol="0" anchor="ctr">
+            <a:spAutoFit/>
+          </a:bodyPr>
+          <a:lstStyle/>
+          <a:p>
+            <a:pPr algn="ctr"/>
+            <a:endParaRPr kumimoji="1" lang="ja-JP" altLang="en-US" sz="2400" dirty="0" smtClean="0"/>
+          </a:p>
+        </p:txBody>
+      </p:sp>
+      <p:sp>
+        <p:nvSpPr>
+          <p:cNvPr id="111" name="正方形/長方形 110"/>
+          <p:cNvSpPr/>
+          <p:nvPr/>
+        </p:nvSpPr>
+        <p:spPr>
+          <a:xfrm>
+            <a:off x="5724128" y="1599183"/>
+            <a:ext cx="1440160" cy="720080"/>
+          </a:xfrm>
+          <a:prstGeom prst="rect">
+            <a:avLst/>
+          </a:prstGeom>
+          <a:ln w="38100">
+            <a:solidFill>
+              <a:schemeClr val="tx1"/>
+            </a:solidFill>
+          </a:ln>
+        </p:spPr>
+        <p:txBody>
+          <a:bodyPr wrap="square" rtlCol="0" anchor="ctr">
+            <a:spAutoFit/>
+          </a:bodyPr>
+          <a:lstStyle/>
+          <a:p>
+            <a:pPr algn="ctr"/>
+            <a:endParaRPr kumimoji="1" lang="ja-JP" altLang="en-US" sz="2400" dirty="0" smtClean="0"/>
+          </a:p>
+        </p:txBody>
+      </p:sp>
+      <p:sp>
+        <p:nvSpPr>
+          <p:cNvPr id="112" name="正方形/長方形 111"/>
+          <p:cNvSpPr/>
+          <p:nvPr/>
+        </p:nvSpPr>
+        <p:spPr>
+          <a:xfrm>
+            <a:off x="5868144" y="519063"/>
+            <a:ext cx="2550698" cy="523220"/>
+          </a:xfrm>
+          <a:prstGeom prst="rect">
+            <a:avLst/>
+          </a:prstGeom>
+        </p:spPr>
+        <p:txBody>
+          <a:bodyPr wrap="none">
+            <a:spAutoFit/>
+          </a:bodyPr>
+          <a:lstStyle/>
+          <a:p>
+            <a:r>
+              <a:rPr lang="ja-JP" altLang="en-US" sz="2800" dirty="0">
+                <a:latin typeface="Consolas" panose="020B0609020204030204" pitchFamily="49" charset="0"/>
+              </a:rPr>
+              <a:t>permute2f128</a:t>
+            </a:r>
+          </a:p>
+        </p:txBody>
+      </p:sp>
+      <p:grpSp>
+        <p:nvGrpSpPr>
+          <p:cNvPr id="113" name="グループ化 112"/>
+          <p:cNvGrpSpPr/>
+          <p:nvPr/>
+        </p:nvGrpSpPr>
+        <p:grpSpPr>
+          <a:xfrm>
+            <a:off x="7812360" y="4479503"/>
+            <a:ext cx="864096" cy="720080"/>
+            <a:chOff x="3347864" y="548680"/>
+            <a:chExt cx="864096" cy="720080"/>
+          </a:xfrm>
+        </p:grpSpPr>
+        <p:sp>
+          <p:nvSpPr>
+            <p:cNvPr id="114" name="正方形/長方形 113"/>
+            <p:cNvSpPr/>
+            <p:nvPr/>
+          </p:nvSpPr>
+          <p:spPr>
+            <a:xfrm>
+              <a:off x="3419872" y="548680"/>
+              <a:ext cx="720080" cy="720080"/>
+            </a:xfrm>
+            <a:prstGeom prst="rect">
+              <a:avLst/>
+            </a:prstGeom>
+            <a:solidFill>
+              <a:schemeClr val="accent1">
+                <a:lumMod val="20000"/>
+                <a:lumOff val="80000"/>
+              </a:schemeClr>
+            </a:solidFill>
+            <a:ln>
+              <a:solidFill>
+                <a:schemeClr val="tx1"/>
+              </a:solidFill>
+            </a:ln>
+          </p:spPr>
+          <p:txBody>
+            <a:bodyPr wrap="square" rtlCol="0" anchor="ctr">
+              <a:spAutoFit/>
+            </a:bodyPr>
+            <a:lstStyle/>
+            <a:p>
+              <a:pPr algn="ctr"/>
+              <a:endParaRPr kumimoji="1" lang="ja-JP" altLang="en-US" sz="2400" dirty="0" smtClean="0"/>
+            </a:p>
+          </p:txBody>
+        </p:sp>
+        <p:sp>
+          <p:nvSpPr>
+            <p:cNvPr id="115" name="テキスト ボックス 114"/>
+            <p:cNvSpPr txBox="1"/>
+            <p:nvPr/>
+          </p:nvSpPr>
+          <p:spPr>
+            <a:xfrm flipH="1">
+              <a:off x="3347864" y="663079"/>
+              <a:ext cx="864096" cy="461665"/>
+            </a:xfrm>
+            <a:prstGeom prst="rect">
+              <a:avLst/>
+            </a:prstGeom>
+            <a:noFill/>
+          </p:spPr>
+          <p:txBody>
+            <a:bodyPr wrap="square" rtlCol="0">
+              <a:spAutoFit/>
+            </a:bodyPr>
+            <a:lstStyle/>
+            <a:p>
+              <a:pPr algn="ctr"/>
+              <a:r>
+                <a:rPr kumimoji="1" lang="en-US" altLang="ja-JP" sz="2400" dirty="0" smtClean="0">
+                  <a:latin typeface="Consolas" panose="020B0609020204030204" pitchFamily="49" charset="0"/>
+                </a:rPr>
+                <a:t>dx_2</a:t>
+              </a:r>
+              <a:endParaRPr kumimoji="1" lang="ja-JP" altLang="en-US" sz="2400" dirty="0" smtClean="0">
+                <a:latin typeface="Consolas" panose="020B0609020204030204" pitchFamily="49" charset="0"/>
+              </a:endParaRPr>
+            </a:p>
+          </p:txBody>
+        </p:sp>
+      </p:grpSp>
+      <p:grpSp>
+        <p:nvGrpSpPr>
+          <p:cNvPr id="116" name="グループ化 115"/>
+          <p:cNvGrpSpPr/>
+          <p:nvPr/>
+        </p:nvGrpSpPr>
+        <p:grpSpPr>
+          <a:xfrm>
+            <a:off x="7092280" y="4479503"/>
+            <a:ext cx="864096" cy="720080"/>
+            <a:chOff x="3347864" y="1412776"/>
+            <a:chExt cx="864096" cy="720080"/>
+          </a:xfrm>
+        </p:grpSpPr>
+        <p:sp>
+          <p:nvSpPr>
+            <p:cNvPr id="117" name="正方形/長方形 116"/>
+            <p:cNvSpPr/>
+            <p:nvPr/>
+          </p:nvSpPr>
+          <p:spPr>
+            <a:xfrm>
+              <a:off x="3419872" y="1412776"/>
+              <a:ext cx="720080" cy="720080"/>
+            </a:xfrm>
+            <a:prstGeom prst="rect">
+              <a:avLst/>
+            </a:prstGeom>
+            <a:solidFill>
+              <a:schemeClr val="accent1">
+                <a:lumMod val="20000"/>
+                <a:lumOff val="80000"/>
+              </a:schemeClr>
+            </a:solidFill>
+            <a:ln>
+              <a:solidFill>
+                <a:schemeClr val="tx1"/>
+              </a:solidFill>
+            </a:ln>
+          </p:spPr>
+          <p:txBody>
+            <a:bodyPr wrap="square" rtlCol="0" anchor="ctr">
+              <a:spAutoFit/>
+            </a:bodyPr>
+            <a:lstStyle/>
+            <a:p>
+              <a:pPr algn="ctr"/>
+              <a:endParaRPr kumimoji="1" lang="ja-JP" altLang="en-US" sz="2400" dirty="0" smtClean="0"/>
+            </a:p>
+          </p:txBody>
+        </p:sp>
+        <p:sp>
+          <p:nvSpPr>
+            <p:cNvPr id="118" name="テキスト ボックス 117"/>
+            <p:cNvSpPr txBox="1"/>
+            <p:nvPr/>
+          </p:nvSpPr>
+          <p:spPr>
+            <a:xfrm flipH="1">
+              <a:off x="3347864" y="1527175"/>
+              <a:ext cx="864096" cy="461665"/>
+            </a:xfrm>
+            <a:prstGeom prst="rect">
+              <a:avLst/>
+            </a:prstGeom>
+            <a:noFill/>
+          </p:spPr>
+          <p:txBody>
+            <a:bodyPr wrap="square" rtlCol="0">
+              <a:spAutoFit/>
+            </a:bodyPr>
+            <a:lstStyle/>
+            <a:p>
+              <a:pPr algn="ctr"/>
+              <a:r>
+                <a:rPr kumimoji="1" lang="en-US" altLang="ja-JP" sz="2400" dirty="0" smtClean="0">
+                  <a:latin typeface="Consolas" panose="020B0609020204030204" pitchFamily="49" charset="0"/>
+                </a:rPr>
+                <a:t>dx_3</a:t>
+              </a:r>
+              <a:endParaRPr kumimoji="1" lang="ja-JP" altLang="en-US" sz="2400" dirty="0" smtClean="0">
+                <a:latin typeface="Consolas" panose="020B0609020204030204" pitchFamily="49" charset="0"/>
+              </a:endParaRPr>
+            </a:p>
+          </p:txBody>
+        </p:sp>
+      </p:grpSp>
+      <p:grpSp>
+        <p:nvGrpSpPr>
+          <p:cNvPr id="119" name="グループ化 118"/>
+          <p:cNvGrpSpPr/>
+          <p:nvPr/>
+        </p:nvGrpSpPr>
+        <p:grpSpPr>
+          <a:xfrm>
+            <a:off x="6372200" y="4479503"/>
+            <a:ext cx="864096" cy="720080"/>
+            <a:chOff x="1907704" y="548680"/>
+            <a:chExt cx="864096" cy="720080"/>
+          </a:xfrm>
+        </p:grpSpPr>
+        <p:sp>
+          <p:nvSpPr>
+            <p:cNvPr id="120" name="正方形/長方形 119"/>
+            <p:cNvSpPr/>
+            <p:nvPr/>
+          </p:nvSpPr>
+          <p:spPr>
+            <a:xfrm>
+              <a:off x="1979712" y="548680"/>
+              <a:ext cx="720080" cy="720080"/>
+            </a:xfrm>
+            <a:prstGeom prst="rect">
+              <a:avLst/>
+            </a:prstGeom>
+            <a:solidFill>
+              <a:schemeClr val="accent2">
+                <a:lumMod val="20000"/>
+                <a:lumOff val="80000"/>
+              </a:schemeClr>
+            </a:solidFill>
+            <a:ln>
+              <a:solidFill>
+                <a:schemeClr val="tx1"/>
+              </a:solidFill>
+            </a:ln>
+          </p:spPr>
+          <p:txBody>
+            <a:bodyPr wrap="square" rtlCol="0" anchor="ctr">
+              <a:spAutoFit/>
+            </a:bodyPr>
+            <a:lstStyle/>
+            <a:p>
+              <a:pPr algn="ctr"/>
+              <a:endParaRPr kumimoji="1" lang="ja-JP" altLang="en-US" sz="2400" dirty="0" smtClean="0"/>
+            </a:p>
+          </p:txBody>
+        </p:sp>
+        <p:sp>
+          <p:nvSpPr>
+            <p:cNvPr id="121" name="テキスト ボックス 120"/>
+            <p:cNvSpPr txBox="1"/>
+            <p:nvPr/>
+          </p:nvSpPr>
+          <p:spPr>
+            <a:xfrm flipH="1">
+              <a:off x="1907704" y="663079"/>
+              <a:ext cx="864096" cy="461665"/>
+            </a:xfrm>
+            <a:prstGeom prst="rect">
+              <a:avLst/>
+            </a:prstGeom>
+            <a:noFill/>
+          </p:spPr>
+          <p:txBody>
+            <a:bodyPr wrap="square" rtlCol="0">
+              <a:spAutoFit/>
+            </a:bodyPr>
+            <a:lstStyle/>
+            <a:p>
+              <a:pPr algn="ctr"/>
+              <a:r>
+                <a:rPr kumimoji="1" lang="en-US" altLang="ja-JP" sz="2400" dirty="0" smtClean="0">
+                  <a:latin typeface="Consolas" panose="020B0609020204030204" pitchFamily="49" charset="0"/>
+                </a:rPr>
+                <a:t>dz_2</a:t>
+              </a:r>
+              <a:endParaRPr kumimoji="1" lang="ja-JP" altLang="en-US" sz="2400" dirty="0" smtClean="0">
+                <a:latin typeface="Consolas" panose="020B0609020204030204" pitchFamily="49" charset="0"/>
+              </a:endParaRPr>
+            </a:p>
+          </p:txBody>
+        </p:sp>
+      </p:grpSp>
+      <p:grpSp>
+        <p:nvGrpSpPr>
+          <p:cNvPr id="122" name="グループ化 121"/>
+          <p:cNvGrpSpPr/>
+          <p:nvPr/>
+        </p:nvGrpSpPr>
+        <p:grpSpPr>
+          <a:xfrm>
+            <a:off x="5652120" y="4479503"/>
+            <a:ext cx="864096" cy="720080"/>
+            <a:chOff x="1907704" y="1412776"/>
+            <a:chExt cx="864096" cy="720080"/>
+          </a:xfrm>
+        </p:grpSpPr>
+        <p:sp>
+          <p:nvSpPr>
+            <p:cNvPr id="123" name="正方形/長方形 122"/>
+            <p:cNvSpPr/>
+            <p:nvPr/>
+          </p:nvSpPr>
+          <p:spPr>
+            <a:xfrm>
+              <a:off x="1979712" y="1412776"/>
+              <a:ext cx="720080" cy="720080"/>
+            </a:xfrm>
+            <a:prstGeom prst="rect">
+              <a:avLst/>
+            </a:prstGeom>
+            <a:solidFill>
+              <a:schemeClr val="accent2">
+                <a:lumMod val="20000"/>
+                <a:lumOff val="80000"/>
+              </a:schemeClr>
+            </a:solidFill>
+            <a:ln>
+              <a:solidFill>
+                <a:schemeClr val="tx1"/>
+              </a:solidFill>
+            </a:ln>
+          </p:spPr>
+          <p:txBody>
+            <a:bodyPr wrap="square" rtlCol="0" anchor="ctr">
+              <a:spAutoFit/>
+            </a:bodyPr>
+            <a:lstStyle/>
+            <a:p>
+              <a:pPr algn="ctr"/>
+              <a:endParaRPr kumimoji="1" lang="ja-JP" altLang="en-US" sz="2400" dirty="0" smtClean="0"/>
+            </a:p>
+          </p:txBody>
+        </p:sp>
+        <p:sp>
+          <p:nvSpPr>
+            <p:cNvPr id="124" name="テキスト ボックス 123"/>
+            <p:cNvSpPr txBox="1"/>
+            <p:nvPr/>
+          </p:nvSpPr>
+          <p:spPr>
+            <a:xfrm flipH="1">
+              <a:off x="1907704" y="1527175"/>
+              <a:ext cx="864096" cy="461665"/>
+            </a:xfrm>
+            <a:prstGeom prst="rect">
+              <a:avLst/>
+            </a:prstGeom>
+            <a:noFill/>
+          </p:spPr>
+          <p:txBody>
+            <a:bodyPr wrap="square" rtlCol="0">
+              <a:spAutoFit/>
+            </a:bodyPr>
+            <a:lstStyle/>
+            <a:p>
+              <a:pPr algn="ctr"/>
+              <a:r>
+                <a:rPr kumimoji="1" lang="en-US" altLang="ja-JP" sz="2400" dirty="0" smtClean="0">
+                  <a:latin typeface="Consolas" panose="020B0609020204030204" pitchFamily="49" charset="0"/>
+                </a:rPr>
+                <a:t>dz_3</a:t>
+              </a:r>
+              <a:endParaRPr kumimoji="1" lang="ja-JP" altLang="en-US" sz="2400" dirty="0" smtClean="0">
+                <a:latin typeface="Consolas" panose="020B0609020204030204" pitchFamily="49" charset="0"/>
+              </a:endParaRPr>
+            </a:p>
+          </p:txBody>
+        </p:sp>
+      </p:grpSp>
+      <p:sp>
+        <p:nvSpPr>
+          <p:cNvPr id="125" name="正方形/長方形 124"/>
+          <p:cNvSpPr/>
+          <p:nvPr/>
+        </p:nvSpPr>
+        <p:spPr>
+          <a:xfrm>
+            <a:off x="7164288" y="4479503"/>
+            <a:ext cx="1440160" cy="720080"/>
+          </a:xfrm>
+          <a:prstGeom prst="rect">
+            <a:avLst/>
+          </a:prstGeom>
+          <a:ln w="38100">
+            <a:solidFill>
+              <a:schemeClr val="tx1"/>
+            </a:solidFill>
+          </a:ln>
+        </p:spPr>
+        <p:txBody>
+          <a:bodyPr wrap="square" rtlCol="0" anchor="ctr">
+            <a:spAutoFit/>
+          </a:bodyPr>
+          <a:lstStyle/>
+          <a:p>
+            <a:pPr algn="ctr"/>
+            <a:endParaRPr kumimoji="1" lang="ja-JP" altLang="en-US" sz="2400" dirty="0" smtClean="0"/>
+          </a:p>
+        </p:txBody>
+      </p:sp>
+      <p:sp>
+        <p:nvSpPr>
+          <p:cNvPr id="126" name="正方形/長方形 125"/>
+          <p:cNvSpPr/>
+          <p:nvPr/>
+        </p:nvSpPr>
+        <p:spPr>
+          <a:xfrm>
+            <a:off x="5724128" y="4479503"/>
+            <a:ext cx="1440160" cy="720080"/>
+          </a:xfrm>
+          <a:prstGeom prst="rect">
+            <a:avLst/>
+          </a:prstGeom>
+          <a:ln w="38100">
+            <a:solidFill>
+              <a:schemeClr val="tx1"/>
+            </a:solidFill>
+          </a:ln>
+        </p:spPr>
+        <p:txBody>
+          <a:bodyPr wrap="square" rtlCol="0" anchor="ctr">
+            <a:spAutoFit/>
+          </a:bodyPr>
+          <a:lstStyle/>
+          <a:p>
+            <a:pPr algn="ctr"/>
+            <a:endParaRPr kumimoji="1" lang="ja-JP" altLang="en-US" sz="2400" dirty="0" smtClean="0"/>
+          </a:p>
+        </p:txBody>
+      </p:sp>
+      <p:grpSp>
+        <p:nvGrpSpPr>
+          <p:cNvPr id="127" name="グループ化 126"/>
+          <p:cNvGrpSpPr/>
+          <p:nvPr/>
+        </p:nvGrpSpPr>
+        <p:grpSpPr>
+          <a:xfrm>
+            <a:off x="7812360" y="3039343"/>
+            <a:ext cx="864096" cy="720080"/>
+            <a:chOff x="1907704" y="548680"/>
+            <a:chExt cx="864096" cy="720080"/>
+          </a:xfrm>
+        </p:grpSpPr>
+        <p:sp>
+          <p:nvSpPr>
+            <p:cNvPr id="128" name="正方形/長方形 127"/>
+            <p:cNvSpPr/>
+            <p:nvPr/>
+          </p:nvSpPr>
+          <p:spPr>
+            <a:xfrm>
+              <a:off x="1979712" y="548680"/>
+              <a:ext cx="720080" cy="720080"/>
+            </a:xfrm>
+            <a:prstGeom prst="rect">
+              <a:avLst/>
+            </a:prstGeom>
+            <a:solidFill>
+              <a:schemeClr val="accent2">
+                <a:lumMod val="20000"/>
+                <a:lumOff val="80000"/>
+              </a:schemeClr>
+            </a:solidFill>
+            <a:ln>
+              <a:solidFill>
+                <a:schemeClr val="tx1"/>
+              </a:solidFill>
+            </a:ln>
+          </p:spPr>
+          <p:txBody>
+            <a:bodyPr wrap="square" rtlCol="0" anchor="ctr">
+              <a:spAutoFit/>
+            </a:bodyPr>
+            <a:lstStyle/>
+            <a:p>
+              <a:pPr algn="ctr"/>
+              <a:endParaRPr kumimoji="1" lang="ja-JP" altLang="en-US" sz="2400" dirty="0" smtClean="0"/>
+            </a:p>
+          </p:txBody>
+        </p:sp>
+        <p:sp>
+          <p:nvSpPr>
+            <p:cNvPr id="129" name="テキスト ボックス 128"/>
+            <p:cNvSpPr txBox="1"/>
+            <p:nvPr/>
+          </p:nvSpPr>
+          <p:spPr>
+            <a:xfrm flipH="1">
+              <a:off x="1907704" y="663079"/>
+              <a:ext cx="864096" cy="461665"/>
+            </a:xfrm>
+            <a:prstGeom prst="rect">
+              <a:avLst/>
+            </a:prstGeom>
+            <a:noFill/>
+          </p:spPr>
+          <p:txBody>
+            <a:bodyPr wrap="square" rtlCol="0">
+              <a:spAutoFit/>
+            </a:bodyPr>
+            <a:lstStyle/>
+            <a:p>
+              <a:pPr algn="ctr"/>
+              <a:r>
+                <a:rPr kumimoji="1" lang="en-US" altLang="ja-JP" sz="2400" dirty="0" smtClean="0">
+                  <a:latin typeface="Consolas" panose="020B0609020204030204" pitchFamily="49" charset="0"/>
+                </a:rPr>
+                <a:t>dz_0</a:t>
+              </a:r>
+              <a:endParaRPr kumimoji="1" lang="ja-JP" altLang="en-US" sz="2400" dirty="0" smtClean="0">
+                <a:latin typeface="Consolas" panose="020B0609020204030204" pitchFamily="49" charset="0"/>
+              </a:endParaRPr>
+            </a:p>
+          </p:txBody>
+        </p:sp>
+      </p:grpSp>
+      <p:grpSp>
+        <p:nvGrpSpPr>
+          <p:cNvPr id="130" name="グループ化 129"/>
+          <p:cNvGrpSpPr/>
+          <p:nvPr/>
+        </p:nvGrpSpPr>
+        <p:grpSpPr>
+          <a:xfrm>
+            <a:off x="7092280" y="3039343"/>
+            <a:ext cx="864096" cy="720080"/>
+            <a:chOff x="1907704" y="1412776"/>
+            <a:chExt cx="864096" cy="720080"/>
+          </a:xfrm>
+        </p:grpSpPr>
+        <p:sp>
+          <p:nvSpPr>
+            <p:cNvPr id="131" name="正方形/長方形 130"/>
+            <p:cNvSpPr/>
+            <p:nvPr/>
+          </p:nvSpPr>
+          <p:spPr>
+            <a:xfrm>
+              <a:off x="1979712" y="1412776"/>
+              <a:ext cx="720080" cy="720080"/>
+            </a:xfrm>
+            <a:prstGeom prst="rect">
+              <a:avLst/>
+            </a:prstGeom>
+            <a:solidFill>
+              <a:schemeClr val="accent2">
+                <a:lumMod val="20000"/>
+                <a:lumOff val="80000"/>
+              </a:schemeClr>
+            </a:solidFill>
+            <a:ln>
+              <a:solidFill>
+                <a:schemeClr val="tx1"/>
+              </a:solidFill>
+            </a:ln>
+          </p:spPr>
+          <p:txBody>
+            <a:bodyPr wrap="square" rtlCol="0" anchor="ctr">
+              <a:spAutoFit/>
+            </a:bodyPr>
+            <a:lstStyle/>
+            <a:p>
+              <a:pPr algn="ctr"/>
+              <a:endParaRPr kumimoji="1" lang="ja-JP" altLang="en-US" sz="2400" dirty="0" smtClean="0"/>
+            </a:p>
+          </p:txBody>
+        </p:sp>
+        <p:sp>
+          <p:nvSpPr>
+            <p:cNvPr id="132" name="テキスト ボックス 131"/>
+            <p:cNvSpPr txBox="1"/>
+            <p:nvPr/>
+          </p:nvSpPr>
+          <p:spPr>
+            <a:xfrm flipH="1">
+              <a:off x="1907704" y="1527175"/>
+              <a:ext cx="864096" cy="461665"/>
+            </a:xfrm>
+            <a:prstGeom prst="rect">
+              <a:avLst/>
+            </a:prstGeom>
+            <a:noFill/>
+          </p:spPr>
+          <p:txBody>
+            <a:bodyPr wrap="square" rtlCol="0">
+              <a:spAutoFit/>
+            </a:bodyPr>
+            <a:lstStyle/>
+            <a:p>
+              <a:pPr algn="ctr"/>
+              <a:r>
+                <a:rPr kumimoji="1" lang="en-US" altLang="ja-JP" sz="2400" dirty="0" smtClean="0">
+                  <a:latin typeface="Consolas" panose="020B0609020204030204" pitchFamily="49" charset="0"/>
+                </a:rPr>
+                <a:t>dz_1</a:t>
+              </a:r>
+              <a:endParaRPr kumimoji="1" lang="ja-JP" altLang="en-US" sz="2400" dirty="0" smtClean="0">
+                <a:latin typeface="Consolas" panose="020B0609020204030204" pitchFamily="49" charset="0"/>
+              </a:endParaRPr>
+            </a:p>
+          </p:txBody>
+        </p:sp>
+      </p:grpSp>
+      <p:sp>
+        <p:nvSpPr>
+          <p:cNvPr id="133" name="正方形/長方形 132"/>
+          <p:cNvSpPr/>
+          <p:nvPr/>
+        </p:nvSpPr>
+        <p:spPr>
+          <a:xfrm>
+            <a:off x="7164288" y="3039343"/>
+            <a:ext cx="1440160" cy="720080"/>
+          </a:xfrm>
+          <a:prstGeom prst="rect">
+            <a:avLst/>
+          </a:prstGeom>
+          <a:ln w="38100">
+            <a:solidFill>
+              <a:schemeClr val="tx1"/>
+            </a:solidFill>
+          </a:ln>
+        </p:spPr>
+        <p:txBody>
+          <a:bodyPr wrap="square" rtlCol="0" anchor="ctr">
+            <a:spAutoFit/>
+          </a:bodyPr>
+          <a:lstStyle/>
+          <a:p>
+            <a:pPr algn="ctr"/>
+            <a:endParaRPr kumimoji="1" lang="ja-JP" altLang="en-US" sz="2400" dirty="0" smtClean="0"/>
+          </a:p>
+        </p:txBody>
+      </p:sp>
+      <p:grpSp>
+        <p:nvGrpSpPr>
+          <p:cNvPr id="134" name="グループ化 133"/>
+          <p:cNvGrpSpPr/>
+          <p:nvPr/>
+        </p:nvGrpSpPr>
+        <p:grpSpPr>
+          <a:xfrm>
+            <a:off x="6372200" y="3039343"/>
+            <a:ext cx="864096" cy="720080"/>
+            <a:chOff x="1907704" y="548680"/>
+            <a:chExt cx="864096" cy="720080"/>
+          </a:xfrm>
+        </p:grpSpPr>
+        <p:sp>
+          <p:nvSpPr>
+            <p:cNvPr id="135" name="正方形/長方形 134"/>
+            <p:cNvSpPr/>
+            <p:nvPr/>
+          </p:nvSpPr>
+          <p:spPr>
+            <a:xfrm>
+              <a:off x="1979712" y="548680"/>
+              <a:ext cx="720080" cy="720080"/>
+            </a:xfrm>
+            <a:prstGeom prst="rect">
+              <a:avLst/>
+            </a:prstGeom>
+            <a:solidFill>
+              <a:schemeClr val="accent2">
+                <a:lumMod val="20000"/>
+                <a:lumOff val="80000"/>
+              </a:schemeClr>
+            </a:solidFill>
+            <a:ln>
+              <a:solidFill>
+                <a:schemeClr val="tx1"/>
+              </a:solidFill>
+            </a:ln>
+          </p:spPr>
+          <p:txBody>
+            <a:bodyPr wrap="square" rtlCol="0" anchor="ctr">
+              <a:spAutoFit/>
+            </a:bodyPr>
+            <a:lstStyle/>
+            <a:p>
+              <a:pPr algn="ctr"/>
+              <a:endParaRPr kumimoji="1" lang="ja-JP" altLang="en-US" sz="2400" dirty="0" smtClean="0"/>
+            </a:p>
+          </p:txBody>
+        </p:sp>
+        <p:sp>
+          <p:nvSpPr>
+            <p:cNvPr id="136" name="テキスト ボックス 135"/>
+            <p:cNvSpPr txBox="1"/>
+            <p:nvPr/>
+          </p:nvSpPr>
+          <p:spPr>
+            <a:xfrm flipH="1">
+              <a:off x="1907704" y="663079"/>
+              <a:ext cx="864096" cy="461665"/>
+            </a:xfrm>
+            <a:prstGeom prst="rect">
+              <a:avLst/>
+            </a:prstGeom>
+            <a:noFill/>
+          </p:spPr>
+          <p:txBody>
+            <a:bodyPr wrap="square" rtlCol="0">
+              <a:spAutoFit/>
+            </a:bodyPr>
+            <a:lstStyle/>
+            <a:p>
+              <a:pPr algn="ctr"/>
+              <a:r>
+                <a:rPr kumimoji="1" lang="en-US" altLang="ja-JP" sz="2400" dirty="0" smtClean="0">
+                  <a:latin typeface="Consolas" panose="020B0609020204030204" pitchFamily="49" charset="0"/>
+                </a:rPr>
+                <a:t>dz_2</a:t>
+              </a:r>
+              <a:endParaRPr kumimoji="1" lang="ja-JP" altLang="en-US" sz="2400" dirty="0" smtClean="0">
+                <a:latin typeface="Consolas" panose="020B0609020204030204" pitchFamily="49" charset="0"/>
+              </a:endParaRPr>
+            </a:p>
+          </p:txBody>
+        </p:sp>
+      </p:grpSp>
+      <p:grpSp>
+        <p:nvGrpSpPr>
+          <p:cNvPr id="137" name="グループ化 136"/>
+          <p:cNvGrpSpPr/>
+          <p:nvPr/>
+        </p:nvGrpSpPr>
+        <p:grpSpPr>
+          <a:xfrm>
+            <a:off x="5652120" y="3039343"/>
+            <a:ext cx="864096" cy="720080"/>
+            <a:chOff x="1907704" y="1412776"/>
+            <a:chExt cx="864096" cy="720080"/>
+          </a:xfrm>
+        </p:grpSpPr>
+        <p:sp>
+          <p:nvSpPr>
+            <p:cNvPr id="138" name="正方形/長方形 137"/>
+            <p:cNvSpPr/>
+            <p:nvPr/>
+          </p:nvSpPr>
+          <p:spPr>
+            <a:xfrm>
+              <a:off x="1979712" y="1412776"/>
+              <a:ext cx="720080" cy="720080"/>
+            </a:xfrm>
+            <a:prstGeom prst="rect">
+              <a:avLst/>
+            </a:prstGeom>
+            <a:solidFill>
+              <a:schemeClr val="accent2">
+                <a:lumMod val="20000"/>
+                <a:lumOff val="80000"/>
+              </a:schemeClr>
+            </a:solidFill>
+            <a:ln>
+              <a:solidFill>
+                <a:schemeClr val="tx1"/>
+              </a:solidFill>
+            </a:ln>
+          </p:spPr>
+          <p:txBody>
+            <a:bodyPr wrap="square" rtlCol="0" anchor="ctr">
+              <a:spAutoFit/>
+            </a:bodyPr>
+            <a:lstStyle/>
+            <a:p>
+              <a:pPr algn="ctr"/>
+              <a:endParaRPr kumimoji="1" lang="ja-JP" altLang="en-US" sz="2400" dirty="0" smtClean="0"/>
+            </a:p>
+          </p:txBody>
+        </p:sp>
+        <p:sp>
+          <p:nvSpPr>
+            <p:cNvPr id="139" name="テキスト ボックス 138"/>
+            <p:cNvSpPr txBox="1"/>
+            <p:nvPr/>
+          </p:nvSpPr>
+          <p:spPr>
+            <a:xfrm flipH="1">
+              <a:off x="1907704" y="1527175"/>
+              <a:ext cx="864096" cy="461665"/>
+            </a:xfrm>
+            <a:prstGeom prst="rect">
+              <a:avLst/>
+            </a:prstGeom>
+            <a:noFill/>
+          </p:spPr>
+          <p:txBody>
+            <a:bodyPr wrap="square" rtlCol="0">
+              <a:spAutoFit/>
+            </a:bodyPr>
+            <a:lstStyle/>
+            <a:p>
+              <a:pPr algn="ctr"/>
+              <a:r>
+                <a:rPr kumimoji="1" lang="en-US" altLang="ja-JP" sz="2400" dirty="0" smtClean="0">
+                  <a:latin typeface="Consolas" panose="020B0609020204030204" pitchFamily="49" charset="0"/>
+                </a:rPr>
+                <a:t>dz_3</a:t>
+              </a:r>
+              <a:endParaRPr kumimoji="1" lang="ja-JP" altLang="en-US" sz="2400" dirty="0" smtClean="0">
+                <a:latin typeface="Consolas" panose="020B0609020204030204" pitchFamily="49" charset="0"/>
+              </a:endParaRPr>
+            </a:p>
+          </p:txBody>
+        </p:sp>
+      </p:grpSp>
+      <p:sp>
+        <p:nvSpPr>
+          <p:cNvPr id="140" name="正方形/長方形 139"/>
+          <p:cNvSpPr/>
+          <p:nvPr/>
+        </p:nvSpPr>
+        <p:spPr>
+          <a:xfrm>
+            <a:off x="5724128" y="3039343"/>
+            <a:ext cx="1440160" cy="720080"/>
+          </a:xfrm>
+          <a:prstGeom prst="rect">
+            <a:avLst/>
+          </a:prstGeom>
+          <a:ln w="38100">
+            <a:solidFill>
+              <a:schemeClr val="tx1"/>
+            </a:solidFill>
+          </a:ln>
+        </p:spPr>
+        <p:txBody>
+          <a:bodyPr wrap="square" rtlCol="0" anchor="ctr">
+            <a:spAutoFit/>
+          </a:bodyPr>
+          <a:lstStyle/>
+          <a:p>
+            <a:pPr algn="ctr"/>
+            <a:endParaRPr kumimoji="1" lang="ja-JP" altLang="en-US" sz="2400" dirty="0" smtClean="0"/>
+          </a:p>
+        </p:txBody>
+      </p:sp>
+      <p:sp>
+        <p:nvSpPr>
+          <p:cNvPr id="141" name="正方形/長方形 140"/>
+          <p:cNvSpPr/>
+          <p:nvPr/>
+        </p:nvSpPr>
+        <p:spPr>
+          <a:xfrm>
+            <a:off x="2555776" y="2391271"/>
+            <a:ext cx="694421" cy="461665"/>
+          </a:xfrm>
+          <a:prstGeom prst="rect">
+            <a:avLst/>
+          </a:prstGeom>
+        </p:spPr>
+        <p:txBody>
+          <a:bodyPr wrap="none">
+            <a:spAutoFit/>
+          </a:bodyPr>
+          <a:lstStyle/>
+          <a:p>
+            <a:r>
+              <a:rPr lang="en-US" altLang="ja-JP" sz="2400" dirty="0" smtClean="0">
+                <a:latin typeface="Consolas" panose="020B0609020204030204" pitchFamily="49" charset="0"/>
+              </a:rPr>
+              <a:t>0*1</a:t>
+            </a:r>
+            <a:endParaRPr lang="en-US" altLang="ja-JP" sz="2400" b="0" dirty="0">
+              <a:effectLst/>
+              <a:latin typeface="Consolas" panose="020B0609020204030204" pitchFamily="49" charset="0"/>
+            </a:endParaRPr>
+          </a:p>
+        </p:txBody>
+      </p:sp>
+      <p:sp>
+        <p:nvSpPr>
+          <p:cNvPr id="142" name="正方形/長方形 141"/>
+          <p:cNvSpPr/>
+          <p:nvPr/>
+        </p:nvSpPr>
+        <p:spPr>
+          <a:xfrm>
+            <a:off x="3203848" y="3831431"/>
+            <a:ext cx="864339" cy="461665"/>
+          </a:xfrm>
+          <a:prstGeom prst="rect">
+            <a:avLst/>
+          </a:prstGeom>
+        </p:spPr>
+        <p:txBody>
+          <a:bodyPr wrap="none">
+            <a:spAutoFit/>
+          </a:bodyPr>
+          <a:lstStyle/>
+          <a:p>
+            <a:r>
+              <a:rPr lang="en-US" altLang="ja-JP" sz="2400" dirty="0" smtClean="0">
+                <a:latin typeface="Consolas" panose="020B0609020204030204" pitchFamily="49" charset="0"/>
+              </a:rPr>
+              <a:t>2*16</a:t>
+            </a:r>
+            <a:endParaRPr lang="en-US" altLang="ja-JP" sz="2400" b="0" dirty="0">
+              <a:effectLst/>
+              <a:latin typeface="Consolas" panose="020B0609020204030204" pitchFamily="49" charset="0"/>
+            </a:endParaRPr>
+          </a:p>
+        </p:txBody>
+      </p:sp>
+      <p:sp>
+        <p:nvSpPr>
+          <p:cNvPr id="143" name="正方形/長方形 142"/>
+          <p:cNvSpPr/>
+          <p:nvPr/>
+        </p:nvSpPr>
+        <p:spPr>
+          <a:xfrm>
+            <a:off x="3425328" y="1095127"/>
+            <a:ext cx="354584" cy="461665"/>
+          </a:xfrm>
+          <a:prstGeom prst="rect">
+            <a:avLst/>
+          </a:prstGeom>
+        </p:spPr>
+        <p:txBody>
+          <a:bodyPr wrap="none">
+            <a:spAutoFit/>
+          </a:bodyPr>
+          <a:lstStyle/>
+          <a:p>
+            <a:r>
+              <a:rPr lang="en-US" altLang="ja-JP" sz="2400" dirty="0" smtClean="0">
+                <a:latin typeface="Consolas" panose="020B0609020204030204" pitchFamily="49" charset="0"/>
+              </a:rPr>
+              <a:t>0</a:t>
+            </a:r>
+            <a:endParaRPr lang="en-US" altLang="ja-JP" sz="2400" b="0" dirty="0">
+              <a:effectLst/>
+              <a:latin typeface="Consolas" panose="020B0609020204030204" pitchFamily="49" charset="0"/>
+            </a:endParaRPr>
+          </a:p>
+        </p:txBody>
+      </p:sp>
+      <p:sp>
+        <p:nvSpPr>
+          <p:cNvPr id="144" name="正方形/長方形 143"/>
+          <p:cNvSpPr/>
+          <p:nvPr/>
+        </p:nvSpPr>
+        <p:spPr>
+          <a:xfrm>
+            <a:off x="1979712" y="1095127"/>
+            <a:ext cx="354584" cy="461665"/>
+          </a:xfrm>
+          <a:prstGeom prst="rect">
+            <a:avLst/>
+          </a:prstGeom>
+        </p:spPr>
+        <p:txBody>
+          <a:bodyPr wrap="none">
+            <a:spAutoFit/>
+          </a:bodyPr>
+          <a:lstStyle/>
+          <a:p>
+            <a:r>
+              <a:rPr lang="en-US" altLang="ja-JP" sz="2400" dirty="0" smtClean="0">
+                <a:latin typeface="Consolas" panose="020B0609020204030204" pitchFamily="49" charset="0"/>
+              </a:rPr>
+              <a:t>1</a:t>
+            </a:r>
+            <a:endParaRPr lang="en-US" altLang="ja-JP" sz="2400" b="0" dirty="0">
+              <a:effectLst/>
+              <a:latin typeface="Consolas" panose="020B0609020204030204" pitchFamily="49" charset="0"/>
+            </a:endParaRPr>
+          </a:p>
+        </p:txBody>
+      </p:sp>
+      <p:sp>
+        <p:nvSpPr>
+          <p:cNvPr id="145" name="正方形/長方形 144"/>
+          <p:cNvSpPr/>
+          <p:nvPr/>
+        </p:nvSpPr>
+        <p:spPr>
+          <a:xfrm>
+            <a:off x="3425328" y="5313982"/>
+            <a:ext cx="354584" cy="461665"/>
+          </a:xfrm>
+          <a:prstGeom prst="rect">
+            <a:avLst/>
+          </a:prstGeom>
+        </p:spPr>
+        <p:txBody>
+          <a:bodyPr wrap="none">
+            <a:spAutoFit/>
+          </a:bodyPr>
+          <a:lstStyle/>
+          <a:p>
+            <a:r>
+              <a:rPr lang="en-US" altLang="ja-JP" sz="2400" dirty="0" smtClean="0">
+                <a:latin typeface="Consolas" panose="020B0609020204030204" pitchFamily="49" charset="0"/>
+              </a:rPr>
+              <a:t>2</a:t>
+            </a:r>
+            <a:endParaRPr lang="en-US" altLang="ja-JP" sz="2400" b="0" dirty="0">
+              <a:effectLst/>
+              <a:latin typeface="Consolas" panose="020B0609020204030204" pitchFamily="49" charset="0"/>
+            </a:endParaRPr>
+          </a:p>
+        </p:txBody>
+      </p:sp>
+      <p:sp>
+        <p:nvSpPr>
+          <p:cNvPr id="146" name="正方形/長方形 145"/>
+          <p:cNvSpPr/>
+          <p:nvPr/>
+        </p:nvSpPr>
+        <p:spPr>
+          <a:xfrm>
+            <a:off x="1985168" y="5313982"/>
+            <a:ext cx="354584" cy="461665"/>
+          </a:xfrm>
+          <a:prstGeom prst="rect">
+            <a:avLst/>
+          </a:prstGeom>
+        </p:spPr>
+        <p:txBody>
+          <a:bodyPr wrap="none">
+            <a:spAutoFit/>
+          </a:bodyPr>
+          <a:lstStyle/>
+          <a:p>
+            <a:r>
+              <a:rPr lang="en-US" altLang="ja-JP" sz="2400" dirty="0" smtClean="0">
+                <a:latin typeface="Consolas" panose="020B0609020204030204" pitchFamily="49" charset="0"/>
+              </a:rPr>
+              <a:t>3</a:t>
+            </a:r>
+            <a:endParaRPr lang="en-US" altLang="ja-JP" sz="2400" b="0" dirty="0">
+              <a:effectLst/>
+              <a:latin typeface="Consolas" panose="020B0609020204030204" pitchFamily="49" charset="0"/>
+            </a:endParaRPr>
+          </a:p>
+        </p:txBody>
+      </p:sp>
+      <p:cxnSp>
+        <p:nvCxnSpPr>
+          <p:cNvPr id="148" name="直線矢印コネクタ 147"/>
+          <p:cNvCxnSpPr>
+            <a:stCxn id="111" idx="2"/>
+            <a:endCxn id="133" idx="0"/>
+          </p:cNvCxnSpPr>
+          <p:nvPr/>
+        </p:nvCxnSpPr>
+        <p:spPr>
+          <a:xfrm>
+            <a:off x="6444208" y="2319263"/>
+            <a:ext cx="1440160" cy="720080"/>
+          </a:xfrm>
+          <a:prstGeom prst="straightConnector1">
+            <a:avLst/>
+          </a:prstGeom>
+          <a:ln>
+            <a:solidFill>
+              <a:schemeClr val="tx1"/>
+            </a:solidFill>
+            <a:headEnd type="none"/>
+            <a:tailEnd type="triangle"/>
+          </a:ln>
+          <a:effectLst/>
+        </p:spPr>
+        <p:style>
+          <a:lnRef idx="2">
+            <a:schemeClr val="accent1"/>
+          </a:lnRef>
+          <a:fillRef idx="0">
+            <a:schemeClr val="accent1"/>
+          </a:fillRef>
+          <a:effectRef idx="1">
+            <a:schemeClr val="accent1"/>
+          </a:effectRef>
+          <a:fontRef idx="minor">
+            <a:schemeClr val="tx1"/>
+          </a:fontRef>
+        </p:style>
+      </p:cxnSp>
+      <p:sp>
+        <p:nvSpPr>
+          <p:cNvPr id="149" name="正方形/長方形 148"/>
+          <p:cNvSpPr/>
+          <p:nvPr/>
+        </p:nvSpPr>
+        <p:spPr>
+          <a:xfrm>
+            <a:off x="7673800" y="1095127"/>
+            <a:ext cx="354584" cy="461665"/>
+          </a:xfrm>
+          <a:prstGeom prst="rect">
+            <a:avLst/>
+          </a:prstGeom>
+        </p:spPr>
+        <p:txBody>
+          <a:bodyPr wrap="none">
+            <a:spAutoFit/>
+          </a:bodyPr>
+          <a:lstStyle/>
+          <a:p>
+            <a:r>
+              <a:rPr lang="en-US" altLang="ja-JP" sz="2400" dirty="0" smtClean="0">
+                <a:latin typeface="Consolas" panose="020B0609020204030204" pitchFamily="49" charset="0"/>
+              </a:rPr>
+              <a:t>0</a:t>
+            </a:r>
+            <a:endParaRPr lang="en-US" altLang="ja-JP" sz="2400" b="0" dirty="0">
+              <a:effectLst/>
+              <a:latin typeface="Consolas" panose="020B0609020204030204" pitchFamily="49" charset="0"/>
+            </a:endParaRPr>
+          </a:p>
+        </p:txBody>
+      </p:sp>
+      <p:sp>
+        <p:nvSpPr>
+          <p:cNvPr id="150" name="正方形/長方形 149"/>
+          <p:cNvSpPr/>
+          <p:nvPr/>
+        </p:nvSpPr>
+        <p:spPr>
+          <a:xfrm>
+            <a:off x="6228184" y="1095127"/>
+            <a:ext cx="354584" cy="461665"/>
+          </a:xfrm>
+          <a:prstGeom prst="rect">
+            <a:avLst/>
+          </a:prstGeom>
+        </p:spPr>
+        <p:txBody>
+          <a:bodyPr wrap="none">
+            <a:spAutoFit/>
+          </a:bodyPr>
+          <a:lstStyle/>
+          <a:p>
+            <a:r>
+              <a:rPr lang="en-US" altLang="ja-JP" sz="2400" dirty="0" smtClean="0">
+                <a:latin typeface="Consolas" panose="020B0609020204030204" pitchFamily="49" charset="0"/>
+              </a:rPr>
+              <a:t>1</a:t>
+            </a:r>
+            <a:endParaRPr lang="en-US" altLang="ja-JP" sz="2400" b="0" dirty="0">
+              <a:effectLst/>
+              <a:latin typeface="Consolas" panose="020B0609020204030204" pitchFamily="49" charset="0"/>
+            </a:endParaRPr>
+          </a:p>
+        </p:txBody>
+      </p:sp>
+      <p:sp>
+        <p:nvSpPr>
+          <p:cNvPr id="151" name="正方形/長方形 150"/>
+          <p:cNvSpPr/>
+          <p:nvPr/>
+        </p:nvSpPr>
+        <p:spPr>
+          <a:xfrm>
+            <a:off x="6084168" y="2463279"/>
+            <a:ext cx="694421" cy="461665"/>
+          </a:xfrm>
+          <a:prstGeom prst="rect">
+            <a:avLst/>
+          </a:prstGeom>
+        </p:spPr>
+        <p:txBody>
+          <a:bodyPr wrap="none">
+            <a:spAutoFit/>
+          </a:bodyPr>
+          <a:lstStyle/>
+          <a:p>
+            <a:r>
+              <a:rPr lang="en-US" altLang="ja-JP" sz="2400" dirty="0" smtClean="0">
+                <a:latin typeface="Consolas" panose="020B0609020204030204" pitchFamily="49" charset="0"/>
+              </a:rPr>
+              <a:t>1*1</a:t>
+            </a:r>
+            <a:endParaRPr lang="en-US" altLang="ja-JP" sz="2400" b="0" dirty="0">
+              <a:effectLst/>
+              <a:latin typeface="Consolas" panose="020B0609020204030204" pitchFamily="49" charset="0"/>
+            </a:endParaRPr>
+          </a:p>
+        </p:txBody>
+      </p:sp>
+      <p:sp>
+        <p:nvSpPr>
+          <p:cNvPr id="152" name="正方形/長方形 151"/>
+          <p:cNvSpPr/>
+          <p:nvPr/>
+        </p:nvSpPr>
+        <p:spPr>
+          <a:xfrm>
+            <a:off x="7745808" y="5313982"/>
+            <a:ext cx="354584" cy="461665"/>
+          </a:xfrm>
+          <a:prstGeom prst="rect">
+            <a:avLst/>
+          </a:prstGeom>
+        </p:spPr>
+        <p:txBody>
+          <a:bodyPr wrap="none">
+            <a:spAutoFit/>
+          </a:bodyPr>
+          <a:lstStyle/>
+          <a:p>
+            <a:r>
+              <a:rPr lang="en-US" altLang="ja-JP" sz="2400" dirty="0" smtClean="0">
+                <a:latin typeface="Consolas" panose="020B0609020204030204" pitchFamily="49" charset="0"/>
+              </a:rPr>
+              <a:t>2</a:t>
+            </a:r>
+            <a:endParaRPr lang="en-US" altLang="ja-JP" sz="2400" b="0" dirty="0">
+              <a:effectLst/>
+              <a:latin typeface="Consolas" panose="020B0609020204030204" pitchFamily="49" charset="0"/>
+            </a:endParaRPr>
+          </a:p>
+        </p:txBody>
+      </p:sp>
+      <p:sp>
+        <p:nvSpPr>
+          <p:cNvPr id="153" name="正方形/長方形 152"/>
+          <p:cNvSpPr/>
+          <p:nvPr/>
+        </p:nvSpPr>
+        <p:spPr>
+          <a:xfrm>
+            <a:off x="6305648" y="5313982"/>
+            <a:ext cx="354584" cy="461665"/>
+          </a:xfrm>
+          <a:prstGeom prst="rect">
+            <a:avLst/>
+          </a:prstGeom>
+        </p:spPr>
+        <p:txBody>
+          <a:bodyPr wrap="none">
+            <a:spAutoFit/>
+          </a:bodyPr>
+          <a:lstStyle/>
+          <a:p>
+            <a:r>
+              <a:rPr lang="en-US" altLang="ja-JP" sz="2400" dirty="0" smtClean="0">
+                <a:latin typeface="Consolas" panose="020B0609020204030204" pitchFamily="49" charset="0"/>
+              </a:rPr>
+              <a:t>3</a:t>
+            </a:r>
+            <a:endParaRPr lang="en-US" altLang="ja-JP" sz="2400" b="0" dirty="0">
+              <a:effectLst/>
+              <a:latin typeface="Consolas" panose="020B0609020204030204" pitchFamily="49" charset="0"/>
+            </a:endParaRPr>
+          </a:p>
+        </p:txBody>
+      </p:sp>
+      <p:cxnSp>
+        <p:nvCxnSpPr>
+          <p:cNvPr id="155" name="直線矢印コネクタ 154"/>
+          <p:cNvCxnSpPr>
+            <a:stCxn id="126" idx="0"/>
+            <a:endCxn id="140" idx="2"/>
+          </p:cNvCxnSpPr>
+          <p:nvPr/>
+        </p:nvCxnSpPr>
+        <p:spPr>
+          <a:xfrm flipV="1">
+            <a:off x="6444208" y="3759423"/>
+            <a:ext cx="0" cy="720080"/>
+          </a:xfrm>
+          <a:prstGeom prst="straightConnector1">
+            <a:avLst/>
+          </a:prstGeom>
+          <a:ln>
+            <a:solidFill>
+              <a:schemeClr val="tx1"/>
+            </a:solidFill>
+            <a:headEnd type="none"/>
+            <a:tailEnd type="triangle"/>
+          </a:ln>
+          <a:effectLst/>
+        </p:spPr>
+        <p:style>
+          <a:lnRef idx="2">
+            <a:schemeClr val="accent1"/>
+          </a:lnRef>
+          <a:fillRef idx="0">
+            <a:schemeClr val="accent1"/>
+          </a:fillRef>
+          <a:effectRef idx="1">
+            <a:schemeClr val="accent1"/>
+          </a:effectRef>
+          <a:fontRef idx="minor">
+            <a:schemeClr val="tx1"/>
+          </a:fontRef>
+        </p:style>
+      </p:cxnSp>
+      <p:sp>
+        <p:nvSpPr>
+          <p:cNvPr id="156" name="正方形/長方形 155"/>
+          <p:cNvSpPr/>
+          <p:nvPr/>
+        </p:nvSpPr>
+        <p:spPr>
+          <a:xfrm>
+            <a:off x="5508104" y="3873822"/>
+            <a:ext cx="864339" cy="461665"/>
+          </a:xfrm>
+          <a:prstGeom prst="rect">
+            <a:avLst/>
+          </a:prstGeom>
+        </p:spPr>
+        <p:txBody>
+          <a:bodyPr wrap="none">
+            <a:spAutoFit/>
+          </a:bodyPr>
+          <a:lstStyle/>
+          <a:p>
+            <a:r>
+              <a:rPr lang="en-US" altLang="ja-JP" sz="2400" dirty="0" smtClean="0">
+                <a:latin typeface="Consolas" panose="020B0609020204030204" pitchFamily="49" charset="0"/>
+              </a:rPr>
+              <a:t>3*16</a:t>
+            </a:r>
+            <a:endParaRPr lang="en-US" altLang="ja-JP" sz="2400" b="0" dirty="0">
+              <a:effectLst/>
+              <a:latin typeface="Consolas" panose="020B0609020204030204" pitchFamily="49" charset="0"/>
+            </a:endParaRPr>
+          </a:p>
+        </p:txBody>
+      </p:sp>
+      <p:sp>
+        <p:nvSpPr>
+          <p:cNvPr id="157" name="正方形/長方形 156"/>
+          <p:cNvSpPr/>
+          <p:nvPr/>
+        </p:nvSpPr>
+        <p:spPr>
+          <a:xfrm>
+            <a:off x="4741675" y="3153742"/>
+            <a:ext cx="694421" cy="461665"/>
+          </a:xfrm>
+          <a:prstGeom prst="rect">
+            <a:avLst/>
+          </a:prstGeom>
+        </p:spPr>
+        <p:txBody>
+          <a:bodyPr wrap="none">
+            <a:spAutoFit/>
+          </a:bodyPr>
+          <a:lstStyle/>
+          <a:p>
+            <a:r>
+              <a:rPr lang="en-US" altLang="ja-JP" sz="2400" dirty="0" smtClean="0">
+                <a:latin typeface="Consolas" panose="020B0609020204030204" pitchFamily="49" charset="0"/>
+              </a:rPr>
+              <a:t>vdz</a:t>
+            </a:r>
+            <a:endParaRPr lang="en-US" altLang="ja-JP" sz="2400" b="0" dirty="0">
+              <a:effectLst/>
+              <a:latin typeface="Consolas" panose="020B0609020204030204" pitchFamily="49" charset="0"/>
+            </a:endParaRPr>
+          </a:p>
+        </p:txBody>
+      </p:sp>
+      <p:sp>
+        <p:nvSpPr>
+          <p:cNvPr id="158" name="正方形/長方形 157"/>
+          <p:cNvSpPr/>
+          <p:nvPr/>
+        </p:nvSpPr>
+        <p:spPr>
+          <a:xfrm>
+            <a:off x="1452617" y="5919663"/>
+            <a:ext cx="2903359" cy="461665"/>
+          </a:xfrm>
+          <a:prstGeom prst="rect">
+            <a:avLst/>
+          </a:prstGeom>
+        </p:spPr>
+        <p:txBody>
+          <a:bodyPr wrap="none">
+            <a:spAutoFit/>
+          </a:bodyPr>
+          <a:lstStyle/>
+          <a:p>
+            <a:r>
+              <a:rPr lang="en-US" altLang="ja-JP" sz="2400" dirty="0" smtClean="0">
+                <a:latin typeface="Consolas" panose="020B0609020204030204" pitchFamily="49" charset="0"/>
+              </a:rPr>
+              <a:t>imm = 2*16 + 0*1</a:t>
+            </a:r>
+            <a:endParaRPr lang="en-US" altLang="ja-JP" sz="2400" b="0" dirty="0">
+              <a:effectLst/>
+              <a:latin typeface="Consolas" panose="020B0609020204030204" pitchFamily="49" charset="0"/>
+            </a:endParaRPr>
+          </a:p>
+        </p:txBody>
+      </p:sp>
+      <p:sp>
+        <p:nvSpPr>
+          <p:cNvPr id="160" name="正方形/長方形 159"/>
+          <p:cNvSpPr/>
+          <p:nvPr/>
+        </p:nvSpPr>
+        <p:spPr>
+          <a:xfrm>
+            <a:off x="5773097" y="5890046"/>
+            <a:ext cx="2903359" cy="461665"/>
+          </a:xfrm>
+          <a:prstGeom prst="rect">
+            <a:avLst/>
+          </a:prstGeom>
+        </p:spPr>
+        <p:txBody>
+          <a:bodyPr wrap="none">
+            <a:spAutoFit/>
+          </a:bodyPr>
+          <a:lstStyle/>
+          <a:p>
+            <a:r>
+              <a:rPr lang="en-US" altLang="ja-JP" sz="2400" dirty="0" smtClean="0">
+                <a:latin typeface="Consolas" panose="020B0609020204030204" pitchFamily="49" charset="0"/>
+              </a:rPr>
+              <a:t>imm = 3*16 + 1*1</a:t>
+            </a:r>
+            <a:endParaRPr lang="en-US" altLang="ja-JP" sz="2400" b="0" dirty="0">
+              <a:effectLst/>
+              <a:latin typeface="Consolas" panose="020B0609020204030204" pitchFamily="49" charset="0"/>
+            </a:endParaRPr>
+          </a:p>
+        </p:txBody>
+      </p:sp>
+    </p:spTree>
+    <p:extLst>
+      <p:ext uri="{BB962C8B-B14F-4D97-AF65-F5344CB8AC3E}">
+        <p14:creationId xmlns:p14="http://schemas.microsoft.com/office/powerpoint/2010/main" val="1725032727"/>
       </p:ext>
     </p:extLst>
   </p:cSld>
